--- a/Mentor-Mentee-Portal/SPD Presentation/SPD Presentation.pptx
+++ b/Mentor-Mentee-Portal/SPD Presentation/SPD Presentation.pptx
@@ -8,17 +8,44 @@
     <p:sldId id="256" r:id="rId2"/>
     <p:sldId id="269" r:id="rId3"/>
     <p:sldId id="263" r:id="rId4"/>
-    <p:sldId id="270" r:id="rId5"/>
-    <p:sldId id="271" r:id="rId6"/>
-    <p:sldId id="272" r:id="rId7"/>
-    <p:sldId id="273" r:id="rId8"/>
-    <p:sldId id="265" r:id="rId9"/>
-    <p:sldId id="267" r:id="rId10"/>
-    <p:sldId id="268" r:id="rId11"/>
-    <p:sldId id="259" r:id="rId12"/>
-    <p:sldId id="260" r:id="rId13"/>
-    <p:sldId id="261" r:id="rId14"/>
-    <p:sldId id="262" r:id="rId15"/>
+    <p:sldId id="265" r:id="rId5"/>
+    <p:sldId id="267" r:id="rId6"/>
+    <p:sldId id="274" r:id="rId7"/>
+    <p:sldId id="268" r:id="rId8"/>
+    <p:sldId id="270" r:id="rId9"/>
+    <p:sldId id="259" r:id="rId10"/>
+    <p:sldId id="260" r:id="rId11"/>
+    <p:sldId id="261" r:id="rId12"/>
+    <p:sldId id="262" r:id="rId13"/>
+    <p:sldId id="275" r:id="rId14"/>
+    <p:sldId id="295" r:id="rId15"/>
+    <p:sldId id="276" r:id="rId16"/>
+    <p:sldId id="277" r:id="rId17"/>
+    <p:sldId id="278" r:id="rId18"/>
+    <p:sldId id="279" r:id="rId19"/>
+    <p:sldId id="280" r:id="rId20"/>
+    <p:sldId id="281" r:id="rId21"/>
+    <p:sldId id="282" r:id="rId22"/>
+    <p:sldId id="283" r:id="rId23"/>
+    <p:sldId id="284" r:id="rId24"/>
+    <p:sldId id="285" r:id="rId25"/>
+    <p:sldId id="287" r:id="rId26"/>
+    <p:sldId id="288" r:id="rId27"/>
+    <p:sldId id="286" r:id="rId28"/>
+    <p:sldId id="289" r:id="rId29"/>
+    <p:sldId id="290" r:id="rId30"/>
+    <p:sldId id="292" r:id="rId31"/>
+    <p:sldId id="293" r:id="rId32"/>
+    <p:sldId id="294" r:id="rId33"/>
+    <p:sldId id="291" r:id="rId34"/>
+    <p:sldId id="296" r:id="rId35"/>
+    <p:sldId id="297" r:id="rId36"/>
+    <p:sldId id="298" r:id="rId37"/>
+    <p:sldId id="299" r:id="rId38"/>
+    <p:sldId id="300" r:id="rId39"/>
+    <p:sldId id="301" r:id="rId40"/>
+    <p:sldId id="302" r:id="rId41"/>
+    <p:sldId id="303" r:id="rId42"/>
   </p:sldIdLst>
   <p:sldSz cx="9144000" cy="6858000" type="screen4x3"/>
   <p:notesSz cx="6858000" cy="9144000"/>
@@ -117,6 +144,22 @@
       </a:defRPr>
     </a:lvl9pPr>
   </p:defaultTextStyle>
+  <p:extLst>
+    <p:ext uri="{EFAFB233-063F-42B5-8137-9DF3F51BA10A}">
+      <p15:sldGuideLst xmlns:p15="http://schemas.microsoft.com/office/powerpoint/2012/main">
+        <p15:guide id="1" orient="horz" pos="2160">
+          <p15:clr>
+            <a:srgbClr val="A4A3A4"/>
+          </p15:clr>
+        </p15:guide>
+        <p15:guide id="2" pos="2880">
+          <p15:clr>
+            <a:srgbClr val="A4A3A4"/>
+          </p15:clr>
+        </p15:guide>
+      </p15:sldGuideLst>
+    </p:ext>
+  </p:extLst>
 </p:presentation>
 </file>
 
@@ -158,7 +201,7 @@
           <a:lstStyle/>
           <a:p>
             <a:r>
-              <a:rPr lang="en-US" smtClean="0"/>
+              <a:rPr lang="en-US"/>
               <a:t>Click to edit Master title style</a:t>
             </a:r>
             <a:endParaRPr lang="en-IN"/>
@@ -277,7 +320,7 @@
           </a:lstStyle>
           <a:p>
             <a:r>
-              <a:rPr lang="en-US" smtClean="0"/>
+              <a:rPr lang="en-US"/>
               <a:t>Click to edit Master subtitle style</a:t>
             </a:r>
             <a:endParaRPr lang="en-IN"/>
@@ -301,7 +344,7 @@
           <a:p>
             <a:fld id="{D43F2F55-701C-4B8C-B999-0D77D3DEC0CE}" type="datetimeFigureOut">
               <a:rPr lang="en-IN" smtClean="0"/>
-              <a:t>14-11-2021</a:t>
+              <a:t>15-11-2021</a:t>
             </a:fld>
             <a:endParaRPr lang="en-IN"/>
           </a:p>
@@ -395,7 +438,7 @@
           <a:lstStyle/>
           <a:p>
             <a:r>
-              <a:rPr lang="en-US" smtClean="0"/>
+              <a:rPr lang="en-US"/>
               <a:t>Click to edit Master title style</a:t>
             </a:r>
             <a:endParaRPr lang="en-IN"/>
@@ -419,35 +462,35 @@
           <a:p>
             <a:pPr lvl="0"/>
             <a:r>
-              <a:rPr lang="en-US" smtClean="0"/>
+              <a:rPr lang="en-US"/>
               <a:t>Click to edit Master text styles</a:t>
             </a:r>
           </a:p>
           <a:p>
             <a:pPr lvl="1"/>
             <a:r>
-              <a:rPr lang="en-US" smtClean="0"/>
+              <a:rPr lang="en-US"/>
               <a:t>Second level</a:t>
             </a:r>
           </a:p>
           <a:p>
             <a:pPr lvl="2"/>
             <a:r>
-              <a:rPr lang="en-US" smtClean="0"/>
+              <a:rPr lang="en-US"/>
               <a:t>Third level</a:t>
             </a:r>
           </a:p>
           <a:p>
             <a:pPr lvl="3"/>
             <a:r>
-              <a:rPr lang="en-US" smtClean="0"/>
+              <a:rPr lang="en-US"/>
               <a:t>Fourth level</a:t>
             </a:r>
           </a:p>
           <a:p>
             <a:pPr lvl="4"/>
             <a:r>
-              <a:rPr lang="en-US" smtClean="0"/>
+              <a:rPr lang="en-US"/>
               <a:t>Fifth level</a:t>
             </a:r>
             <a:endParaRPr lang="en-IN"/>
@@ -471,7 +514,7 @@
           <a:p>
             <a:fld id="{D43F2F55-701C-4B8C-B999-0D77D3DEC0CE}" type="datetimeFigureOut">
               <a:rPr lang="en-IN" smtClean="0"/>
-              <a:t>14-11-2021</a:t>
+              <a:t>15-11-2021</a:t>
             </a:fld>
             <a:endParaRPr lang="en-IN"/>
           </a:p>
@@ -570,7 +613,7 @@
           <a:lstStyle/>
           <a:p>
             <a:r>
-              <a:rPr lang="en-US" smtClean="0"/>
+              <a:rPr lang="en-US"/>
               <a:t>Click to edit Master title style</a:t>
             </a:r>
             <a:endParaRPr lang="en-IN"/>
@@ -599,35 +642,35 @@
           <a:p>
             <a:pPr lvl="0"/>
             <a:r>
-              <a:rPr lang="en-US" smtClean="0"/>
+              <a:rPr lang="en-US"/>
               <a:t>Click to edit Master text styles</a:t>
             </a:r>
           </a:p>
           <a:p>
             <a:pPr lvl="1"/>
             <a:r>
-              <a:rPr lang="en-US" smtClean="0"/>
+              <a:rPr lang="en-US"/>
               <a:t>Second level</a:t>
             </a:r>
           </a:p>
           <a:p>
             <a:pPr lvl="2"/>
             <a:r>
-              <a:rPr lang="en-US" smtClean="0"/>
+              <a:rPr lang="en-US"/>
               <a:t>Third level</a:t>
             </a:r>
           </a:p>
           <a:p>
             <a:pPr lvl="3"/>
             <a:r>
-              <a:rPr lang="en-US" smtClean="0"/>
+              <a:rPr lang="en-US"/>
               <a:t>Fourth level</a:t>
             </a:r>
           </a:p>
           <a:p>
             <a:pPr lvl="4"/>
             <a:r>
-              <a:rPr lang="en-US" smtClean="0"/>
+              <a:rPr lang="en-US"/>
               <a:t>Fifth level</a:t>
             </a:r>
             <a:endParaRPr lang="en-IN"/>
@@ -651,7 +694,7 @@
           <a:p>
             <a:fld id="{D43F2F55-701C-4B8C-B999-0D77D3DEC0CE}" type="datetimeFigureOut">
               <a:rPr lang="en-IN" smtClean="0"/>
-              <a:t>14-11-2021</a:t>
+              <a:t>15-11-2021</a:t>
             </a:fld>
             <a:endParaRPr lang="en-IN"/>
           </a:p>
@@ -745,7 +788,7 @@
           <a:lstStyle/>
           <a:p>
             <a:r>
-              <a:rPr lang="en-US" smtClean="0"/>
+              <a:rPr lang="en-US"/>
               <a:t>Click to edit Master title style</a:t>
             </a:r>
             <a:endParaRPr lang="en-IN"/>
@@ -769,35 +812,35 @@
           <a:p>
             <a:pPr lvl="0"/>
             <a:r>
-              <a:rPr lang="en-US" smtClean="0"/>
+              <a:rPr lang="en-US"/>
               <a:t>Click to edit Master text styles</a:t>
             </a:r>
           </a:p>
           <a:p>
             <a:pPr lvl="1"/>
             <a:r>
-              <a:rPr lang="en-US" smtClean="0"/>
+              <a:rPr lang="en-US"/>
               <a:t>Second level</a:t>
             </a:r>
           </a:p>
           <a:p>
             <a:pPr lvl="2"/>
             <a:r>
-              <a:rPr lang="en-US" smtClean="0"/>
+              <a:rPr lang="en-US"/>
               <a:t>Third level</a:t>
             </a:r>
           </a:p>
           <a:p>
             <a:pPr lvl="3"/>
             <a:r>
-              <a:rPr lang="en-US" smtClean="0"/>
+              <a:rPr lang="en-US"/>
               <a:t>Fourth level</a:t>
             </a:r>
           </a:p>
           <a:p>
             <a:pPr lvl="4"/>
             <a:r>
-              <a:rPr lang="en-US" smtClean="0"/>
+              <a:rPr lang="en-US"/>
               <a:t>Fifth level</a:t>
             </a:r>
             <a:endParaRPr lang="en-IN"/>
@@ -821,7 +864,7 @@
           <a:p>
             <a:fld id="{D43F2F55-701C-4B8C-B999-0D77D3DEC0CE}" type="datetimeFigureOut">
               <a:rPr lang="en-IN" smtClean="0"/>
-              <a:t>14-11-2021</a:t>
+              <a:t>15-11-2021</a:t>
             </a:fld>
             <a:endParaRPr lang="en-IN"/>
           </a:p>
@@ -924,7 +967,7 @@
           </a:lstStyle>
           <a:p>
             <a:r>
-              <a:rPr lang="en-US" smtClean="0"/>
+              <a:rPr lang="en-US"/>
               <a:t>Click to edit Master title style</a:t>
             </a:r>
             <a:endParaRPr lang="en-IN"/>
@@ -1044,7 +1087,7 @@
           <a:p>
             <a:pPr lvl="0"/>
             <a:r>
-              <a:rPr lang="en-US" smtClean="0"/>
+              <a:rPr lang="en-US"/>
               <a:t>Click to edit Master text styles</a:t>
             </a:r>
           </a:p>
@@ -1067,7 +1110,7 @@
           <a:p>
             <a:fld id="{D43F2F55-701C-4B8C-B999-0D77D3DEC0CE}" type="datetimeFigureOut">
               <a:rPr lang="en-IN" smtClean="0"/>
-              <a:t>14-11-2021</a:t>
+              <a:t>15-11-2021</a:t>
             </a:fld>
             <a:endParaRPr lang="en-IN"/>
           </a:p>
@@ -1161,7 +1204,7 @@
           <a:lstStyle/>
           <a:p>
             <a:r>
-              <a:rPr lang="en-US" smtClean="0"/>
+              <a:rPr lang="en-US"/>
               <a:t>Click to edit Master title style</a:t>
             </a:r>
             <a:endParaRPr lang="en-IN"/>
@@ -1218,35 +1261,35 @@
           <a:p>
             <a:pPr lvl="0"/>
             <a:r>
-              <a:rPr lang="en-US" smtClean="0"/>
+              <a:rPr lang="en-US"/>
               <a:t>Click to edit Master text styles</a:t>
             </a:r>
           </a:p>
           <a:p>
             <a:pPr lvl="1"/>
             <a:r>
-              <a:rPr lang="en-US" smtClean="0"/>
+              <a:rPr lang="en-US"/>
               <a:t>Second level</a:t>
             </a:r>
           </a:p>
           <a:p>
             <a:pPr lvl="2"/>
             <a:r>
-              <a:rPr lang="en-US" smtClean="0"/>
+              <a:rPr lang="en-US"/>
               <a:t>Third level</a:t>
             </a:r>
           </a:p>
           <a:p>
             <a:pPr lvl="3"/>
             <a:r>
-              <a:rPr lang="en-US" smtClean="0"/>
+              <a:rPr lang="en-US"/>
               <a:t>Fourth level</a:t>
             </a:r>
           </a:p>
           <a:p>
             <a:pPr lvl="4"/>
             <a:r>
-              <a:rPr lang="en-US" smtClean="0"/>
+              <a:rPr lang="en-US"/>
               <a:t>Fifth level</a:t>
             </a:r>
             <a:endParaRPr lang="en-IN"/>
@@ -1303,35 +1346,35 @@
           <a:p>
             <a:pPr lvl="0"/>
             <a:r>
-              <a:rPr lang="en-US" smtClean="0"/>
+              <a:rPr lang="en-US"/>
               <a:t>Click to edit Master text styles</a:t>
             </a:r>
           </a:p>
           <a:p>
             <a:pPr lvl="1"/>
             <a:r>
-              <a:rPr lang="en-US" smtClean="0"/>
+              <a:rPr lang="en-US"/>
               <a:t>Second level</a:t>
             </a:r>
           </a:p>
           <a:p>
             <a:pPr lvl="2"/>
             <a:r>
-              <a:rPr lang="en-US" smtClean="0"/>
+              <a:rPr lang="en-US"/>
               <a:t>Third level</a:t>
             </a:r>
           </a:p>
           <a:p>
             <a:pPr lvl="3"/>
             <a:r>
-              <a:rPr lang="en-US" smtClean="0"/>
+              <a:rPr lang="en-US"/>
               <a:t>Fourth level</a:t>
             </a:r>
           </a:p>
           <a:p>
             <a:pPr lvl="4"/>
             <a:r>
-              <a:rPr lang="en-US" smtClean="0"/>
+              <a:rPr lang="en-US"/>
               <a:t>Fifth level</a:t>
             </a:r>
             <a:endParaRPr lang="en-IN"/>
@@ -1355,7 +1398,7 @@
           <a:p>
             <a:fld id="{D43F2F55-701C-4B8C-B999-0D77D3DEC0CE}" type="datetimeFigureOut">
               <a:rPr lang="en-IN" smtClean="0"/>
-              <a:t>14-11-2021</a:t>
+              <a:t>15-11-2021</a:t>
             </a:fld>
             <a:endParaRPr lang="en-IN"/>
           </a:p>
@@ -1453,7 +1496,7 @@
           </a:lstStyle>
           <a:p>
             <a:r>
-              <a:rPr lang="en-US" smtClean="0"/>
+              <a:rPr lang="en-US"/>
               <a:t>Click to edit Master title style</a:t>
             </a:r>
             <a:endParaRPr lang="en-IN"/>
@@ -1519,7 +1562,7 @@
           <a:p>
             <a:pPr lvl="0"/>
             <a:r>
-              <a:rPr lang="en-US" smtClean="0"/>
+              <a:rPr lang="en-US"/>
               <a:t>Click to edit Master text styles</a:t>
             </a:r>
           </a:p>
@@ -1575,35 +1618,35 @@
           <a:p>
             <a:pPr lvl="0"/>
             <a:r>
-              <a:rPr lang="en-US" smtClean="0"/>
+              <a:rPr lang="en-US"/>
               <a:t>Click to edit Master text styles</a:t>
             </a:r>
           </a:p>
           <a:p>
             <a:pPr lvl="1"/>
             <a:r>
-              <a:rPr lang="en-US" smtClean="0"/>
+              <a:rPr lang="en-US"/>
               <a:t>Second level</a:t>
             </a:r>
           </a:p>
           <a:p>
             <a:pPr lvl="2"/>
             <a:r>
-              <a:rPr lang="en-US" smtClean="0"/>
+              <a:rPr lang="en-US"/>
               <a:t>Third level</a:t>
             </a:r>
           </a:p>
           <a:p>
             <a:pPr lvl="3"/>
             <a:r>
-              <a:rPr lang="en-US" smtClean="0"/>
+              <a:rPr lang="en-US"/>
               <a:t>Fourth level</a:t>
             </a:r>
           </a:p>
           <a:p>
             <a:pPr lvl="4"/>
             <a:r>
-              <a:rPr lang="en-US" smtClean="0"/>
+              <a:rPr lang="en-US"/>
               <a:t>Fifth level</a:t>
             </a:r>
             <a:endParaRPr lang="en-IN"/>
@@ -1669,7 +1712,7 @@
           <a:p>
             <a:pPr lvl="0"/>
             <a:r>
-              <a:rPr lang="en-US" smtClean="0"/>
+              <a:rPr lang="en-US"/>
               <a:t>Click to edit Master text styles</a:t>
             </a:r>
           </a:p>
@@ -1725,35 +1768,35 @@
           <a:p>
             <a:pPr lvl="0"/>
             <a:r>
-              <a:rPr lang="en-US" smtClean="0"/>
+              <a:rPr lang="en-US"/>
               <a:t>Click to edit Master text styles</a:t>
             </a:r>
           </a:p>
           <a:p>
             <a:pPr lvl="1"/>
             <a:r>
-              <a:rPr lang="en-US" smtClean="0"/>
+              <a:rPr lang="en-US"/>
               <a:t>Second level</a:t>
             </a:r>
           </a:p>
           <a:p>
             <a:pPr lvl="2"/>
             <a:r>
-              <a:rPr lang="en-US" smtClean="0"/>
+              <a:rPr lang="en-US"/>
               <a:t>Third level</a:t>
             </a:r>
           </a:p>
           <a:p>
             <a:pPr lvl="3"/>
             <a:r>
-              <a:rPr lang="en-US" smtClean="0"/>
+              <a:rPr lang="en-US"/>
               <a:t>Fourth level</a:t>
             </a:r>
           </a:p>
           <a:p>
             <a:pPr lvl="4"/>
             <a:r>
-              <a:rPr lang="en-US" smtClean="0"/>
+              <a:rPr lang="en-US"/>
               <a:t>Fifth level</a:t>
             </a:r>
             <a:endParaRPr lang="en-IN"/>
@@ -1777,7 +1820,7 @@
           <a:p>
             <a:fld id="{D43F2F55-701C-4B8C-B999-0D77D3DEC0CE}" type="datetimeFigureOut">
               <a:rPr lang="en-IN" smtClean="0"/>
-              <a:t>14-11-2021</a:t>
+              <a:t>15-11-2021</a:t>
             </a:fld>
             <a:endParaRPr lang="en-IN"/>
           </a:p>
@@ -1871,7 +1914,7 @@
           <a:lstStyle/>
           <a:p>
             <a:r>
-              <a:rPr lang="en-US" smtClean="0"/>
+              <a:rPr lang="en-US"/>
               <a:t>Click to edit Master title style</a:t>
             </a:r>
             <a:endParaRPr lang="en-IN"/>
@@ -1895,7 +1938,7 @@
           <a:p>
             <a:fld id="{D43F2F55-701C-4B8C-B999-0D77D3DEC0CE}" type="datetimeFigureOut">
               <a:rPr lang="en-IN" smtClean="0"/>
-              <a:t>14-11-2021</a:t>
+              <a:t>15-11-2021</a:t>
             </a:fld>
             <a:endParaRPr lang="en-IN"/>
           </a:p>
@@ -1990,7 +2033,7 @@
           <a:p>
             <a:fld id="{D43F2F55-701C-4B8C-B999-0D77D3DEC0CE}" type="datetimeFigureOut">
               <a:rPr lang="en-IN" smtClean="0"/>
-              <a:t>14-11-2021</a:t>
+              <a:t>15-11-2021</a:t>
             </a:fld>
             <a:endParaRPr lang="en-IN"/>
           </a:p>
@@ -2093,7 +2136,7 @@
           </a:lstStyle>
           <a:p>
             <a:r>
-              <a:rPr lang="en-US" smtClean="0"/>
+              <a:rPr lang="en-US"/>
               <a:t>Click to edit Master title style</a:t>
             </a:r>
             <a:endParaRPr lang="en-IN"/>
@@ -2150,35 +2193,35 @@
           <a:p>
             <a:pPr lvl="0"/>
             <a:r>
-              <a:rPr lang="en-US" smtClean="0"/>
+              <a:rPr lang="en-US"/>
               <a:t>Click to edit Master text styles</a:t>
             </a:r>
           </a:p>
           <a:p>
             <a:pPr lvl="1"/>
             <a:r>
-              <a:rPr lang="en-US" smtClean="0"/>
+              <a:rPr lang="en-US"/>
               <a:t>Second level</a:t>
             </a:r>
           </a:p>
           <a:p>
             <a:pPr lvl="2"/>
             <a:r>
-              <a:rPr lang="en-US" smtClean="0"/>
+              <a:rPr lang="en-US"/>
               <a:t>Third level</a:t>
             </a:r>
           </a:p>
           <a:p>
             <a:pPr lvl="3"/>
             <a:r>
-              <a:rPr lang="en-US" smtClean="0"/>
+              <a:rPr lang="en-US"/>
               <a:t>Fourth level</a:t>
             </a:r>
           </a:p>
           <a:p>
             <a:pPr lvl="4"/>
             <a:r>
-              <a:rPr lang="en-US" smtClean="0"/>
+              <a:rPr lang="en-US"/>
               <a:t>Fifth level</a:t>
             </a:r>
             <a:endParaRPr lang="en-IN"/>
@@ -2244,7 +2287,7 @@
           <a:p>
             <a:pPr lvl="0"/>
             <a:r>
-              <a:rPr lang="en-US" smtClean="0"/>
+              <a:rPr lang="en-US"/>
               <a:t>Click to edit Master text styles</a:t>
             </a:r>
           </a:p>
@@ -2267,7 +2310,7 @@
           <a:p>
             <a:fld id="{D43F2F55-701C-4B8C-B999-0D77D3DEC0CE}" type="datetimeFigureOut">
               <a:rPr lang="en-IN" smtClean="0"/>
-              <a:t>14-11-2021</a:t>
+              <a:t>15-11-2021</a:t>
             </a:fld>
             <a:endParaRPr lang="en-IN"/>
           </a:p>
@@ -2370,7 +2413,7 @@
           </a:lstStyle>
           <a:p>
             <a:r>
-              <a:rPr lang="en-US" smtClean="0"/>
+              <a:rPr lang="en-US"/>
               <a:t>Click to edit Master title style</a:t>
             </a:r>
             <a:endParaRPr lang="en-IN"/>
@@ -2497,7 +2540,7 @@
           <a:p>
             <a:pPr lvl="0"/>
             <a:r>
-              <a:rPr lang="en-US" smtClean="0"/>
+              <a:rPr lang="en-US"/>
               <a:t>Click to edit Master text styles</a:t>
             </a:r>
           </a:p>
@@ -2520,7 +2563,7 @@
           <a:p>
             <a:fld id="{D43F2F55-701C-4B8C-B999-0D77D3DEC0CE}" type="datetimeFigureOut">
               <a:rPr lang="en-IN" smtClean="0"/>
-              <a:t>14-11-2021</a:t>
+              <a:t>15-11-2021</a:t>
             </a:fld>
             <a:endParaRPr lang="en-IN"/>
           </a:p>
@@ -2629,7 +2672,7 @@
           <a:lstStyle/>
           <a:p>
             <a:r>
-              <a:rPr lang="en-US" smtClean="0"/>
+              <a:rPr lang="en-US"/>
               <a:t>Click to edit Master title style</a:t>
             </a:r>
             <a:endParaRPr lang="en-IN"/>
@@ -2663,35 +2706,35 @@
           <a:p>
             <a:pPr lvl="0"/>
             <a:r>
-              <a:rPr lang="en-US" smtClean="0"/>
+              <a:rPr lang="en-US"/>
               <a:t>Click to edit Master text styles</a:t>
             </a:r>
           </a:p>
           <a:p>
             <a:pPr lvl="1"/>
             <a:r>
-              <a:rPr lang="en-US" smtClean="0"/>
+              <a:rPr lang="en-US"/>
               <a:t>Second level</a:t>
             </a:r>
           </a:p>
           <a:p>
             <a:pPr lvl="2"/>
             <a:r>
-              <a:rPr lang="en-US" smtClean="0"/>
+              <a:rPr lang="en-US"/>
               <a:t>Third level</a:t>
             </a:r>
           </a:p>
           <a:p>
             <a:pPr lvl="3"/>
             <a:r>
-              <a:rPr lang="en-US" smtClean="0"/>
+              <a:rPr lang="en-US"/>
               <a:t>Fourth level</a:t>
             </a:r>
           </a:p>
           <a:p>
             <a:pPr lvl="4"/>
             <a:r>
-              <a:rPr lang="en-US" smtClean="0"/>
+              <a:rPr lang="en-US"/>
               <a:t>Fifth level</a:t>
             </a:r>
             <a:endParaRPr lang="en-IN"/>
@@ -2733,7 +2776,7 @@
           <a:p>
             <a:fld id="{D43F2F55-701C-4B8C-B999-0D77D3DEC0CE}" type="datetimeFigureOut">
               <a:rPr lang="en-IN" smtClean="0"/>
-              <a:t>14-11-2021</a:t>
+              <a:t>15-11-2021</a:t>
             </a:fld>
             <a:endParaRPr lang="en-IN"/>
           </a:p>
@@ -3118,7 +3161,12 @@
             <p:ph type="ctrTitle"/>
           </p:nvPr>
         </p:nvSpPr>
-        <p:spPr/>
+        <p:spPr>
+          <a:xfrm>
+            <a:off x="539552" y="620688"/>
+            <a:ext cx="7772400" cy="1470025"/>
+          </a:xfrm>
+        </p:spPr>
         <p:txBody>
           <a:bodyPr>
             <a:normAutofit fontScale="90000"/>
@@ -3126,22 +3174,14 @@
           <a:lstStyle/>
           <a:p>
             <a:r>
-              <a:rPr lang="en-US" sz="4000" b="1" dirty="0" smtClean="0"/>
-              <a:t>SOFTWARE </a:t>
-            </a:r>
-            <a:r>
               <a:rPr lang="en-US" sz="4000" b="1" dirty="0"/>
-              <a:t>PACKAGE DESVELOPMENT</a:t>
-            </a:r>
-            <a:r>
-              <a:rPr lang="en-US" sz="4000" dirty="0" smtClean="0"/>
-              <a:t/>
+              <a:t>SOFTWARE PACKAGE DESVELOPMENT</a:t>
             </a:r>
             <a:br>
-              <a:rPr lang="en-US" sz="4000" dirty="0" smtClean="0"/>
+              <a:rPr lang="en-US" sz="4000" dirty="0"/>
             </a:br>
             <a:r>
-              <a:rPr lang="en-US" dirty="0" smtClean="0">
+              <a:rPr lang="en-US" dirty="0">
                 <a:latin typeface="Algerian" panose="04020705040A02060702" pitchFamily="82" charset="0"/>
               </a:rPr>
               <a:t>CLASSMATE</a:t>
@@ -3162,12 +3202,92 @@
             <p:ph type="subTitle" idx="1"/>
           </p:nvPr>
         </p:nvSpPr>
-        <p:spPr/>
-        <p:txBody>
-          <a:bodyPr/>
-          <a:lstStyle/>
-          <a:p>
-            <a:endParaRPr lang="en-IN"/>
+        <p:spPr>
+          <a:xfrm>
+            <a:off x="827584" y="2276872"/>
+            <a:ext cx="6944816" cy="3672408"/>
+          </a:xfrm>
+        </p:spPr>
+        <p:txBody>
+          <a:bodyPr>
+            <a:normAutofit fontScale="77500" lnSpcReduction="20000"/>
+          </a:bodyPr>
+          <a:lstStyle/>
+          <a:p>
+            <a:r>
+              <a:rPr lang="en-US" dirty="0"/>
+              <a:t>Team Number : </a:t>
+            </a:r>
+          </a:p>
+          <a:p>
+            <a:r>
+              <a:rPr lang="en-US" dirty="0"/>
+              <a:t>6</a:t>
+            </a:r>
+          </a:p>
+          <a:p>
+            <a:r>
+              <a:rPr lang="en-US" dirty="0"/>
+              <a:t>Team Members </a:t>
+            </a:r>
+          </a:p>
+          <a:p>
+            <a:pPr algn="l"/>
+            <a:r>
+              <a:rPr lang="en-US" dirty="0"/>
+              <a:t>1.Srivathssan V </a:t>
+            </a:r>
+            <a:r>
+              <a:rPr lang="en-US" dirty="0" err="1"/>
+              <a:t>V</a:t>
+            </a:r>
+            <a:r>
+              <a:rPr lang="en-US" dirty="0"/>
+              <a:t> (19z247)</a:t>
+            </a:r>
+          </a:p>
+          <a:p>
+            <a:pPr algn="l"/>
+            <a:r>
+              <a:rPr lang="en-US" dirty="0"/>
+              <a:t>2.Kousik </a:t>
+            </a:r>
+            <a:r>
+              <a:rPr lang="en-US" dirty="0" err="1"/>
+              <a:t>Nibith</a:t>
+            </a:r>
+            <a:r>
+              <a:rPr lang="en-US" dirty="0"/>
+              <a:t> Ram V P (19z253)</a:t>
+            </a:r>
+          </a:p>
+          <a:p>
+            <a:pPr algn="l"/>
+            <a:r>
+              <a:rPr lang="en-US" dirty="0"/>
+              <a:t>3.Vignesh M (19z258)</a:t>
+            </a:r>
+          </a:p>
+          <a:p>
+            <a:pPr algn="l"/>
+            <a:r>
+              <a:rPr lang="en-US" dirty="0"/>
+              <a:t>4.Sruthi S(20z434)</a:t>
+            </a:r>
+          </a:p>
+          <a:p>
+            <a:pPr algn="l"/>
+            <a:r>
+              <a:rPr lang="en-IN" dirty="0"/>
+              <a:t>5.Udhayakumaran H (20z435)</a:t>
+            </a:r>
+          </a:p>
+          <a:p>
+            <a:pPr algn="l"/>
+            <a:r>
+              <a:rPr lang="en-IN" dirty="0"/>
+              <a:t>6.Vignesh A(20z436)</a:t>
+            </a:r>
           </a:p>
         </p:txBody>
       </p:sp>
@@ -3217,369 +3337,7 @@
           <a:lstStyle/>
           <a:p>
             <a:r>
-              <a:rPr lang="en-US" u="sng" dirty="0" smtClean="0">
-                <a:latin typeface="Algerian" panose="04020705040A02060702" pitchFamily="82" charset="0"/>
-              </a:rPr>
-              <a:t>SYSTEM REQUIREMENT</a:t>
-            </a:r>
-            <a:endParaRPr lang="en-IN" u="sng" dirty="0">
-              <a:latin typeface="Algerian" panose="04020705040A02060702" pitchFamily="82" charset="0"/>
-            </a:endParaRPr>
-          </a:p>
-        </p:txBody>
-      </p:sp>
-      <p:sp>
-        <p:nvSpPr>
-          <p:cNvPr id="3" name="Content Placeholder 2"/>
-          <p:cNvSpPr>
-            <a:spLocks noGrp="1"/>
-          </p:cNvSpPr>
-          <p:nvPr>
-            <p:ph idx="1"/>
-          </p:nvPr>
-        </p:nvSpPr>
-        <p:spPr/>
-        <p:txBody>
-          <a:bodyPr>
-            <a:normAutofit/>
-          </a:bodyPr>
-          <a:lstStyle/>
-          <a:p>
-            <a:r>
-              <a:rPr lang="en-IN" b="1" u="sng" dirty="0"/>
-              <a:t>Student</a:t>
-            </a:r>
-          </a:p>
-          <a:p>
-            <a:pPr marL="914400" lvl="1" indent="-457200">
-              <a:buFont typeface="+mj-lt"/>
-              <a:buAutoNum type="arabicPeriod"/>
-            </a:pPr>
-            <a:r>
-              <a:rPr lang="en-IN" sz="2200" dirty="0"/>
-              <a:t>View Scheduled tests and webinars</a:t>
-            </a:r>
-          </a:p>
-          <a:p>
-            <a:pPr marL="457200" lvl="1" indent="0">
-              <a:buNone/>
-            </a:pPr>
-            <a:r>
-              <a:rPr lang="en-US" sz="2200" dirty="0"/>
-              <a:t>The students can view their scheduled webinars and tests by their instructors </a:t>
-            </a:r>
-            <a:endParaRPr lang="en-IN" sz="2200" dirty="0"/>
-          </a:p>
-          <a:p>
-            <a:pPr marL="914400" lvl="1" indent="-457200">
-              <a:buAutoNum type="arabicPeriod" startAt="2"/>
-            </a:pPr>
-            <a:r>
-              <a:rPr lang="en-IN" sz="2200" dirty="0"/>
-              <a:t>Give Feedback</a:t>
-            </a:r>
-          </a:p>
-          <a:p>
-            <a:pPr marL="457200" lvl="1" indent="0">
-              <a:buNone/>
-            </a:pPr>
-            <a:r>
-              <a:rPr lang="en-US" sz="2200" dirty="0"/>
-              <a:t> The students can give their feedbacks regarding their instructors teachings and also give the ratings.</a:t>
-            </a:r>
-            <a:endParaRPr lang="en-IN" sz="2200" dirty="0"/>
-          </a:p>
-          <a:p>
-            <a:pPr marL="914400" lvl="1" indent="-457200">
-              <a:buAutoNum type="arabicPeriod" startAt="3"/>
-            </a:pPr>
-            <a:r>
-              <a:rPr lang="en-IN" sz="2200" dirty="0"/>
-              <a:t>View Profile</a:t>
-            </a:r>
-          </a:p>
-          <a:p>
-            <a:pPr marL="457200" lvl="1" indent="0">
-              <a:buNone/>
-            </a:pPr>
-            <a:r>
-              <a:rPr lang="en-US" sz="2200" dirty="0"/>
-              <a:t>The students will have a personal dashboard where they can track their progress and their attendance and grades</a:t>
-            </a:r>
-            <a:endParaRPr lang="en-IN" sz="2200" dirty="0"/>
-          </a:p>
-          <a:p>
-            <a:pPr marL="457200" lvl="1" indent="0">
-              <a:buNone/>
-            </a:pPr>
-            <a:endParaRPr lang="en-IN" sz="2200" dirty="0"/>
-          </a:p>
-          <a:p>
-            <a:endParaRPr lang="en-IN" sz="2200" dirty="0"/>
-          </a:p>
-        </p:txBody>
-      </p:sp>
-    </p:spTree>
-    <p:extLst>
-      <p:ext uri="{BB962C8B-B14F-4D97-AF65-F5344CB8AC3E}">
-        <p14:creationId xmlns:p14="http://schemas.microsoft.com/office/powerpoint/2010/main" val="593977749"/>
-      </p:ext>
-    </p:extLst>
-  </p:cSld>
-  <p:clrMapOvr>
-    <a:masterClrMapping/>
-  </p:clrMapOvr>
-</p:sld>
-</file>
-
-<file path=ppt/slides/slide11.xml><?xml version="1.0" encoding="utf-8"?>
-<p:sld xmlns:a="http://schemas.openxmlformats.org/drawingml/2006/main" xmlns:r="http://schemas.openxmlformats.org/officeDocument/2006/relationships" xmlns:p="http://schemas.openxmlformats.org/presentationml/2006/main">
-  <p:cSld>
-    <p:spTree>
-      <p:nvGrpSpPr>
-        <p:cNvPr id="1" name=""/>
-        <p:cNvGrpSpPr/>
-        <p:nvPr/>
-      </p:nvGrpSpPr>
-      <p:grpSpPr>
-        <a:xfrm>
-          <a:off x="0" y="0"/>
-          <a:ext cx="0" cy="0"/>
-          <a:chOff x="0" y="0"/>
-          <a:chExt cx="0" cy="0"/>
-        </a:xfrm>
-      </p:grpSpPr>
-      <p:sp>
-        <p:nvSpPr>
-          <p:cNvPr id="2" name="Title 1"/>
-          <p:cNvSpPr>
-            <a:spLocks noGrp="1"/>
-          </p:cNvSpPr>
-          <p:nvPr>
-            <p:ph type="title"/>
-          </p:nvPr>
-        </p:nvSpPr>
-        <p:spPr/>
-        <p:txBody>
-          <a:bodyPr/>
-          <a:lstStyle/>
-          <a:p>
-            <a:r>
-              <a:rPr lang="en-US" u="sng" dirty="0" smtClean="0">
-                <a:latin typeface="Algerian" panose="04020705040A02060702" pitchFamily="82" charset="0"/>
-              </a:rPr>
-              <a:t>FRONT END-HTML</a:t>
-            </a:r>
-            <a:endParaRPr lang="en-IN" u="sng" dirty="0">
-              <a:latin typeface="Algerian" panose="04020705040A02060702" pitchFamily="82" charset="0"/>
-            </a:endParaRPr>
-          </a:p>
-        </p:txBody>
-      </p:sp>
-      <p:sp>
-        <p:nvSpPr>
-          <p:cNvPr id="3" name="Content Placeholder 2"/>
-          <p:cNvSpPr>
-            <a:spLocks noGrp="1"/>
-          </p:cNvSpPr>
-          <p:nvPr>
-            <p:ph idx="1"/>
-          </p:nvPr>
-        </p:nvSpPr>
-        <p:spPr/>
-        <p:txBody>
-          <a:bodyPr>
-            <a:normAutofit/>
-          </a:bodyPr>
-          <a:lstStyle/>
-          <a:p>
-            <a:pPr marL="0" indent="0">
-              <a:buNone/>
-            </a:pPr>
-            <a:r>
-              <a:rPr lang="en-IN" sz="2400" dirty="0" err="1">
-                <a:latin typeface="Times New Roman" panose="02020603050405020304" pitchFamily="18" charset="0"/>
-                <a:cs typeface="Times New Roman" panose="02020603050405020304" pitchFamily="18" charset="0"/>
-              </a:rPr>
-              <a:t>HyperText</a:t>
-            </a:r>
-            <a:r>
-              <a:rPr lang="en-IN" sz="2400" dirty="0">
-                <a:latin typeface="Times New Roman" panose="02020603050405020304" pitchFamily="18" charset="0"/>
-                <a:cs typeface="Times New Roman" panose="02020603050405020304" pitchFamily="18" charset="0"/>
-              </a:rPr>
-              <a:t> </a:t>
-            </a:r>
-            <a:r>
-              <a:rPr lang="en-IN" sz="2400" dirty="0" err="1">
-                <a:latin typeface="Times New Roman" panose="02020603050405020304" pitchFamily="18" charset="0"/>
-                <a:cs typeface="Times New Roman" panose="02020603050405020304" pitchFamily="18" charset="0"/>
-              </a:rPr>
-              <a:t>Markup</a:t>
-            </a:r>
-            <a:r>
-              <a:rPr lang="en-IN" sz="2400" dirty="0">
-                <a:latin typeface="Times New Roman" panose="02020603050405020304" pitchFamily="18" charset="0"/>
-                <a:cs typeface="Times New Roman" panose="02020603050405020304" pitchFamily="18" charset="0"/>
-              </a:rPr>
-              <a:t> Language (HTML) is </a:t>
-            </a:r>
-            <a:r>
-              <a:rPr lang="en-IN" sz="2400" b="1" dirty="0">
-                <a:latin typeface="Times New Roman" panose="02020603050405020304" pitchFamily="18" charset="0"/>
-                <a:cs typeface="Times New Roman" panose="02020603050405020304" pitchFamily="18" charset="0"/>
-              </a:rPr>
-              <a:t>the set of </a:t>
-            </a:r>
-            <a:r>
-              <a:rPr lang="en-IN" sz="2400" b="1" dirty="0" err="1">
-                <a:latin typeface="Times New Roman" panose="02020603050405020304" pitchFamily="18" charset="0"/>
-                <a:cs typeface="Times New Roman" panose="02020603050405020304" pitchFamily="18" charset="0"/>
-              </a:rPr>
-              <a:t>markup</a:t>
-            </a:r>
-            <a:r>
-              <a:rPr lang="en-IN" sz="2400" b="1" dirty="0">
-                <a:latin typeface="Times New Roman" panose="02020603050405020304" pitchFamily="18" charset="0"/>
-                <a:cs typeface="Times New Roman" panose="02020603050405020304" pitchFamily="18" charset="0"/>
-              </a:rPr>
-              <a:t> symbols or codes inserted into a file intended for display on the Internet</a:t>
-            </a:r>
-            <a:r>
-              <a:rPr lang="en-IN" sz="2400" dirty="0">
-                <a:latin typeface="Times New Roman" panose="02020603050405020304" pitchFamily="18" charset="0"/>
-                <a:cs typeface="Times New Roman" panose="02020603050405020304" pitchFamily="18" charset="0"/>
-              </a:rPr>
-              <a:t>. The </a:t>
-            </a:r>
-            <a:r>
-              <a:rPr lang="en-IN" sz="2400" dirty="0" err="1">
-                <a:latin typeface="Times New Roman" panose="02020603050405020304" pitchFamily="18" charset="0"/>
-                <a:cs typeface="Times New Roman" panose="02020603050405020304" pitchFamily="18" charset="0"/>
-              </a:rPr>
-              <a:t>markup</a:t>
-            </a:r>
-            <a:r>
-              <a:rPr lang="en-IN" sz="2400" dirty="0">
-                <a:latin typeface="Times New Roman" panose="02020603050405020304" pitchFamily="18" charset="0"/>
-                <a:cs typeface="Times New Roman" panose="02020603050405020304" pitchFamily="18" charset="0"/>
-              </a:rPr>
-              <a:t> tells web browsers how to display a web page's words and images.</a:t>
-            </a:r>
-          </a:p>
-        </p:txBody>
-      </p:sp>
-      <p:pic>
-        <p:nvPicPr>
-          <p:cNvPr id="1026" name="Picture 2"/>
-          <p:cNvPicPr>
-            <a:picLocks noChangeAspect="1" noChangeArrowheads="1"/>
-          </p:cNvPicPr>
-          <p:nvPr/>
-        </p:nvPicPr>
-        <p:blipFill>
-          <a:blip r:embed="rId2">
-            <a:extLst>
-              <a:ext uri="{28A0092B-C50C-407E-A947-70E740481C1C}">
-                <a14:useLocalDpi xmlns:a14="http://schemas.microsoft.com/office/drawing/2010/main" val="0"/>
-              </a:ext>
-            </a:extLst>
-          </a:blip>
-          <a:srcRect/>
-          <a:stretch>
-            <a:fillRect/>
-          </a:stretch>
-        </p:blipFill>
-        <p:spPr bwMode="auto">
-          <a:xfrm>
-            <a:off x="2865909" y="3356992"/>
-            <a:ext cx="2736304" cy="2736304"/>
-          </a:xfrm>
-          <a:prstGeom prst="rect">
-            <a:avLst/>
-          </a:prstGeom>
-          <a:noFill/>
-          <a:ln>
-            <a:noFill/>
-          </a:ln>
-          <a:effectLst/>
-          <a:extLst>
-            <a:ext uri="{909E8E84-426E-40DD-AFC4-6F175D3DCCD1}">
-              <a14:hiddenFill xmlns:a14="http://schemas.microsoft.com/office/drawing/2010/main">
-                <a:solidFill>
-                  <a:schemeClr val="accent1"/>
-                </a:solidFill>
-              </a14:hiddenFill>
-            </a:ext>
-            <a:ext uri="{91240B29-F687-4F45-9708-019B960494DF}">
-              <a14:hiddenLine xmlns:a14="http://schemas.microsoft.com/office/drawing/2010/main" w="9525">
-                <a:solidFill>
-                  <a:schemeClr val="tx1"/>
-                </a:solidFill>
-                <a:miter lim="800000"/>
-                <a:headEnd/>
-                <a:tailEnd/>
-              </a14:hiddenLine>
-            </a:ext>
-            <a:ext uri="{AF507438-7753-43E0-B8FC-AC1667EBCBE1}">
-              <a14:hiddenEffects xmlns:a14="http://schemas.microsoft.com/office/drawing/2010/main">
-                <a:effectLst>
-                  <a:outerShdw dist="35921" dir="2700000" algn="ctr" rotWithShape="0">
-                    <a:schemeClr val="bg2"/>
-                  </a:outerShdw>
-                </a:effectLst>
-              </a14:hiddenEffects>
-            </a:ext>
-          </a:extLst>
-        </p:spPr>
-      </p:pic>
-    </p:spTree>
-    <p:extLst>
-      <p:ext uri="{BB962C8B-B14F-4D97-AF65-F5344CB8AC3E}">
-        <p14:creationId xmlns:p14="http://schemas.microsoft.com/office/powerpoint/2010/main" val="1043786657"/>
-      </p:ext>
-    </p:extLst>
-  </p:cSld>
-  <p:clrMapOvr>
-    <a:masterClrMapping/>
-  </p:clrMapOvr>
-</p:sld>
-</file>
-
-<file path=ppt/slides/slide12.xml><?xml version="1.0" encoding="utf-8"?>
-<p:sld xmlns:a="http://schemas.openxmlformats.org/drawingml/2006/main" xmlns:r="http://schemas.openxmlformats.org/officeDocument/2006/relationships" xmlns:p="http://schemas.openxmlformats.org/presentationml/2006/main">
-  <p:cSld>
-    <p:spTree>
-      <p:nvGrpSpPr>
-        <p:cNvPr id="1" name=""/>
-        <p:cNvGrpSpPr/>
-        <p:nvPr/>
-      </p:nvGrpSpPr>
-      <p:grpSpPr>
-        <a:xfrm>
-          <a:off x="0" y="0"/>
-          <a:ext cx="0" cy="0"/>
-          <a:chOff x="0" y="0"/>
-          <a:chExt cx="0" cy="0"/>
-        </a:xfrm>
-      </p:grpSpPr>
-      <p:sp>
-        <p:nvSpPr>
-          <p:cNvPr id="2" name="Title 1"/>
-          <p:cNvSpPr>
-            <a:spLocks noGrp="1"/>
-          </p:cNvSpPr>
-          <p:nvPr>
-            <p:ph type="title"/>
-          </p:nvPr>
-        </p:nvSpPr>
-        <p:spPr/>
-        <p:txBody>
-          <a:bodyPr/>
-          <a:lstStyle/>
-          <a:p>
-            <a:r>
-              <a:rPr lang="en-US" u="sng" dirty="0" smtClean="0">
+              <a:rPr lang="en-US" u="sng" dirty="0">
                 <a:latin typeface="Algerian" panose="04020705040A02060702" pitchFamily="82" charset="0"/>
               </a:rPr>
               <a:t>FRONT END-CSS</a:t>
@@ -3629,19 +3387,8 @@
                 <a:latin typeface="Times New Roman" panose="02020603050405020304" pitchFamily="18" charset="0"/>
                 <a:cs typeface="Times New Roman" panose="02020603050405020304" pitchFamily="18" charset="0"/>
               </a:rPr>
-              <a:t>. CSS is unique in that it doesn't create any new elements, like HTML or JavaScript. Instead, it's a language used to style HTML elements</a:t>
-            </a:r>
-            <a:r>
-              <a:rPr lang="en-IN" sz="2400" dirty="0" smtClean="0">
-                <a:latin typeface="Times New Roman" panose="02020603050405020304" pitchFamily="18" charset="0"/>
-                <a:cs typeface="Times New Roman" panose="02020603050405020304" pitchFamily="18" charset="0"/>
-              </a:rPr>
-              <a:t>.</a:t>
-            </a:r>
-            <a:endParaRPr lang="en-IN" sz="2400" dirty="0">
-              <a:latin typeface="Times New Roman" panose="02020603050405020304" pitchFamily="18" charset="0"/>
-              <a:cs typeface="Times New Roman" panose="02020603050405020304" pitchFamily="18" charset="0"/>
-            </a:endParaRPr>
+              <a:t>. CSS is unique in that it doesn't create any new elements, like HTML or JavaScript. Instead, it's a language used to style HTML elements.</a:t>
+            </a:r>
           </a:p>
         </p:txBody>
       </p:sp>
@@ -3722,7 +3469,7 @@
 </p:sld>
 </file>
 
-<file path=ppt/slides/slide13.xml><?xml version="1.0" encoding="utf-8"?>
+<file path=ppt/slides/slide11.xml><?xml version="1.0" encoding="utf-8"?>
 <p:sld xmlns:a="http://schemas.openxmlformats.org/drawingml/2006/main" xmlns:r="http://schemas.openxmlformats.org/officeDocument/2006/relationships" xmlns:p="http://schemas.openxmlformats.org/presentationml/2006/main">
   <p:cSld>
     <p:spTree>
@@ -3755,7 +3502,7 @@
           <a:lstStyle/>
           <a:p>
             <a:r>
-              <a:rPr lang="en-US" u="sng" dirty="0" smtClean="0">
+              <a:rPr lang="en-US" u="sng" dirty="0">
                 <a:latin typeface="Algerian" panose="04020705040A02060702" pitchFamily="82" charset="0"/>
               </a:rPr>
               <a:t>BACK END-NODE JS</a:t>
@@ -3887,7 +3634,7 @@
 </p:sld>
 </file>
 
-<file path=ppt/slides/slide14.xml><?xml version="1.0" encoding="utf-8"?>
+<file path=ppt/slides/slide12.xml><?xml version="1.0" encoding="utf-8"?>
 <p:sld xmlns:a="http://schemas.openxmlformats.org/drawingml/2006/main" xmlns:r="http://schemas.openxmlformats.org/officeDocument/2006/relationships" xmlns:p="http://schemas.openxmlformats.org/presentationml/2006/main">
   <p:cSld>
     <p:spTree>
@@ -3920,7 +3667,7 @@
           <a:lstStyle/>
           <a:p>
             <a:r>
-              <a:rPr lang="en-US" u="sng" dirty="0" smtClean="0">
+              <a:rPr lang="en-US" u="sng" dirty="0">
                 <a:latin typeface="Algerian" panose="04020705040A02060702" pitchFamily="82" charset="0"/>
               </a:rPr>
               <a:t>BACK END-MONGO DB</a:t>
@@ -4052,6 +3799,666 @@
 </p:sld>
 </file>
 
+<file path=ppt/slides/slide13.xml><?xml version="1.0" encoding="utf-8"?>
+<p:sld xmlns:a="http://schemas.openxmlformats.org/drawingml/2006/main" xmlns:r="http://schemas.openxmlformats.org/officeDocument/2006/relationships" xmlns:p="http://schemas.openxmlformats.org/presentationml/2006/main">
+  <p:cSld>
+    <p:spTree>
+      <p:nvGrpSpPr>
+        <p:cNvPr id="1" name=""/>
+        <p:cNvGrpSpPr/>
+        <p:nvPr/>
+      </p:nvGrpSpPr>
+      <p:grpSpPr>
+        <a:xfrm>
+          <a:off x="0" y="0"/>
+          <a:ext cx="0" cy="0"/>
+          <a:chOff x="0" y="0"/>
+          <a:chExt cx="0" cy="0"/>
+        </a:xfrm>
+      </p:grpSpPr>
+      <p:sp>
+        <p:nvSpPr>
+          <p:cNvPr id="2" name="Title 1">
+            <a:extLst>
+              <a:ext uri="{FF2B5EF4-FFF2-40B4-BE49-F238E27FC236}">
+                <a16:creationId xmlns:a16="http://schemas.microsoft.com/office/drawing/2014/main" id="{158B54F9-9428-4D16-B787-411ADE539A79}"/>
+              </a:ext>
+            </a:extLst>
+          </p:cNvPr>
+          <p:cNvSpPr>
+            <a:spLocks noGrp="1"/>
+          </p:cNvSpPr>
+          <p:nvPr>
+            <p:ph type="title"/>
+          </p:nvPr>
+        </p:nvSpPr>
+        <p:spPr/>
+        <p:txBody>
+          <a:bodyPr/>
+          <a:lstStyle/>
+          <a:p>
+            <a:r>
+              <a:rPr lang="en-US" dirty="0"/>
+              <a:t>Admin Login</a:t>
+            </a:r>
+            <a:endParaRPr lang="en-IN" dirty="0"/>
+          </a:p>
+        </p:txBody>
+      </p:sp>
+      <p:pic>
+        <p:nvPicPr>
+          <p:cNvPr id="5" name="Content Placeholder 4">
+            <a:extLst>
+              <a:ext uri="{FF2B5EF4-FFF2-40B4-BE49-F238E27FC236}">
+                <a16:creationId xmlns:a16="http://schemas.microsoft.com/office/drawing/2014/main" id="{499E468A-A97F-49DE-96BD-86AB9FC26A8E}"/>
+              </a:ext>
+            </a:extLst>
+          </p:cNvPr>
+          <p:cNvPicPr>
+            <a:picLocks noGrp="1" noChangeAspect="1"/>
+          </p:cNvPicPr>
+          <p:nvPr>
+            <p:ph idx="1"/>
+          </p:nvPr>
+        </p:nvPicPr>
+        <p:blipFill>
+          <a:blip r:embed="rId2">
+            <a:extLst>
+              <a:ext uri="{28A0092B-C50C-407E-A947-70E740481C1C}">
+                <a14:useLocalDpi xmlns:a14="http://schemas.microsoft.com/office/drawing/2010/main" val="0"/>
+              </a:ext>
+            </a:extLst>
+          </a:blip>
+          <a:stretch>
+            <a:fillRect/>
+          </a:stretch>
+        </p:blipFill>
+        <p:spPr>
+          <a:xfrm>
+            <a:off x="457200" y="2018394"/>
+            <a:ext cx="8229600" cy="3689575"/>
+          </a:xfrm>
+        </p:spPr>
+      </p:pic>
+    </p:spTree>
+    <p:extLst>
+      <p:ext uri="{BB962C8B-B14F-4D97-AF65-F5344CB8AC3E}">
+        <p14:creationId xmlns:p14="http://schemas.microsoft.com/office/powerpoint/2010/main" val="2888188061"/>
+      </p:ext>
+    </p:extLst>
+  </p:cSld>
+  <p:clrMapOvr>
+    <a:masterClrMapping/>
+  </p:clrMapOvr>
+</p:sld>
+</file>
+
+<file path=ppt/slides/slide14.xml><?xml version="1.0" encoding="utf-8"?>
+<p:sld xmlns:a="http://schemas.openxmlformats.org/drawingml/2006/main" xmlns:r="http://schemas.openxmlformats.org/officeDocument/2006/relationships" xmlns:p="http://schemas.openxmlformats.org/presentationml/2006/main">
+  <p:cSld>
+    <p:spTree>
+      <p:nvGrpSpPr>
+        <p:cNvPr id="1" name=""/>
+        <p:cNvGrpSpPr/>
+        <p:nvPr/>
+      </p:nvGrpSpPr>
+      <p:grpSpPr>
+        <a:xfrm>
+          <a:off x="0" y="0"/>
+          <a:ext cx="0" cy="0"/>
+          <a:chOff x="0" y="0"/>
+          <a:chExt cx="0" cy="0"/>
+        </a:xfrm>
+      </p:grpSpPr>
+      <p:sp>
+        <p:nvSpPr>
+          <p:cNvPr id="2" name="Title 1">
+            <a:extLst>
+              <a:ext uri="{FF2B5EF4-FFF2-40B4-BE49-F238E27FC236}">
+                <a16:creationId xmlns:a16="http://schemas.microsoft.com/office/drawing/2014/main" id="{BA6F191C-F17C-4365-9398-3EB31AD47830}"/>
+              </a:ext>
+            </a:extLst>
+          </p:cNvPr>
+          <p:cNvSpPr>
+            <a:spLocks noGrp="1"/>
+          </p:cNvSpPr>
+          <p:nvPr>
+            <p:ph type="title"/>
+          </p:nvPr>
+        </p:nvSpPr>
+        <p:spPr/>
+        <p:txBody>
+          <a:bodyPr/>
+          <a:lstStyle/>
+          <a:p>
+            <a:r>
+              <a:rPr lang="en-US" dirty="0"/>
+              <a:t>Navigation Bar</a:t>
+            </a:r>
+            <a:endParaRPr lang="en-IN" dirty="0"/>
+          </a:p>
+        </p:txBody>
+      </p:sp>
+      <p:pic>
+        <p:nvPicPr>
+          <p:cNvPr id="5" name="Content Placeholder 4">
+            <a:extLst>
+              <a:ext uri="{FF2B5EF4-FFF2-40B4-BE49-F238E27FC236}">
+                <a16:creationId xmlns:a16="http://schemas.microsoft.com/office/drawing/2014/main" id="{5956D7D7-13DA-4C14-BA30-8D5F80974CEB}"/>
+              </a:ext>
+            </a:extLst>
+          </p:cNvPr>
+          <p:cNvPicPr>
+            <a:picLocks noGrp="1" noChangeAspect="1"/>
+          </p:cNvPicPr>
+          <p:nvPr>
+            <p:ph idx="1"/>
+          </p:nvPr>
+        </p:nvPicPr>
+        <p:blipFill>
+          <a:blip r:embed="rId2">
+            <a:extLst>
+              <a:ext uri="{28A0092B-C50C-407E-A947-70E740481C1C}">
+                <a14:useLocalDpi xmlns:a14="http://schemas.microsoft.com/office/drawing/2010/main" val="0"/>
+              </a:ext>
+            </a:extLst>
+          </a:blip>
+          <a:stretch>
+            <a:fillRect/>
+          </a:stretch>
+        </p:blipFill>
+        <p:spPr>
+          <a:xfrm>
+            <a:off x="457200" y="2029833"/>
+            <a:ext cx="8229600" cy="3666696"/>
+          </a:xfrm>
+        </p:spPr>
+      </p:pic>
+    </p:spTree>
+    <p:extLst>
+      <p:ext uri="{BB962C8B-B14F-4D97-AF65-F5344CB8AC3E}">
+        <p14:creationId xmlns:p14="http://schemas.microsoft.com/office/powerpoint/2010/main" val="2277444746"/>
+      </p:ext>
+    </p:extLst>
+  </p:cSld>
+  <p:clrMapOvr>
+    <a:masterClrMapping/>
+  </p:clrMapOvr>
+</p:sld>
+</file>
+
+<file path=ppt/slides/slide15.xml><?xml version="1.0" encoding="utf-8"?>
+<p:sld xmlns:a="http://schemas.openxmlformats.org/drawingml/2006/main" xmlns:r="http://schemas.openxmlformats.org/officeDocument/2006/relationships" xmlns:p="http://schemas.openxmlformats.org/presentationml/2006/main">
+  <p:cSld>
+    <p:spTree>
+      <p:nvGrpSpPr>
+        <p:cNvPr id="1" name=""/>
+        <p:cNvGrpSpPr/>
+        <p:nvPr/>
+      </p:nvGrpSpPr>
+      <p:grpSpPr>
+        <a:xfrm>
+          <a:off x="0" y="0"/>
+          <a:ext cx="0" cy="0"/>
+          <a:chOff x="0" y="0"/>
+          <a:chExt cx="0" cy="0"/>
+        </a:xfrm>
+      </p:grpSpPr>
+      <p:sp>
+        <p:nvSpPr>
+          <p:cNvPr id="2" name="Title 1">
+            <a:extLst>
+              <a:ext uri="{FF2B5EF4-FFF2-40B4-BE49-F238E27FC236}">
+                <a16:creationId xmlns:a16="http://schemas.microsoft.com/office/drawing/2014/main" id="{1607F22A-2EA8-4B37-B053-B91D4559AE1A}"/>
+              </a:ext>
+            </a:extLst>
+          </p:cNvPr>
+          <p:cNvSpPr>
+            <a:spLocks noGrp="1"/>
+          </p:cNvSpPr>
+          <p:nvPr>
+            <p:ph type="title"/>
+          </p:nvPr>
+        </p:nvSpPr>
+        <p:spPr/>
+        <p:txBody>
+          <a:bodyPr/>
+          <a:lstStyle/>
+          <a:p>
+            <a:r>
+              <a:rPr lang="en-US" dirty="0"/>
+              <a:t>Admin Home Page Grade Graph</a:t>
+            </a:r>
+            <a:endParaRPr lang="en-IN" dirty="0"/>
+          </a:p>
+        </p:txBody>
+      </p:sp>
+      <p:pic>
+        <p:nvPicPr>
+          <p:cNvPr id="5" name="Content Placeholder 4">
+            <a:extLst>
+              <a:ext uri="{FF2B5EF4-FFF2-40B4-BE49-F238E27FC236}">
+                <a16:creationId xmlns:a16="http://schemas.microsoft.com/office/drawing/2014/main" id="{1D7644B9-604F-45A1-A01C-ADBAE2050146}"/>
+              </a:ext>
+            </a:extLst>
+          </p:cNvPr>
+          <p:cNvPicPr>
+            <a:picLocks noGrp="1" noChangeAspect="1"/>
+          </p:cNvPicPr>
+          <p:nvPr>
+            <p:ph idx="1"/>
+          </p:nvPr>
+        </p:nvPicPr>
+        <p:blipFill>
+          <a:blip r:embed="rId2">
+            <a:extLst>
+              <a:ext uri="{28A0092B-C50C-407E-A947-70E740481C1C}">
+                <a14:useLocalDpi xmlns:a14="http://schemas.microsoft.com/office/drawing/2010/main" val="0"/>
+              </a:ext>
+            </a:extLst>
+          </a:blip>
+          <a:stretch>
+            <a:fillRect/>
+          </a:stretch>
+        </p:blipFill>
+        <p:spPr>
+          <a:xfrm>
+            <a:off x="457200" y="1960498"/>
+            <a:ext cx="8229600" cy="3805367"/>
+          </a:xfrm>
+        </p:spPr>
+      </p:pic>
+    </p:spTree>
+    <p:extLst>
+      <p:ext uri="{BB962C8B-B14F-4D97-AF65-F5344CB8AC3E}">
+        <p14:creationId xmlns:p14="http://schemas.microsoft.com/office/powerpoint/2010/main" val="2157875761"/>
+      </p:ext>
+    </p:extLst>
+  </p:cSld>
+  <p:clrMapOvr>
+    <a:masterClrMapping/>
+  </p:clrMapOvr>
+</p:sld>
+</file>
+
+<file path=ppt/slides/slide16.xml><?xml version="1.0" encoding="utf-8"?>
+<p:sld xmlns:a="http://schemas.openxmlformats.org/drawingml/2006/main" xmlns:r="http://schemas.openxmlformats.org/officeDocument/2006/relationships" xmlns:p="http://schemas.openxmlformats.org/presentationml/2006/main">
+  <p:cSld>
+    <p:spTree>
+      <p:nvGrpSpPr>
+        <p:cNvPr id="1" name=""/>
+        <p:cNvGrpSpPr/>
+        <p:nvPr/>
+      </p:nvGrpSpPr>
+      <p:grpSpPr>
+        <a:xfrm>
+          <a:off x="0" y="0"/>
+          <a:ext cx="0" cy="0"/>
+          <a:chOff x="0" y="0"/>
+          <a:chExt cx="0" cy="0"/>
+        </a:xfrm>
+      </p:grpSpPr>
+      <p:sp>
+        <p:nvSpPr>
+          <p:cNvPr id="2" name="Title 1">
+            <a:extLst>
+              <a:ext uri="{FF2B5EF4-FFF2-40B4-BE49-F238E27FC236}">
+                <a16:creationId xmlns:a16="http://schemas.microsoft.com/office/drawing/2014/main" id="{6C422EEC-8FE4-45B0-9FA5-B9ED5F6F5F10}"/>
+              </a:ext>
+            </a:extLst>
+          </p:cNvPr>
+          <p:cNvSpPr>
+            <a:spLocks noGrp="1"/>
+          </p:cNvSpPr>
+          <p:nvPr>
+            <p:ph type="title"/>
+          </p:nvPr>
+        </p:nvSpPr>
+        <p:spPr/>
+        <p:txBody>
+          <a:bodyPr>
+            <a:normAutofit fontScale="90000"/>
+          </a:bodyPr>
+          <a:lstStyle/>
+          <a:p>
+            <a:r>
+              <a:rPr lang="en-US" dirty="0"/>
+              <a:t>Admin Home Page Attendance Graph</a:t>
+            </a:r>
+            <a:endParaRPr lang="en-IN" dirty="0"/>
+          </a:p>
+        </p:txBody>
+      </p:sp>
+      <p:pic>
+        <p:nvPicPr>
+          <p:cNvPr id="5" name="Content Placeholder 4">
+            <a:extLst>
+              <a:ext uri="{FF2B5EF4-FFF2-40B4-BE49-F238E27FC236}">
+                <a16:creationId xmlns:a16="http://schemas.microsoft.com/office/drawing/2014/main" id="{77818334-781B-4D0E-B724-CB6A919A3CDE}"/>
+              </a:ext>
+            </a:extLst>
+          </p:cNvPr>
+          <p:cNvPicPr>
+            <a:picLocks noGrp="1" noChangeAspect="1"/>
+          </p:cNvPicPr>
+          <p:nvPr>
+            <p:ph idx="1"/>
+          </p:nvPr>
+        </p:nvPicPr>
+        <p:blipFill>
+          <a:blip r:embed="rId2">
+            <a:extLst>
+              <a:ext uri="{28A0092B-C50C-407E-A947-70E740481C1C}">
+                <a14:useLocalDpi xmlns:a14="http://schemas.microsoft.com/office/drawing/2010/main" val="0"/>
+              </a:ext>
+            </a:extLst>
+          </a:blip>
+          <a:stretch>
+            <a:fillRect/>
+          </a:stretch>
+        </p:blipFill>
+        <p:spPr>
+          <a:xfrm>
+            <a:off x="457200" y="1995005"/>
+            <a:ext cx="8229600" cy="3736352"/>
+          </a:xfrm>
+        </p:spPr>
+      </p:pic>
+    </p:spTree>
+    <p:extLst>
+      <p:ext uri="{BB962C8B-B14F-4D97-AF65-F5344CB8AC3E}">
+        <p14:creationId xmlns:p14="http://schemas.microsoft.com/office/powerpoint/2010/main" val="3586224699"/>
+      </p:ext>
+    </p:extLst>
+  </p:cSld>
+  <p:clrMapOvr>
+    <a:masterClrMapping/>
+  </p:clrMapOvr>
+</p:sld>
+</file>
+
+<file path=ppt/slides/slide17.xml><?xml version="1.0" encoding="utf-8"?>
+<p:sld xmlns:a="http://schemas.openxmlformats.org/drawingml/2006/main" xmlns:r="http://schemas.openxmlformats.org/officeDocument/2006/relationships" xmlns:p="http://schemas.openxmlformats.org/presentationml/2006/main">
+  <p:cSld>
+    <p:spTree>
+      <p:nvGrpSpPr>
+        <p:cNvPr id="1" name=""/>
+        <p:cNvGrpSpPr/>
+        <p:nvPr/>
+      </p:nvGrpSpPr>
+      <p:grpSpPr>
+        <a:xfrm>
+          <a:off x="0" y="0"/>
+          <a:ext cx="0" cy="0"/>
+          <a:chOff x="0" y="0"/>
+          <a:chExt cx="0" cy="0"/>
+        </a:xfrm>
+      </p:grpSpPr>
+      <p:sp>
+        <p:nvSpPr>
+          <p:cNvPr id="2" name="Title 1">
+            <a:extLst>
+              <a:ext uri="{FF2B5EF4-FFF2-40B4-BE49-F238E27FC236}">
+                <a16:creationId xmlns:a16="http://schemas.microsoft.com/office/drawing/2014/main" id="{DB9166D4-15FC-4203-B50D-5E2E802FEB91}"/>
+              </a:ext>
+            </a:extLst>
+          </p:cNvPr>
+          <p:cNvSpPr>
+            <a:spLocks noGrp="1"/>
+          </p:cNvSpPr>
+          <p:nvPr>
+            <p:ph type="title"/>
+          </p:nvPr>
+        </p:nvSpPr>
+        <p:spPr/>
+        <p:txBody>
+          <a:bodyPr/>
+          <a:lstStyle/>
+          <a:p>
+            <a:r>
+              <a:rPr lang="en-US" dirty="0"/>
+              <a:t>Admin Home Page Mentor Graph</a:t>
+            </a:r>
+            <a:endParaRPr lang="en-IN" dirty="0"/>
+          </a:p>
+        </p:txBody>
+      </p:sp>
+      <p:pic>
+        <p:nvPicPr>
+          <p:cNvPr id="5" name="Content Placeholder 4">
+            <a:extLst>
+              <a:ext uri="{FF2B5EF4-FFF2-40B4-BE49-F238E27FC236}">
+                <a16:creationId xmlns:a16="http://schemas.microsoft.com/office/drawing/2014/main" id="{A09F1B98-5E17-4F67-B240-BC44E51FAEB1}"/>
+              </a:ext>
+            </a:extLst>
+          </p:cNvPr>
+          <p:cNvPicPr>
+            <a:picLocks noGrp="1" noChangeAspect="1"/>
+          </p:cNvPicPr>
+          <p:nvPr>
+            <p:ph idx="1"/>
+          </p:nvPr>
+        </p:nvPicPr>
+        <p:blipFill>
+          <a:blip r:embed="rId2">
+            <a:extLst>
+              <a:ext uri="{28A0092B-C50C-407E-A947-70E740481C1C}">
+                <a14:useLocalDpi xmlns:a14="http://schemas.microsoft.com/office/drawing/2010/main" val="0"/>
+              </a:ext>
+            </a:extLst>
+          </a:blip>
+          <a:stretch>
+            <a:fillRect/>
+          </a:stretch>
+        </p:blipFill>
+        <p:spPr>
+          <a:xfrm>
+            <a:off x="457200" y="1983553"/>
+            <a:ext cx="8229600" cy="3759256"/>
+          </a:xfrm>
+        </p:spPr>
+      </p:pic>
+    </p:spTree>
+    <p:extLst>
+      <p:ext uri="{BB962C8B-B14F-4D97-AF65-F5344CB8AC3E}">
+        <p14:creationId xmlns:p14="http://schemas.microsoft.com/office/powerpoint/2010/main" val="1190554928"/>
+      </p:ext>
+    </p:extLst>
+  </p:cSld>
+  <p:clrMapOvr>
+    <a:masterClrMapping/>
+  </p:clrMapOvr>
+</p:sld>
+</file>
+
+<file path=ppt/slides/slide18.xml><?xml version="1.0" encoding="utf-8"?>
+<p:sld xmlns:a="http://schemas.openxmlformats.org/drawingml/2006/main" xmlns:r="http://schemas.openxmlformats.org/officeDocument/2006/relationships" xmlns:p="http://schemas.openxmlformats.org/presentationml/2006/main">
+  <p:cSld>
+    <p:spTree>
+      <p:nvGrpSpPr>
+        <p:cNvPr id="1" name=""/>
+        <p:cNvGrpSpPr/>
+        <p:nvPr/>
+      </p:nvGrpSpPr>
+      <p:grpSpPr>
+        <a:xfrm>
+          <a:off x="0" y="0"/>
+          <a:ext cx="0" cy="0"/>
+          <a:chOff x="0" y="0"/>
+          <a:chExt cx="0" cy="0"/>
+        </a:xfrm>
+      </p:grpSpPr>
+      <p:sp>
+        <p:nvSpPr>
+          <p:cNvPr id="2" name="Title 1">
+            <a:extLst>
+              <a:ext uri="{FF2B5EF4-FFF2-40B4-BE49-F238E27FC236}">
+                <a16:creationId xmlns:a16="http://schemas.microsoft.com/office/drawing/2014/main" id="{296780AA-AE9C-4FE1-B7D3-AF52055903E9}"/>
+              </a:ext>
+            </a:extLst>
+          </p:cNvPr>
+          <p:cNvSpPr>
+            <a:spLocks noGrp="1"/>
+          </p:cNvSpPr>
+          <p:nvPr>
+            <p:ph type="title"/>
+          </p:nvPr>
+        </p:nvSpPr>
+        <p:spPr/>
+        <p:txBody>
+          <a:bodyPr/>
+          <a:lstStyle/>
+          <a:p>
+            <a:r>
+              <a:rPr lang="en-US" dirty="0"/>
+              <a:t>Add Student</a:t>
+            </a:r>
+            <a:endParaRPr lang="en-IN" dirty="0"/>
+          </a:p>
+        </p:txBody>
+      </p:sp>
+      <p:pic>
+        <p:nvPicPr>
+          <p:cNvPr id="5" name="Content Placeholder 4">
+            <a:extLst>
+              <a:ext uri="{FF2B5EF4-FFF2-40B4-BE49-F238E27FC236}">
+                <a16:creationId xmlns:a16="http://schemas.microsoft.com/office/drawing/2014/main" id="{CCCA3C86-2709-4167-A1FF-DF078C03DD9D}"/>
+              </a:ext>
+            </a:extLst>
+          </p:cNvPr>
+          <p:cNvPicPr>
+            <a:picLocks noGrp="1" noChangeAspect="1"/>
+          </p:cNvPicPr>
+          <p:nvPr>
+            <p:ph idx="1"/>
+          </p:nvPr>
+        </p:nvPicPr>
+        <p:blipFill>
+          <a:blip r:embed="rId2">
+            <a:extLst>
+              <a:ext uri="{28A0092B-C50C-407E-A947-70E740481C1C}">
+                <a14:useLocalDpi xmlns:a14="http://schemas.microsoft.com/office/drawing/2010/main" val="0"/>
+              </a:ext>
+            </a:extLst>
+          </a:blip>
+          <a:stretch>
+            <a:fillRect/>
+          </a:stretch>
+        </p:blipFill>
+        <p:spPr>
+          <a:xfrm>
+            <a:off x="457200" y="2039502"/>
+            <a:ext cx="8229600" cy="3647358"/>
+          </a:xfrm>
+        </p:spPr>
+      </p:pic>
+    </p:spTree>
+    <p:extLst>
+      <p:ext uri="{BB962C8B-B14F-4D97-AF65-F5344CB8AC3E}">
+        <p14:creationId xmlns:p14="http://schemas.microsoft.com/office/powerpoint/2010/main" val="224028985"/>
+      </p:ext>
+    </p:extLst>
+  </p:cSld>
+  <p:clrMapOvr>
+    <a:masterClrMapping/>
+  </p:clrMapOvr>
+</p:sld>
+</file>
+
+<file path=ppt/slides/slide19.xml><?xml version="1.0" encoding="utf-8"?>
+<p:sld xmlns:a="http://schemas.openxmlformats.org/drawingml/2006/main" xmlns:r="http://schemas.openxmlformats.org/officeDocument/2006/relationships" xmlns:p="http://schemas.openxmlformats.org/presentationml/2006/main">
+  <p:cSld>
+    <p:spTree>
+      <p:nvGrpSpPr>
+        <p:cNvPr id="1" name=""/>
+        <p:cNvGrpSpPr/>
+        <p:nvPr/>
+      </p:nvGrpSpPr>
+      <p:grpSpPr>
+        <a:xfrm>
+          <a:off x="0" y="0"/>
+          <a:ext cx="0" cy="0"/>
+          <a:chOff x="0" y="0"/>
+          <a:chExt cx="0" cy="0"/>
+        </a:xfrm>
+      </p:grpSpPr>
+      <p:sp>
+        <p:nvSpPr>
+          <p:cNvPr id="2" name="Title 1">
+            <a:extLst>
+              <a:ext uri="{FF2B5EF4-FFF2-40B4-BE49-F238E27FC236}">
+                <a16:creationId xmlns:a16="http://schemas.microsoft.com/office/drawing/2014/main" id="{8AF804A0-163D-4C29-A07D-34EAD7C3AB22}"/>
+              </a:ext>
+            </a:extLst>
+          </p:cNvPr>
+          <p:cNvSpPr>
+            <a:spLocks noGrp="1"/>
+          </p:cNvSpPr>
+          <p:nvPr>
+            <p:ph type="title"/>
+          </p:nvPr>
+        </p:nvSpPr>
+        <p:spPr/>
+        <p:txBody>
+          <a:bodyPr/>
+          <a:lstStyle/>
+          <a:p>
+            <a:r>
+              <a:rPr lang="en-US" dirty="0"/>
+              <a:t>Add Mentor</a:t>
+            </a:r>
+            <a:endParaRPr lang="en-IN" dirty="0"/>
+          </a:p>
+        </p:txBody>
+      </p:sp>
+      <p:pic>
+        <p:nvPicPr>
+          <p:cNvPr id="5" name="Content Placeholder 4">
+            <a:extLst>
+              <a:ext uri="{FF2B5EF4-FFF2-40B4-BE49-F238E27FC236}">
+                <a16:creationId xmlns:a16="http://schemas.microsoft.com/office/drawing/2014/main" id="{99D377E9-2915-4817-843A-39F3756DC388}"/>
+              </a:ext>
+            </a:extLst>
+          </p:cNvPr>
+          <p:cNvPicPr>
+            <a:picLocks noGrp="1" noChangeAspect="1"/>
+          </p:cNvPicPr>
+          <p:nvPr>
+            <p:ph idx="1"/>
+          </p:nvPr>
+        </p:nvPicPr>
+        <p:blipFill>
+          <a:blip r:embed="rId2">
+            <a:extLst>
+              <a:ext uri="{28A0092B-C50C-407E-A947-70E740481C1C}">
+                <a14:useLocalDpi xmlns:a14="http://schemas.microsoft.com/office/drawing/2010/main" val="0"/>
+              </a:ext>
+            </a:extLst>
+          </a:blip>
+          <a:stretch>
+            <a:fillRect/>
+          </a:stretch>
+        </p:blipFill>
+        <p:spPr>
+          <a:xfrm>
+            <a:off x="457200" y="2159533"/>
+            <a:ext cx="8229600" cy="3407297"/>
+          </a:xfrm>
+        </p:spPr>
+      </p:pic>
+    </p:spTree>
+    <p:extLst>
+      <p:ext uri="{BB962C8B-B14F-4D97-AF65-F5344CB8AC3E}">
+        <p14:creationId xmlns:p14="http://schemas.microsoft.com/office/powerpoint/2010/main" val="4033620858"/>
+      </p:ext>
+    </p:extLst>
+  </p:cSld>
+  <p:clrMapOvr>
+    <a:masterClrMapping/>
+  </p:clrMapOvr>
+</p:sld>
+</file>
+
 <file path=ppt/slides/slide2.xml><?xml version="1.0" encoding="utf-8"?>
 <p:sld xmlns:a="http://schemas.openxmlformats.org/drawingml/2006/main" xmlns:r="http://schemas.openxmlformats.org/officeDocument/2006/relationships" xmlns:p="http://schemas.openxmlformats.org/presentationml/2006/main">
   <p:cSld>
@@ -4085,7 +4492,7 @@
           <a:lstStyle/>
           <a:p>
             <a:r>
-              <a:rPr lang="en-US" u="sng" dirty="0" smtClean="0">
+              <a:rPr lang="en-US" u="sng" dirty="0">
                 <a:latin typeface="Algerian" panose="04020705040A02060702" pitchFamily="82" charset="0"/>
               </a:rPr>
               <a:t>CLASSMATE</a:t>
@@ -4122,7 +4529,44 @@
               <a:buNone/>
             </a:pPr>
             <a:r>
-              <a:rPr lang="en-US" sz="2200" b="1" u="sng" dirty="0" smtClean="0">
+              <a:rPr lang="en-US" sz="2200" b="1" u="sng" dirty="0">
+                <a:cs typeface="Times New Roman" panose="02020603050405020304" pitchFamily="18" charset="0"/>
+              </a:rPr>
+              <a:t>INTRODUCTION:</a:t>
+            </a:r>
+          </a:p>
+          <a:p>
+            <a:pPr marL="0" indent="0">
+              <a:buNone/>
+            </a:pPr>
+            <a:r>
+              <a:rPr lang="en-US" sz="2200" dirty="0">
+                <a:cs typeface="Times New Roman" panose="02020603050405020304" pitchFamily="18" charset="0"/>
+              </a:rPr>
+              <a:t>This is an user friendly portal that provides different features such as enabling the administrators to manage the </a:t>
+            </a:r>
+            <a:r>
+              <a:rPr lang="en-US" sz="2200" dirty="0" err="1">
+                <a:cs typeface="Times New Roman" panose="02020603050405020304" pitchFamily="18" charset="0"/>
+              </a:rPr>
+              <a:t>mentors,facilitating</a:t>
+            </a:r>
+            <a:r>
+              <a:rPr lang="en-US" sz="2200" dirty="0">
+                <a:cs typeface="Times New Roman" panose="02020603050405020304" pitchFamily="18" charset="0"/>
+              </a:rPr>
+              <a:t> the mentors to continuously monitor and enhance students and it also acts as a useful platform for the students to view the academic details and schedules.</a:t>
+            </a:r>
+            <a:endParaRPr lang="en-US" sz="2200" b="1" u="sng" dirty="0">
+              <a:cs typeface="Times New Roman" panose="02020603050405020304" pitchFamily="18" charset="0"/>
+            </a:endParaRPr>
+          </a:p>
+          <a:p>
+            <a:pPr marL="0" indent="0">
+              <a:buNone/>
+            </a:pPr>
+            <a:r>
+              <a:rPr lang="en-US" sz="2200" b="1" u="sng" dirty="0">
                 <a:cs typeface="Times New Roman" panose="02020603050405020304" pitchFamily="18" charset="0"/>
               </a:rPr>
               <a:t>PROBLEM STATEMENT:</a:t>
@@ -4133,31 +4577,31 @@
               <a:buNone/>
             </a:pPr>
             <a:r>
-              <a:rPr lang="en-US" sz="2200" dirty="0" smtClean="0">
+              <a:rPr lang="en-US" sz="2200" dirty="0">
                 <a:cs typeface="Times New Roman" panose="02020603050405020304" pitchFamily="18" charset="0"/>
               </a:rPr>
               <a:t>To build an application that is capable of efficiently satisfying the </a:t>
             </a:r>
             <a:r>
-              <a:rPr lang="en-US" sz="2200" dirty="0" err="1" smtClean="0">
+              <a:rPr lang="en-US" sz="2200" dirty="0" err="1">
                 <a:cs typeface="Times New Roman" panose="02020603050405020304" pitchFamily="18" charset="0"/>
               </a:rPr>
               <a:t>colloborative</a:t>
             </a:r>
             <a:r>
-              <a:rPr lang="en-US" sz="2200" dirty="0" smtClean="0">
+              <a:rPr lang="en-US" sz="2200" dirty="0">
                 <a:cs typeface="Times New Roman" panose="02020603050405020304" pitchFamily="18" charset="0"/>
               </a:rPr>
               <a:t> needs of </a:t>
             </a:r>
             <a:r>
-              <a:rPr lang="en-US" sz="2200" dirty="0" err="1" smtClean="0">
+              <a:rPr lang="en-US" sz="2200" dirty="0" err="1">
                 <a:cs typeface="Times New Roman" panose="02020603050405020304" pitchFamily="18" charset="0"/>
               </a:rPr>
               <a:t>students,mentors</a:t>
             </a:r>
             <a:r>
-              <a:rPr lang="en-US" sz="2200" dirty="0" smtClean="0">
+              <a:rPr lang="en-US" sz="2200" dirty="0">
                 <a:cs typeface="Times New Roman" panose="02020603050405020304" pitchFamily="18" charset="0"/>
               </a:rPr>
               <a:t> and administrators in different aspects.</a:t>
@@ -4167,43 +4611,9 @@
             <a:pPr marL="0" indent="0">
               <a:buNone/>
             </a:pPr>
-            <a:endParaRPr lang="en-US" sz="2200" dirty="0" smtClean="0">
+            <a:endParaRPr lang="en-US" sz="2200" dirty="0">
               <a:cs typeface="Times New Roman" panose="02020603050405020304" pitchFamily="18" charset="0"/>
             </a:endParaRPr>
-          </a:p>
-          <a:p>
-            <a:pPr marL="0" indent="0">
-              <a:buNone/>
-            </a:pPr>
-            <a:r>
-              <a:rPr lang="en-US" sz="2200" b="1" u="sng" dirty="0" smtClean="0">
-                <a:cs typeface="Times New Roman" panose="02020603050405020304" pitchFamily="18" charset="0"/>
-              </a:rPr>
-              <a:t>INTRODUCTION:</a:t>
-            </a:r>
-          </a:p>
-          <a:p>
-            <a:pPr marL="0" indent="0">
-              <a:buNone/>
-            </a:pPr>
-            <a:r>
-              <a:rPr lang="en-US" sz="2200" dirty="0" smtClean="0">
-                <a:cs typeface="Times New Roman" panose="02020603050405020304" pitchFamily="18" charset="0"/>
-              </a:rPr>
-              <a:t>This is an user friendly portal that provides different features such as enabling the administrators to manage the </a:t>
-            </a:r>
-            <a:r>
-              <a:rPr lang="en-US" sz="2200" dirty="0" err="1" smtClean="0">
-                <a:cs typeface="Times New Roman" panose="02020603050405020304" pitchFamily="18" charset="0"/>
-              </a:rPr>
-              <a:t>mentors,facilitating</a:t>
-            </a:r>
-            <a:r>
-              <a:rPr lang="en-US" sz="2200" dirty="0" smtClean="0">
-                <a:cs typeface="Times New Roman" panose="02020603050405020304" pitchFamily="18" charset="0"/>
-              </a:rPr>
-              <a:t> the mentors to continuously monitor and enhance students and it also acts as a useful platform for the students to view the academic details and schedules.</a:t>
-            </a:r>
           </a:p>
         </p:txBody>
       </p:sp>
@@ -4211,6 +4621,948 @@
     <p:extLst>
       <p:ext uri="{BB962C8B-B14F-4D97-AF65-F5344CB8AC3E}">
         <p14:creationId xmlns:p14="http://schemas.microsoft.com/office/powerpoint/2010/main" val="4000355299"/>
+      </p:ext>
+    </p:extLst>
+  </p:cSld>
+  <p:clrMapOvr>
+    <a:masterClrMapping/>
+  </p:clrMapOvr>
+</p:sld>
+</file>
+
+<file path=ppt/slides/slide20.xml><?xml version="1.0" encoding="utf-8"?>
+<p:sld xmlns:a="http://schemas.openxmlformats.org/drawingml/2006/main" xmlns:r="http://schemas.openxmlformats.org/officeDocument/2006/relationships" xmlns:p="http://schemas.openxmlformats.org/presentationml/2006/main">
+  <p:cSld>
+    <p:spTree>
+      <p:nvGrpSpPr>
+        <p:cNvPr id="1" name=""/>
+        <p:cNvGrpSpPr/>
+        <p:nvPr/>
+      </p:nvGrpSpPr>
+      <p:grpSpPr>
+        <a:xfrm>
+          <a:off x="0" y="0"/>
+          <a:ext cx="0" cy="0"/>
+          <a:chOff x="0" y="0"/>
+          <a:chExt cx="0" cy="0"/>
+        </a:xfrm>
+      </p:grpSpPr>
+      <p:sp>
+        <p:nvSpPr>
+          <p:cNvPr id="2" name="Title 1">
+            <a:extLst>
+              <a:ext uri="{FF2B5EF4-FFF2-40B4-BE49-F238E27FC236}">
+                <a16:creationId xmlns:a16="http://schemas.microsoft.com/office/drawing/2014/main" id="{50C70E0F-BD61-4CEB-AA9C-54010B470F25}"/>
+              </a:ext>
+            </a:extLst>
+          </p:cNvPr>
+          <p:cNvSpPr>
+            <a:spLocks noGrp="1"/>
+          </p:cNvSpPr>
+          <p:nvPr>
+            <p:ph type="title"/>
+          </p:nvPr>
+        </p:nvSpPr>
+        <p:spPr/>
+        <p:txBody>
+          <a:bodyPr/>
+          <a:lstStyle/>
+          <a:p>
+            <a:r>
+              <a:rPr lang="en-US" dirty="0"/>
+              <a:t>Change Mentor</a:t>
+            </a:r>
+            <a:endParaRPr lang="en-IN" dirty="0"/>
+          </a:p>
+        </p:txBody>
+      </p:sp>
+      <p:pic>
+        <p:nvPicPr>
+          <p:cNvPr id="5" name="Content Placeholder 4">
+            <a:extLst>
+              <a:ext uri="{FF2B5EF4-FFF2-40B4-BE49-F238E27FC236}">
+                <a16:creationId xmlns:a16="http://schemas.microsoft.com/office/drawing/2014/main" id="{B65D73FB-61D7-4A66-B5B1-BC65B617DC42}"/>
+              </a:ext>
+            </a:extLst>
+          </p:cNvPr>
+          <p:cNvPicPr>
+            <a:picLocks noGrp="1" noChangeAspect="1"/>
+          </p:cNvPicPr>
+          <p:nvPr>
+            <p:ph idx="1"/>
+          </p:nvPr>
+        </p:nvPicPr>
+        <p:blipFill>
+          <a:blip r:embed="rId2">
+            <a:extLst>
+              <a:ext uri="{28A0092B-C50C-407E-A947-70E740481C1C}">
+                <a14:useLocalDpi xmlns:a14="http://schemas.microsoft.com/office/drawing/2010/main" val="0"/>
+              </a:ext>
+            </a:extLst>
+          </a:blip>
+          <a:stretch>
+            <a:fillRect/>
+          </a:stretch>
+        </p:blipFill>
+        <p:spPr>
+          <a:xfrm>
+            <a:off x="457200" y="1984496"/>
+            <a:ext cx="8229600" cy="3757370"/>
+          </a:xfrm>
+        </p:spPr>
+      </p:pic>
+    </p:spTree>
+    <p:extLst>
+      <p:ext uri="{BB962C8B-B14F-4D97-AF65-F5344CB8AC3E}">
+        <p14:creationId xmlns:p14="http://schemas.microsoft.com/office/powerpoint/2010/main" val="361583863"/>
+      </p:ext>
+    </p:extLst>
+  </p:cSld>
+  <p:clrMapOvr>
+    <a:masterClrMapping/>
+  </p:clrMapOvr>
+</p:sld>
+</file>
+
+<file path=ppt/slides/slide21.xml><?xml version="1.0" encoding="utf-8"?>
+<p:sld xmlns:a="http://schemas.openxmlformats.org/drawingml/2006/main" xmlns:r="http://schemas.openxmlformats.org/officeDocument/2006/relationships" xmlns:p="http://schemas.openxmlformats.org/presentationml/2006/main">
+  <p:cSld>
+    <p:spTree>
+      <p:nvGrpSpPr>
+        <p:cNvPr id="1" name=""/>
+        <p:cNvGrpSpPr/>
+        <p:nvPr/>
+      </p:nvGrpSpPr>
+      <p:grpSpPr>
+        <a:xfrm>
+          <a:off x="0" y="0"/>
+          <a:ext cx="0" cy="0"/>
+          <a:chOff x="0" y="0"/>
+          <a:chExt cx="0" cy="0"/>
+        </a:xfrm>
+      </p:grpSpPr>
+      <p:sp>
+        <p:nvSpPr>
+          <p:cNvPr id="2" name="Title 1">
+            <a:extLst>
+              <a:ext uri="{FF2B5EF4-FFF2-40B4-BE49-F238E27FC236}">
+                <a16:creationId xmlns:a16="http://schemas.microsoft.com/office/drawing/2014/main" id="{F329A88E-29CE-4996-AAEE-50B3482F1BD2}"/>
+              </a:ext>
+            </a:extLst>
+          </p:cNvPr>
+          <p:cNvSpPr>
+            <a:spLocks noGrp="1"/>
+          </p:cNvSpPr>
+          <p:nvPr>
+            <p:ph type="title"/>
+          </p:nvPr>
+        </p:nvSpPr>
+        <p:spPr/>
+        <p:txBody>
+          <a:bodyPr/>
+          <a:lstStyle/>
+          <a:p>
+            <a:r>
+              <a:rPr lang="en-US" dirty="0"/>
+              <a:t>Admin Dashboard</a:t>
+            </a:r>
+            <a:endParaRPr lang="en-IN" dirty="0"/>
+          </a:p>
+        </p:txBody>
+      </p:sp>
+      <p:pic>
+        <p:nvPicPr>
+          <p:cNvPr id="5" name="Content Placeholder 4">
+            <a:extLst>
+              <a:ext uri="{FF2B5EF4-FFF2-40B4-BE49-F238E27FC236}">
+                <a16:creationId xmlns:a16="http://schemas.microsoft.com/office/drawing/2014/main" id="{8FC20CFD-FBF0-4BE6-BDA0-A93C378ACD50}"/>
+              </a:ext>
+            </a:extLst>
+          </p:cNvPr>
+          <p:cNvPicPr>
+            <a:picLocks noGrp="1" noChangeAspect="1"/>
+          </p:cNvPicPr>
+          <p:nvPr>
+            <p:ph idx="1"/>
+          </p:nvPr>
+        </p:nvPicPr>
+        <p:blipFill>
+          <a:blip r:embed="rId2">
+            <a:extLst>
+              <a:ext uri="{28A0092B-C50C-407E-A947-70E740481C1C}">
+                <a14:useLocalDpi xmlns:a14="http://schemas.microsoft.com/office/drawing/2010/main" val="0"/>
+              </a:ext>
+            </a:extLst>
+          </a:blip>
+          <a:stretch>
+            <a:fillRect/>
+          </a:stretch>
+        </p:blipFill>
+        <p:spPr>
+          <a:xfrm>
+            <a:off x="457200" y="2052755"/>
+            <a:ext cx="8229600" cy="3620852"/>
+          </a:xfrm>
+        </p:spPr>
+      </p:pic>
+    </p:spTree>
+    <p:extLst>
+      <p:ext uri="{BB962C8B-B14F-4D97-AF65-F5344CB8AC3E}">
+        <p14:creationId xmlns:p14="http://schemas.microsoft.com/office/powerpoint/2010/main" val="2784991201"/>
+      </p:ext>
+    </p:extLst>
+  </p:cSld>
+  <p:clrMapOvr>
+    <a:masterClrMapping/>
+  </p:clrMapOvr>
+</p:sld>
+</file>
+
+<file path=ppt/slides/slide22.xml><?xml version="1.0" encoding="utf-8"?>
+<p:sld xmlns:a="http://schemas.openxmlformats.org/drawingml/2006/main" xmlns:r="http://schemas.openxmlformats.org/officeDocument/2006/relationships" xmlns:p="http://schemas.openxmlformats.org/presentationml/2006/main">
+  <p:cSld>
+    <p:spTree>
+      <p:nvGrpSpPr>
+        <p:cNvPr id="1" name=""/>
+        <p:cNvGrpSpPr/>
+        <p:nvPr/>
+      </p:nvGrpSpPr>
+      <p:grpSpPr>
+        <a:xfrm>
+          <a:off x="0" y="0"/>
+          <a:ext cx="0" cy="0"/>
+          <a:chOff x="0" y="0"/>
+          <a:chExt cx="0" cy="0"/>
+        </a:xfrm>
+      </p:grpSpPr>
+      <p:sp>
+        <p:nvSpPr>
+          <p:cNvPr id="2" name="Title 1">
+            <a:extLst>
+              <a:ext uri="{FF2B5EF4-FFF2-40B4-BE49-F238E27FC236}">
+                <a16:creationId xmlns:a16="http://schemas.microsoft.com/office/drawing/2014/main" id="{B14CA399-8119-42A5-AE56-2D9CA0267517}"/>
+              </a:ext>
+            </a:extLst>
+          </p:cNvPr>
+          <p:cNvSpPr>
+            <a:spLocks noGrp="1"/>
+          </p:cNvSpPr>
+          <p:nvPr>
+            <p:ph type="title"/>
+          </p:nvPr>
+        </p:nvSpPr>
+        <p:spPr/>
+        <p:txBody>
+          <a:bodyPr/>
+          <a:lstStyle/>
+          <a:p>
+            <a:r>
+              <a:rPr lang="en-US" dirty="0"/>
+              <a:t>View Feedback</a:t>
+            </a:r>
+            <a:endParaRPr lang="en-IN" dirty="0"/>
+          </a:p>
+        </p:txBody>
+      </p:sp>
+      <p:pic>
+        <p:nvPicPr>
+          <p:cNvPr id="5" name="Content Placeholder 4">
+            <a:extLst>
+              <a:ext uri="{FF2B5EF4-FFF2-40B4-BE49-F238E27FC236}">
+                <a16:creationId xmlns:a16="http://schemas.microsoft.com/office/drawing/2014/main" id="{00EA1B3D-B2B5-4D4A-9378-1420FE04EA31}"/>
+              </a:ext>
+            </a:extLst>
+          </p:cNvPr>
+          <p:cNvPicPr>
+            <a:picLocks noGrp="1" noChangeAspect="1"/>
+          </p:cNvPicPr>
+          <p:nvPr>
+            <p:ph idx="1"/>
+          </p:nvPr>
+        </p:nvPicPr>
+        <p:blipFill>
+          <a:blip r:embed="rId2">
+            <a:extLst>
+              <a:ext uri="{28A0092B-C50C-407E-A947-70E740481C1C}">
+                <a14:useLocalDpi xmlns:a14="http://schemas.microsoft.com/office/drawing/2010/main" val="0"/>
+              </a:ext>
+            </a:extLst>
+          </a:blip>
+          <a:stretch>
+            <a:fillRect/>
+          </a:stretch>
+        </p:blipFill>
+        <p:spPr>
+          <a:xfrm>
+            <a:off x="457200" y="1988055"/>
+            <a:ext cx="8229600" cy="3750252"/>
+          </a:xfrm>
+        </p:spPr>
+      </p:pic>
+    </p:spTree>
+    <p:extLst>
+      <p:ext uri="{BB962C8B-B14F-4D97-AF65-F5344CB8AC3E}">
+        <p14:creationId xmlns:p14="http://schemas.microsoft.com/office/powerpoint/2010/main" val="1157648060"/>
+      </p:ext>
+    </p:extLst>
+  </p:cSld>
+  <p:clrMapOvr>
+    <a:masterClrMapping/>
+  </p:clrMapOvr>
+</p:sld>
+</file>
+
+<file path=ppt/slides/slide23.xml><?xml version="1.0" encoding="utf-8"?>
+<p:sld xmlns:a="http://schemas.openxmlformats.org/drawingml/2006/main" xmlns:r="http://schemas.openxmlformats.org/officeDocument/2006/relationships" xmlns:p="http://schemas.openxmlformats.org/presentationml/2006/main">
+  <p:cSld>
+    <p:spTree>
+      <p:nvGrpSpPr>
+        <p:cNvPr id="1" name=""/>
+        <p:cNvGrpSpPr/>
+        <p:nvPr/>
+      </p:nvGrpSpPr>
+      <p:grpSpPr>
+        <a:xfrm>
+          <a:off x="0" y="0"/>
+          <a:ext cx="0" cy="0"/>
+          <a:chOff x="0" y="0"/>
+          <a:chExt cx="0" cy="0"/>
+        </a:xfrm>
+      </p:grpSpPr>
+      <p:sp>
+        <p:nvSpPr>
+          <p:cNvPr id="2" name="Title 1">
+            <a:extLst>
+              <a:ext uri="{FF2B5EF4-FFF2-40B4-BE49-F238E27FC236}">
+                <a16:creationId xmlns:a16="http://schemas.microsoft.com/office/drawing/2014/main" id="{5BE911FA-3E3B-45C2-9B6A-FEC4B5EB2B1A}"/>
+              </a:ext>
+            </a:extLst>
+          </p:cNvPr>
+          <p:cNvSpPr>
+            <a:spLocks noGrp="1"/>
+          </p:cNvSpPr>
+          <p:nvPr>
+            <p:ph type="title"/>
+          </p:nvPr>
+        </p:nvSpPr>
+        <p:spPr/>
+        <p:txBody>
+          <a:bodyPr/>
+          <a:lstStyle/>
+          <a:p>
+            <a:r>
+              <a:rPr lang="en-US" dirty="0"/>
+              <a:t>Mentor Home Page Grade Graph</a:t>
+            </a:r>
+            <a:endParaRPr lang="en-IN" dirty="0"/>
+          </a:p>
+        </p:txBody>
+      </p:sp>
+      <p:pic>
+        <p:nvPicPr>
+          <p:cNvPr id="9" name="Content Placeholder 8">
+            <a:extLst>
+              <a:ext uri="{FF2B5EF4-FFF2-40B4-BE49-F238E27FC236}">
+                <a16:creationId xmlns:a16="http://schemas.microsoft.com/office/drawing/2014/main" id="{758B904C-FB46-4AFF-A8C9-B86403AC24A0}"/>
+              </a:ext>
+            </a:extLst>
+          </p:cNvPr>
+          <p:cNvPicPr>
+            <a:picLocks noGrp="1" noChangeAspect="1"/>
+          </p:cNvPicPr>
+          <p:nvPr>
+            <p:ph idx="1"/>
+          </p:nvPr>
+        </p:nvPicPr>
+        <p:blipFill>
+          <a:blip r:embed="rId2">
+            <a:extLst>
+              <a:ext uri="{28A0092B-C50C-407E-A947-70E740481C1C}">
+                <a14:useLocalDpi xmlns:a14="http://schemas.microsoft.com/office/drawing/2010/main" val="0"/>
+              </a:ext>
+            </a:extLst>
+          </a:blip>
+          <a:stretch>
+            <a:fillRect/>
+          </a:stretch>
+        </p:blipFill>
+        <p:spPr>
+          <a:xfrm>
+            <a:off x="457200" y="1982130"/>
+            <a:ext cx="8229600" cy="3762103"/>
+          </a:xfrm>
+        </p:spPr>
+      </p:pic>
+    </p:spTree>
+    <p:extLst>
+      <p:ext uri="{BB962C8B-B14F-4D97-AF65-F5344CB8AC3E}">
+        <p14:creationId xmlns:p14="http://schemas.microsoft.com/office/powerpoint/2010/main" val="1148505546"/>
+      </p:ext>
+    </p:extLst>
+  </p:cSld>
+  <p:clrMapOvr>
+    <a:masterClrMapping/>
+  </p:clrMapOvr>
+</p:sld>
+</file>
+
+<file path=ppt/slides/slide24.xml><?xml version="1.0" encoding="utf-8"?>
+<p:sld xmlns:a="http://schemas.openxmlformats.org/drawingml/2006/main" xmlns:r="http://schemas.openxmlformats.org/officeDocument/2006/relationships" xmlns:p="http://schemas.openxmlformats.org/presentationml/2006/main">
+  <p:cSld>
+    <p:spTree>
+      <p:nvGrpSpPr>
+        <p:cNvPr id="1" name=""/>
+        <p:cNvGrpSpPr/>
+        <p:nvPr/>
+      </p:nvGrpSpPr>
+      <p:grpSpPr>
+        <a:xfrm>
+          <a:off x="0" y="0"/>
+          <a:ext cx="0" cy="0"/>
+          <a:chOff x="0" y="0"/>
+          <a:chExt cx="0" cy="0"/>
+        </a:xfrm>
+      </p:grpSpPr>
+      <p:sp>
+        <p:nvSpPr>
+          <p:cNvPr id="2" name="Title 1">
+            <a:extLst>
+              <a:ext uri="{FF2B5EF4-FFF2-40B4-BE49-F238E27FC236}">
+                <a16:creationId xmlns:a16="http://schemas.microsoft.com/office/drawing/2014/main" id="{B67FF9B4-1B54-4FD2-9470-952703B17056}"/>
+              </a:ext>
+            </a:extLst>
+          </p:cNvPr>
+          <p:cNvSpPr>
+            <a:spLocks noGrp="1"/>
+          </p:cNvSpPr>
+          <p:nvPr>
+            <p:ph type="title"/>
+          </p:nvPr>
+        </p:nvSpPr>
+        <p:spPr/>
+        <p:txBody>
+          <a:bodyPr>
+            <a:normAutofit fontScale="90000"/>
+          </a:bodyPr>
+          <a:lstStyle/>
+          <a:p>
+            <a:r>
+              <a:rPr lang="en-US" dirty="0"/>
+              <a:t>Mentor Home Page Attendance Graph</a:t>
+            </a:r>
+            <a:endParaRPr lang="en-IN" dirty="0"/>
+          </a:p>
+        </p:txBody>
+      </p:sp>
+      <p:pic>
+        <p:nvPicPr>
+          <p:cNvPr id="5" name="Content Placeholder 4">
+            <a:extLst>
+              <a:ext uri="{FF2B5EF4-FFF2-40B4-BE49-F238E27FC236}">
+                <a16:creationId xmlns:a16="http://schemas.microsoft.com/office/drawing/2014/main" id="{703A7485-F8E0-4F48-9A7D-51A94935A74A}"/>
+              </a:ext>
+            </a:extLst>
+          </p:cNvPr>
+          <p:cNvPicPr>
+            <a:picLocks noGrp="1" noChangeAspect="1"/>
+          </p:cNvPicPr>
+          <p:nvPr>
+            <p:ph idx="1"/>
+          </p:nvPr>
+        </p:nvPicPr>
+        <p:blipFill>
+          <a:blip r:embed="rId2">
+            <a:extLst>
+              <a:ext uri="{28A0092B-C50C-407E-A947-70E740481C1C}">
+                <a14:useLocalDpi xmlns:a14="http://schemas.microsoft.com/office/drawing/2010/main" val="0"/>
+              </a:ext>
+            </a:extLst>
+          </a:blip>
+          <a:stretch>
+            <a:fillRect/>
+          </a:stretch>
+        </p:blipFill>
+        <p:spPr>
+          <a:xfrm>
+            <a:off x="457200" y="2011960"/>
+            <a:ext cx="8229600" cy="3702442"/>
+          </a:xfrm>
+        </p:spPr>
+      </p:pic>
+    </p:spTree>
+    <p:extLst>
+      <p:ext uri="{BB962C8B-B14F-4D97-AF65-F5344CB8AC3E}">
+        <p14:creationId xmlns:p14="http://schemas.microsoft.com/office/powerpoint/2010/main" val="2163414107"/>
+      </p:ext>
+    </p:extLst>
+  </p:cSld>
+  <p:clrMapOvr>
+    <a:masterClrMapping/>
+  </p:clrMapOvr>
+</p:sld>
+</file>
+
+<file path=ppt/slides/slide25.xml><?xml version="1.0" encoding="utf-8"?>
+<p:sld xmlns:a="http://schemas.openxmlformats.org/drawingml/2006/main" xmlns:r="http://schemas.openxmlformats.org/officeDocument/2006/relationships" xmlns:p="http://schemas.openxmlformats.org/presentationml/2006/main">
+  <p:cSld>
+    <p:spTree>
+      <p:nvGrpSpPr>
+        <p:cNvPr id="1" name=""/>
+        <p:cNvGrpSpPr/>
+        <p:nvPr/>
+      </p:nvGrpSpPr>
+      <p:grpSpPr>
+        <a:xfrm>
+          <a:off x="0" y="0"/>
+          <a:ext cx="0" cy="0"/>
+          <a:chOff x="0" y="0"/>
+          <a:chExt cx="0" cy="0"/>
+        </a:xfrm>
+      </p:grpSpPr>
+      <p:sp>
+        <p:nvSpPr>
+          <p:cNvPr id="2" name="Title 1">
+            <a:extLst>
+              <a:ext uri="{FF2B5EF4-FFF2-40B4-BE49-F238E27FC236}">
+                <a16:creationId xmlns:a16="http://schemas.microsoft.com/office/drawing/2014/main" id="{BD3EB6CD-410B-46CC-A2DE-054D846D48BE}"/>
+              </a:ext>
+            </a:extLst>
+          </p:cNvPr>
+          <p:cNvSpPr>
+            <a:spLocks noGrp="1"/>
+          </p:cNvSpPr>
+          <p:nvPr>
+            <p:ph type="title"/>
+          </p:nvPr>
+        </p:nvSpPr>
+        <p:spPr/>
+        <p:txBody>
+          <a:bodyPr/>
+          <a:lstStyle/>
+          <a:p>
+            <a:r>
+              <a:rPr lang="en-US" dirty="0"/>
+              <a:t>Classroom Page</a:t>
+            </a:r>
+            <a:endParaRPr lang="en-IN" dirty="0"/>
+          </a:p>
+        </p:txBody>
+      </p:sp>
+      <p:pic>
+        <p:nvPicPr>
+          <p:cNvPr id="5" name="Content Placeholder 4">
+            <a:extLst>
+              <a:ext uri="{FF2B5EF4-FFF2-40B4-BE49-F238E27FC236}">
+                <a16:creationId xmlns:a16="http://schemas.microsoft.com/office/drawing/2014/main" id="{E04BBFAE-EA17-4E3C-8D88-F302CE7C4E22}"/>
+              </a:ext>
+            </a:extLst>
+          </p:cNvPr>
+          <p:cNvPicPr>
+            <a:picLocks noGrp="1" noChangeAspect="1"/>
+          </p:cNvPicPr>
+          <p:nvPr>
+            <p:ph idx="1"/>
+          </p:nvPr>
+        </p:nvPicPr>
+        <p:blipFill>
+          <a:blip r:embed="rId2">
+            <a:extLst>
+              <a:ext uri="{28A0092B-C50C-407E-A947-70E740481C1C}">
+                <a14:useLocalDpi xmlns:a14="http://schemas.microsoft.com/office/drawing/2010/main" val="0"/>
+              </a:ext>
+            </a:extLst>
+          </a:blip>
+          <a:stretch>
+            <a:fillRect/>
+          </a:stretch>
+        </p:blipFill>
+        <p:spPr>
+          <a:xfrm>
+            <a:off x="457200" y="2001827"/>
+            <a:ext cx="8229600" cy="3722709"/>
+          </a:xfrm>
+        </p:spPr>
+      </p:pic>
+    </p:spTree>
+    <p:extLst>
+      <p:ext uri="{BB962C8B-B14F-4D97-AF65-F5344CB8AC3E}">
+        <p14:creationId xmlns:p14="http://schemas.microsoft.com/office/powerpoint/2010/main" val="3065447231"/>
+      </p:ext>
+    </p:extLst>
+  </p:cSld>
+  <p:clrMapOvr>
+    <a:masterClrMapping/>
+  </p:clrMapOvr>
+</p:sld>
+</file>
+
+<file path=ppt/slides/slide26.xml><?xml version="1.0" encoding="utf-8"?>
+<p:sld xmlns:a="http://schemas.openxmlformats.org/drawingml/2006/main" xmlns:r="http://schemas.openxmlformats.org/officeDocument/2006/relationships" xmlns:p="http://schemas.openxmlformats.org/presentationml/2006/main">
+  <p:cSld>
+    <p:spTree>
+      <p:nvGrpSpPr>
+        <p:cNvPr id="1" name=""/>
+        <p:cNvGrpSpPr/>
+        <p:nvPr/>
+      </p:nvGrpSpPr>
+      <p:grpSpPr>
+        <a:xfrm>
+          <a:off x="0" y="0"/>
+          <a:ext cx="0" cy="0"/>
+          <a:chOff x="0" y="0"/>
+          <a:chExt cx="0" cy="0"/>
+        </a:xfrm>
+      </p:grpSpPr>
+      <p:sp>
+        <p:nvSpPr>
+          <p:cNvPr id="2" name="Title 1">
+            <a:extLst>
+              <a:ext uri="{FF2B5EF4-FFF2-40B4-BE49-F238E27FC236}">
+                <a16:creationId xmlns:a16="http://schemas.microsoft.com/office/drawing/2014/main" id="{EBC57D11-47AF-4546-8CB2-84359BE722A7}"/>
+              </a:ext>
+            </a:extLst>
+          </p:cNvPr>
+          <p:cNvSpPr>
+            <a:spLocks noGrp="1"/>
+          </p:cNvSpPr>
+          <p:nvPr>
+            <p:ph type="title"/>
+          </p:nvPr>
+        </p:nvSpPr>
+        <p:spPr/>
+        <p:txBody>
+          <a:bodyPr/>
+          <a:lstStyle/>
+          <a:p>
+            <a:r>
+              <a:rPr lang="en-US" dirty="0"/>
+              <a:t>Add Classroom Page</a:t>
+            </a:r>
+            <a:endParaRPr lang="en-IN" dirty="0"/>
+          </a:p>
+        </p:txBody>
+      </p:sp>
+      <p:pic>
+        <p:nvPicPr>
+          <p:cNvPr id="5" name="Content Placeholder 4">
+            <a:extLst>
+              <a:ext uri="{FF2B5EF4-FFF2-40B4-BE49-F238E27FC236}">
+                <a16:creationId xmlns:a16="http://schemas.microsoft.com/office/drawing/2014/main" id="{C71B8870-239B-4A58-B3D2-3D2F72717F5C}"/>
+              </a:ext>
+            </a:extLst>
+          </p:cNvPr>
+          <p:cNvPicPr>
+            <a:picLocks noGrp="1" noChangeAspect="1"/>
+          </p:cNvPicPr>
+          <p:nvPr>
+            <p:ph idx="1"/>
+          </p:nvPr>
+        </p:nvPicPr>
+        <p:blipFill>
+          <a:blip r:embed="rId2">
+            <a:extLst>
+              <a:ext uri="{28A0092B-C50C-407E-A947-70E740481C1C}">
+                <a14:useLocalDpi xmlns:a14="http://schemas.microsoft.com/office/drawing/2010/main" val="0"/>
+              </a:ext>
+            </a:extLst>
+          </a:blip>
+          <a:stretch>
+            <a:fillRect/>
+          </a:stretch>
+        </p:blipFill>
+        <p:spPr>
+          <a:xfrm>
+            <a:off x="457200" y="2149763"/>
+            <a:ext cx="8229600" cy="3426836"/>
+          </a:xfrm>
+        </p:spPr>
+      </p:pic>
+    </p:spTree>
+    <p:extLst>
+      <p:ext uri="{BB962C8B-B14F-4D97-AF65-F5344CB8AC3E}">
+        <p14:creationId xmlns:p14="http://schemas.microsoft.com/office/powerpoint/2010/main" val="3444121947"/>
+      </p:ext>
+    </p:extLst>
+  </p:cSld>
+  <p:clrMapOvr>
+    <a:masterClrMapping/>
+  </p:clrMapOvr>
+</p:sld>
+</file>
+
+<file path=ppt/slides/slide27.xml><?xml version="1.0" encoding="utf-8"?>
+<p:sld xmlns:a="http://schemas.openxmlformats.org/drawingml/2006/main" xmlns:r="http://schemas.openxmlformats.org/officeDocument/2006/relationships" xmlns:p="http://schemas.openxmlformats.org/presentationml/2006/main">
+  <p:cSld>
+    <p:spTree>
+      <p:nvGrpSpPr>
+        <p:cNvPr id="1" name=""/>
+        <p:cNvGrpSpPr/>
+        <p:nvPr/>
+      </p:nvGrpSpPr>
+      <p:grpSpPr>
+        <a:xfrm>
+          <a:off x="0" y="0"/>
+          <a:ext cx="0" cy="0"/>
+          <a:chOff x="0" y="0"/>
+          <a:chExt cx="0" cy="0"/>
+        </a:xfrm>
+      </p:grpSpPr>
+      <p:sp>
+        <p:nvSpPr>
+          <p:cNvPr id="2" name="Title 1">
+            <a:extLst>
+              <a:ext uri="{FF2B5EF4-FFF2-40B4-BE49-F238E27FC236}">
+                <a16:creationId xmlns:a16="http://schemas.microsoft.com/office/drawing/2014/main" id="{E1274288-CC32-4FD3-B942-8E46EA3F194D}"/>
+              </a:ext>
+            </a:extLst>
+          </p:cNvPr>
+          <p:cNvSpPr>
+            <a:spLocks noGrp="1"/>
+          </p:cNvSpPr>
+          <p:nvPr>
+            <p:ph type="title"/>
+          </p:nvPr>
+        </p:nvSpPr>
+        <p:spPr/>
+        <p:txBody>
+          <a:bodyPr/>
+          <a:lstStyle/>
+          <a:p>
+            <a:r>
+              <a:rPr lang="en-US" dirty="0"/>
+              <a:t>Test Page</a:t>
+            </a:r>
+            <a:endParaRPr lang="en-IN" dirty="0"/>
+          </a:p>
+        </p:txBody>
+      </p:sp>
+      <p:pic>
+        <p:nvPicPr>
+          <p:cNvPr id="5" name="Content Placeholder 4">
+            <a:extLst>
+              <a:ext uri="{FF2B5EF4-FFF2-40B4-BE49-F238E27FC236}">
+                <a16:creationId xmlns:a16="http://schemas.microsoft.com/office/drawing/2014/main" id="{7CC76FAA-4AA9-4578-A726-95975E4E6DDF}"/>
+              </a:ext>
+            </a:extLst>
+          </p:cNvPr>
+          <p:cNvPicPr>
+            <a:picLocks noGrp="1" noChangeAspect="1"/>
+          </p:cNvPicPr>
+          <p:nvPr>
+            <p:ph idx="1"/>
+          </p:nvPr>
+        </p:nvPicPr>
+        <p:blipFill>
+          <a:blip r:embed="rId2">
+            <a:extLst>
+              <a:ext uri="{28A0092B-C50C-407E-A947-70E740481C1C}">
+                <a14:useLocalDpi xmlns:a14="http://schemas.microsoft.com/office/drawing/2010/main" val="0"/>
+              </a:ext>
+            </a:extLst>
+          </a:blip>
+          <a:stretch>
+            <a:fillRect/>
+          </a:stretch>
+        </p:blipFill>
+        <p:spPr>
+          <a:xfrm>
+            <a:off x="457200" y="2002293"/>
+            <a:ext cx="8229600" cy="3721777"/>
+          </a:xfrm>
+        </p:spPr>
+      </p:pic>
+    </p:spTree>
+    <p:extLst>
+      <p:ext uri="{BB962C8B-B14F-4D97-AF65-F5344CB8AC3E}">
+        <p14:creationId xmlns:p14="http://schemas.microsoft.com/office/powerpoint/2010/main" val="2304228734"/>
+      </p:ext>
+    </p:extLst>
+  </p:cSld>
+  <p:clrMapOvr>
+    <a:masterClrMapping/>
+  </p:clrMapOvr>
+</p:sld>
+</file>
+
+<file path=ppt/slides/slide28.xml><?xml version="1.0" encoding="utf-8"?>
+<p:sld xmlns:a="http://schemas.openxmlformats.org/drawingml/2006/main" xmlns:r="http://schemas.openxmlformats.org/officeDocument/2006/relationships" xmlns:p="http://schemas.openxmlformats.org/presentationml/2006/main">
+  <p:cSld>
+    <p:spTree>
+      <p:nvGrpSpPr>
+        <p:cNvPr id="1" name=""/>
+        <p:cNvGrpSpPr/>
+        <p:nvPr/>
+      </p:nvGrpSpPr>
+      <p:grpSpPr>
+        <a:xfrm>
+          <a:off x="0" y="0"/>
+          <a:ext cx="0" cy="0"/>
+          <a:chOff x="0" y="0"/>
+          <a:chExt cx="0" cy="0"/>
+        </a:xfrm>
+      </p:grpSpPr>
+      <p:sp>
+        <p:nvSpPr>
+          <p:cNvPr id="2" name="Title 1">
+            <a:extLst>
+              <a:ext uri="{FF2B5EF4-FFF2-40B4-BE49-F238E27FC236}">
+                <a16:creationId xmlns:a16="http://schemas.microsoft.com/office/drawing/2014/main" id="{4B88F24F-BD22-47AC-86FB-85976F31681C}"/>
+              </a:ext>
+            </a:extLst>
+          </p:cNvPr>
+          <p:cNvSpPr>
+            <a:spLocks noGrp="1"/>
+          </p:cNvSpPr>
+          <p:nvPr>
+            <p:ph type="title"/>
+          </p:nvPr>
+        </p:nvSpPr>
+        <p:spPr/>
+        <p:txBody>
+          <a:bodyPr/>
+          <a:lstStyle/>
+          <a:p>
+            <a:r>
+              <a:rPr lang="en-US" dirty="0"/>
+              <a:t>Add Test Page</a:t>
+            </a:r>
+            <a:endParaRPr lang="en-IN" dirty="0"/>
+          </a:p>
+        </p:txBody>
+      </p:sp>
+      <p:pic>
+        <p:nvPicPr>
+          <p:cNvPr id="9" name="Content Placeholder 8">
+            <a:extLst>
+              <a:ext uri="{FF2B5EF4-FFF2-40B4-BE49-F238E27FC236}">
+                <a16:creationId xmlns:a16="http://schemas.microsoft.com/office/drawing/2014/main" id="{413E0E8B-6FBF-44C0-864A-CD52D577AC0F}"/>
+              </a:ext>
+            </a:extLst>
+          </p:cNvPr>
+          <p:cNvPicPr>
+            <a:picLocks noGrp="1" noChangeAspect="1"/>
+          </p:cNvPicPr>
+          <p:nvPr>
+            <p:ph idx="1"/>
+          </p:nvPr>
+        </p:nvPicPr>
+        <p:blipFill>
+          <a:blip r:embed="rId2">
+            <a:extLst>
+              <a:ext uri="{28A0092B-C50C-407E-A947-70E740481C1C}">
+                <a14:useLocalDpi xmlns:a14="http://schemas.microsoft.com/office/drawing/2010/main" val="0"/>
+              </a:ext>
+            </a:extLst>
+          </a:blip>
+          <a:stretch>
+            <a:fillRect/>
+          </a:stretch>
+        </p:blipFill>
+        <p:spPr>
+          <a:xfrm>
+            <a:off x="457200" y="2025283"/>
+            <a:ext cx="8229600" cy="3675797"/>
+          </a:xfrm>
+        </p:spPr>
+      </p:pic>
+    </p:spTree>
+    <p:extLst>
+      <p:ext uri="{BB962C8B-B14F-4D97-AF65-F5344CB8AC3E}">
+        <p14:creationId xmlns:p14="http://schemas.microsoft.com/office/powerpoint/2010/main" val="1552964352"/>
+      </p:ext>
+    </p:extLst>
+  </p:cSld>
+  <p:clrMapOvr>
+    <a:masterClrMapping/>
+  </p:clrMapOvr>
+</p:sld>
+</file>
+
+<file path=ppt/slides/slide29.xml><?xml version="1.0" encoding="utf-8"?>
+<p:sld xmlns:a="http://schemas.openxmlformats.org/drawingml/2006/main" xmlns:r="http://schemas.openxmlformats.org/officeDocument/2006/relationships" xmlns:p="http://schemas.openxmlformats.org/presentationml/2006/main">
+  <p:cSld>
+    <p:spTree>
+      <p:nvGrpSpPr>
+        <p:cNvPr id="1" name=""/>
+        <p:cNvGrpSpPr/>
+        <p:nvPr/>
+      </p:nvGrpSpPr>
+      <p:grpSpPr>
+        <a:xfrm>
+          <a:off x="0" y="0"/>
+          <a:ext cx="0" cy="0"/>
+          <a:chOff x="0" y="0"/>
+          <a:chExt cx="0" cy="0"/>
+        </a:xfrm>
+      </p:grpSpPr>
+      <p:sp>
+        <p:nvSpPr>
+          <p:cNvPr id="2" name="Title 1">
+            <a:extLst>
+              <a:ext uri="{FF2B5EF4-FFF2-40B4-BE49-F238E27FC236}">
+                <a16:creationId xmlns:a16="http://schemas.microsoft.com/office/drawing/2014/main" id="{41533755-F579-4575-9813-961A3C5206EC}"/>
+              </a:ext>
+            </a:extLst>
+          </p:cNvPr>
+          <p:cNvSpPr>
+            <a:spLocks noGrp="1"/>
+          </p:cNvSpPr>
+          <p:nvPr>
+            <p:ph type="title"/>
+          </p:nvPr>
+        </p:nvSpPr>
+        <p:spPr/>
+        <p:txBody>
+          <a:bodyPr/>
+          <a:lstStyle/>
+          <a:p>
+            <a:r>
+              <a:rPr lang="en-US" dirty="0"/>
+              <a:t>Edit Grades Page</a:t>
+            </a:r>
+            <a:endParaRPr lang="en-IN" dirty="0"/>
+          </a:p>
+        </p:txBody>
+      </p:sp>
+      <p:pic>
+        <p:nvPicPr>
+          <p:cNvPr id="5" name="Content Placeholder 4">
+            <a:extLst>
+              <a:ext uri="{FF2B5EF4-FFF2-40B4-BE49-F238E27FC236}">
+                <a16:creationId xmlns:a16="http://schemas.microsoft.com/office/drawing/2014/main" id="{76FA5502-5AA1-42B0-8892-EC2FA00E828A}"/>
+              </a:ext>
+            </a:extLst>
+          </p:cNvPr>
+          <p:cNvPicPr>
+            <a:picLocks noGrp="1" noChangeAspect="1"/>
+          </p:cNvPicPr>
+          <p:nvPr>
+            <p:ph idx="1"/>
+          </p:nvPr>
+        </p:nvPicPr>
+        <p:blipFill>
+          <a:blip r:embed="rId2">
+            <a:extLst>
+              <a:ext uri="{28A0092B-C50C-407E-A947-70E740481C1C}">
+                <a14:useLocalDpi xmlns:a14="http://schemas.microsoft.com/office/drawing/2010/main" val="0"/>
+              </a:ext>
+            </a:extLst>
+          </a:blip>
+          <a:stretch>
+            <a:fillRect/>
+          </a:stretch>
+        </p:blipFill>
+        <p:spPr>
+          <a:xfrm>
+            <a:off x="457200" y="2086140"/>
+            <a:ext cx="8229600" cy="3554082"/>
+          </a:xfrm>
+        </p:spPr>
+      </p:pic>
+    </p:spTree>
+    <p:extLst>
+      <p:ext uri="{BB962C8B-B14F-4D97-AF65-F5344CB8AC3E}">
+        <p14:creationId xmlns:p14="http://schemas.microsoft.com/office/powerpoint/2010/main" val="703501433"/>
       </p:ext>
     </p:extLst>
   </p:cSld>
@@ -4253,7 +5605,7 @@
           <a:lstStyle/>
           <a:p>
             <a:r>
-              <a:rPr lang="en-US" u="sng" dirty="0" smtClean="0">
+              <a:rPr lang="en-US" u="sng" dirty="0">
                 <a:latin typeface="Algerian" panose="04020705040A02060702" pitchFamily="82" charset="0"/>
               </a:rPr>
               <a:t>OBJECTIVE</a:t>
@@ -4302,18 +5654,9 @@
               <a:buNone/>
             </a:pPr>
             <a:r>
-              <a:rPr lang="en-IN" dirty="0" smtClean="0"/>
-              <a:t>which </a:t>
-            </a:r>
-            <a:r>
               <a:rPr lang="en-IN" dirty="0"/>
-              <a:t>connects the Instructors and </a:t>
-            </a:r>
-            <a:r>
-              <a:rPr lang="en-IN" dirty="0" smtClean="0"/>
-              <a:t>Students.</a:t>
-            </a:r>
-            <a:endParaRPr lang="en-IN" dirty="0"/>
+              <a:t>which connects the Instructors and Students.</a:t>
+            </a:r>
           </a:p>
           <a:p>
             <a:pPr marL="0" indent="0">
@@ -4392,6 +5735,946 @@
     <p:extLst>
       <p:ext uri="{BB962C8B-B14F-4D97-AF65-F5344CB8AC3E}">
         <p14:creationId xmlns:p14="http://schemas.microsoft.com/office/powerpoint/2010/main" val="2873425385"/>
+      </p:ext>
+    </p:extLst>
+  </p:cSld>
+  <p:clrMapOvr>
+    <a:masterClrMapping/>
+  </p:clrMapOvr>
+</p:sld>
+</file>
+
+<file path=ppt/slides/slide30.xml><?xml version="1.0" encoding="utf-8"?>
+<p:sld xmlns:a="http://schemas.openxmlformats.org/drawingml/2006/main" xmlns:r="http://schemas.openxmlformats.org/officeDocument/2006/relationships" xmlns:p="http://schemas.openxmlformats.org/presentationml/2006/main">
+  <p:cSld>
+    <p:spTree>
+      <p:nvGrpSpPr>
+        <p:cNvPr id="1" name=""/>
+        <p:cNvGrpSpPr/>
+        <p:nvPr/>
+      </p:nvGrpSpPr>
+      <p:grpSpPr>
+        <a:xfrm>
+          <a:off x="0" y="0"/>
+          <a:ext cx="0" cy="0"/>
+          <a:chOff x="0" y="0"/>
+          <a:chExt cx="0" cy="0"/>
+        </a:xfrm>
+      </p:grpSpPr>
+      <p:sp>
+        <p:nvSpPr>
+          <p:cNvPr id="2" name="Title 1">
+            <a:extLst>
+              <a:ext uri="{FF2B5EF4-FFF2-40B4-BE49-F238E27FC236}">
+                <a16:creationId xmlns:a16="http://schemas.microsoft.com/office/drawing/2014/main" id="{B286DA51-C937-4B63-9D53-B002A6C55A7C}"/>
+              </a:ext>
+            </a:extLst>
+          </p:cNvPr>
+          <p:cNvSpPr>
+            <a:spLocks noGrp="1"/>
+          </p:cNvSpPr>
+          <p:nvPr>
+            <p:ph type="title"/>
+          </p:nvPr>
+        </p:nvSpPr>
+        <p:spPr/>
+        <p:txBody>
+          <a:bodyPr/>
+          <a:lstStyle/>
+          <a:p>
+            <a:r>
+              <a:rPr lang="en-US" dirty="0"/>
+              <a:t>Webinars Page</a:t>
+            </a:r>
+            <a:endParaRPr lang="en-IN" dirty="0"/>
+          </a:p>
+        </p:txBody>
+      </p:sp>
+      <p:pic>
+        <p:nvPicPr>
+          <p:cNvPr id="5" name="Content Placeholder 4">
+            <a:extLst>
+              <a:ext uri="{FF2B5EF4-FFF2-40B4-BE49-F238E27FC236}">
+                <a16:creationId xmlns:a16="http://schemas.microsoft.com/office/drawing/2014/main" id="{1A0A32F3-8456-442A-BBE4-5C7B34C7078A}"/>
+              </a:ext>
+            </a:extLst>
+          </p:cNvPr>
+          <p:cNvPicPr>
+            <a:picLocks noGrp="1" noChangeAspect="1"/>
+          </p:cNvPicPr>
+          <p:nvPr>
+            <p:ph idx="1"/>
+          </p:nvPr>
+        </p:nvPicPr>
+        <p:blipFill>
+          <a:blip r:embed="rId2">
+            <a:extLst>
+              <a:ext uri="{28A0092B-C50C-407E-A947-70E740481C1C}">
+                <a14:useLocalDpi xmlns:a14="http://schemas.microsoft.com/office/drawing/2010/main" val="0"/>
+              </a:ext>
+            </a:extLst>
+          </a:blip>
+          <a:stretch>
+            <a:fillRect/>
+          </a:stretch>
+        </p:blipFill>
+        <p:spPr>
+          <a:xfrm>
+            <a:off x="457200" y="2078285"/>
+            <a:ext cx="8229600" cy="3569793"/>
+          </a:xfrm>
+        </p:spPr>
+      </p:pic>
+    </p:spTree>
+    <p:extLst>
+      <p:ext uri="{BB962C8B-B14F-4D97-AF65-F5344CB8AC3E}">
+        <p14:creationId xmlns:p14="http://schemas.microsoft.com/office/powerpoint/2010/main" val="1308840666"/>
+      </p:ext>
+    </p:extLst>
+  </p:cSld>
+  <p:clrMapOvr>
+    <a:masterClrMapping/>
+  </p:clrMapOvr>
+</p:sld>
+</file>
+
+<file path=ppt/slides/slide31.xml><?xml version="1.0" encoding="utf-8"?>
+<p:sld xmlns:a="http://schemas.openxmlformats.org/drawingml/2006/main" xmlns:r="http://schemas.openxmlformats.org/officeDocument/2006/relationships" xmlns:p="http://schemas.openxmlformats.org/presentationml/2006/main">
+  <p:cSld>
+    <p:spTree>
+      <p:nvGrpSpPr>
+        <p:cNvPr id="1" name=""/>
+        <p:cNvGrpSpPr/>
+        <p:nvPr/>
+      </p:nvGrpSpPr>
+      <p:grpSpPr>
+        <a:xfrm>
+          <a:off x="0" y="0"/>
+          <a:ext cx="0" cy="0"/>
+          <a:chOff x="0" y="0"/>
+          <a:chExt cx="0" cy="0"/>
+        </a:xfrm>
+      </p:grpSpPr>
+      <p:sp>
+        <p:nvSpPr>
+          <p:cNvPr id="2" name="Title 1">
+            <a:extLst>
+              <a:ext uri="{FF2B5EF4-FFF2-40B4-BE49-F238E27FC236}">
+                <a16:creationId xmlns:a16="http://schemas.microsoft.com/office/drawing/2014/main" id="{E462FE49-21E7-448B-BC81-C583A679133B}"/>
+              </a:ext>
+            </a:extLst>
+          </p:cNvPr>
+          <p:cNvSpPr>
+            <a:spLocks noGrp="1"/>
+          </p:cNvSpPr>
+          <p:nvPr>
+            <p:ph type="title"/>
+          </p:nvPr>
+        </p:nvSpPr>
+        <p:spPr/>
+        <p:txBody>
+          <a:bodyPr/>
+          <a:lstStyle/>
+          <a:p>
+            <a:r>
+              <a:rPr lang="en-US" dirty="0"/>
+              <a:t>Add Webinars</a:t>
+            </a:r>
+            <a:endParaRPr lang="en-IN" dirty="0"/>
+          </a:p>
+        </p:txBody>
+      </p:sp>
+      <p:pic>
+        <p:nvPicPr>
+          <p:cNvPr id="5" name="Content Placeholder 4">
+            <a:extLst>
+              <a:ext uri="{FF2B5EF4-FFF2-40B4-BE49-F238E27FC236}">
+                <a16:creationId xmlns:a16="http://schemas.microsoft.com/office/drawing/2014/main" id="{B0609794-5633-4F44-8ECE-422507AB1B7A}"/>
+              </a:ext>
+            </a:extLst>
+          </p:cNvPr>
+          <p:cNvPicPr>
+            <a:picLocks noGrp="1" noChangeAspect="1"/>
+          </p:cNvPicPr>
+          <p:nvPr>
+            <p:ph idx="1"/>
+          </p:nvPr>
+        </p:nvPicPr>
+        <p:blipFill>
+          <a:blip r:embed="rId2">
+            <a:extLst>
+              <a:ext uri="{28A0092B-C50C-407E-A947-70E740481C1C}">
+                <a14:useLocalDpi xmlns:a14="http://schemas.microsoft.com/office/drawing/2010/main" val="0"/>
+              </a:ext>
+            </a:extLst>
+          </a:blip>
+          <a:stretch>
+            <a:fillRect/>
+          </a:stretch>
+        </p:blipFill>
+        <p:spPr>
+          <a:xfrm>
+            <a:off x="457200" y="2309896"/>
+            <a:ext cx="8229600" cy="3106571"/>
+          </a:xfrm>
+        </p:spPr>
+      </p:pic>
+    </p:spTree>
+    <p:extLst>
+      <p:ext uri="{BB962C8B-B14F-4D97-AF65-F5344CB8AC3E}">
+        <p14:creationId xmlns:p14="http://schemas.microsoft.com/office/powerpoint/2010/main" val="1091855384"/>
+      </p:ext>
+    </p:extLst>
+  </p:cSld>
+  <p:clrMapOvr>
+    <a:masterClrMapping/>
+  </p:clrMapOvr>
+</p:sld>
+</file>
+
+<file path=ppt/slides/slide32.xml><?xml version="1.0" encoding="utf-8"?>
+<p:sld xmlns:a="http://schemas.openxmlformats.org/drawingml/2006/main" xmlns:r="http://schemas.openxmlformats.org/officeDocument/2006/relationships" xmlns:p="http://schemas.openxmlformats.org/presentationml/2006/main">
+  <p:cSld>
+    <p:spTree>
+      <p:nvGrpSpPr>
+        <p:cNvPr id="1" name=""/>
+        <p:cNvGrpSpPr/>
+        <p:nvPr/>
+      </p:nvGrpSpPr>
+      <p:grpSpPr>
+        <a:xfrm>
+          <a:off x="0" y="0"/>
+          <a:ext cx="0" cy="0"/>
+          <a:chOff x="0" y="0"/>
+          <a:chExt cx="0" cy="0"/>
+        </a:xfrm>
+      </p:grpSpPr>
+      <p:sp>
+        <p:nvSpPr>
+          <p:cNvPr id="2" name="Title 1">
+            <a:extLst>
+              <a:ext uri="{FF2B5EF4-FFF2-40B4-BE49-F238E27FC236}">
+                <a16:creationId xmlns:a16="http://schemas.microsoft.com/office/drawing/2014/main" id="{1B205821-5C03-453C-B13D-72EF06CDE3A5}"/>
+              </a:ext>
+            </a:extLst>
+          </p:cNvPr>
+          <p:cNvSpPr>
+            <a:spLocks noGrp="1"/>
+          </p:cNvSpPr>
+          <p:nvPr>
+            <p:ph type="title"/>
+          </p:nvPr>
+        </p:nvSpPr>
+        <p:spPr/>
+        <p:txBody>
+          <a:bodyPr/>
+          <a:lstStyle/>
+          <a:p>
+            <a:r>
+              <a:rPr lang="en-US" dirty="0"/>
+              <a:t>Mark Attendance Page</a:t>
+            </a:r>
+            <a:endParaRPr lang="en-IN" dirty="0"/>
+          </a:p>
+        </p:txBody>
+      </p:sp>
+      <p:pic>
+        <p:nvPicPr>
+          <p:cNvPr id="5" name="Content Placeholder 4">
+            <a:extLst>
+              <a:ext uri="{FF2B5EF4-FFF2-40B4-BE49-F238E27FC236}">
+                <a16:creationId xmlns:a16="http://schemas.microsoft.com/office/drawing/2014/main" id="{052A72E3-1479-4A9E-A10B-BB7AB04E1614}"/>
+              </a:ext>
+            </a:extLst>
+          </p:cNvPr>
+          <p:cNvPicPr>
+            <a:picLocks noGrp="1" noChangeAspect="1"/>
+          </p:cNvPicPr>
+          <p:nvPr>
+            <p:ph idx="1"/>
+          </p:nvPr>
+        </p:nvPicPr>
+        <p:blipFill>
+          <a:blip r:embed="rId2">
+            <a:extLst>
+              <a:ext uri="{28A0092B-C50C-407E-A947-70E740481C1C}">
+                <a14:useLocalDpi xmlns:a14="http://schemas.microsoft.com/office/drawing/2010/main" val="0"/>
+              </a:ext>
+            </a:extLst>
+          </a:blip>
+          <a:stretch>
+            <a:fillRect/>
+          </a:stretch>
+        </p:blipFill>
+        <p:spPr>
+          <a:xfrm>
+            <a:off x="457200" y="2812843"/>
+            <a:ext cx="8229600" cy="2100676"/>
+          </a:xfrm>
+        </p:spPr>
+      </p:pic>
+    </p:spTree>
+    <p:extLst>
+      <p:ext uri="{BB962C8B-B14F-4D97-AF65-F5344CB8AC3E}">
+        <p14:creationId xmlns:p14="http://schemas.microsoft.com/office/powerpoint/2010/main" val="1912528563"/>
+      </p:ext>
+    </p:extLst>
+  </p:cSld>
+  <p:clrMapOvr>
+    <a:masterClrMapping/>
+  </p:clrMapOvr>
+</p:sld>
+</file>
+
+<file path=ppt/slides/slide33.xml><?xml version="1.0" encoding="utf-8"?>
+<p:sld xmlns:a="http://schemas.openxmlformats.org/drawingml/2006/main" xmlns:r="http://schemas.openxmlformats.org/officeDocument/2006/relationships" xmlns:p="http://schemas.openxmlformats.org/presentationml/2006/main">
+  <p:cSld>
+    <p:spTree>
+      <p:nvGrpSpPr>
+        <p:cNvPr id="1" name=""/>
+        <p:cNvGrpSpPr/>
+        <p:nvPr/>
+      </p:nvGrpSpPr>
+      <p:grpSpPr>
+        <a:xfrm>
+          <a:off x="0" y="0"/>
+          <a:ext cx="0" cy="0"/>
+          <a:chOff x="0" y="0"/>
+          <a:chExt cx="0" cy="0"/>
+        </a:xfrm>
+      </p:grpSpPr>
+      <p:sp>
+        <p:nvSpPr>
+          <p:cNvPr id="2" name="Title 1">
+            <a:extLst>
+              <a:ext uri="{FF2B5EF4-FFF2-40B4-BE49-F238E27FC236}">
+                <a16:creationId xmlns:a16="http://schemas.microsoft.com/office/drawing/2014/main" id="{E431F0AF-0A0B-40E6-9598-92C0D820DC73}"/>
+              </a:ext>
+            </a:extLst>
+          </p:cNvPr>
+          <p:cNvSpPr>
+            <a:spLocks noGrp="1"/>
+          </p:cNvSpPr>
+          <p:nvPr>
+            <p:ph type="title"/>
+          </p:nvPr>
+        </p:nvSpPr>
+        <p:spPr/>
+        <p:txBody>
+          <a:bodyPr/>
+          <a:lstStyle/>
+          <a:p>
+            <a:r>
+              <a:rPr lang="en-US" dirty="0"/>
+              <a:t>Mentor Dashboard</a:t>
+            </a:r>
+            <a:endParaRPr lang="en-IN" dirty="0"/>
+          </a:p>
+        </p:txBody>
+      </p:sp>
+      <p:pic>
+        <p:nvPicPr>
+          <p:cNvPr id="5" name="Content Placeholder 4">
+            <a:extLst>
+              <a:ext uri="{FF2B5EF4-FFF2-40B4-BE49-F238E27FC236}">
+                <a16:creationId xmlns:a16="http://schemas.microsoft.com/office/drawing/2014/main" id="{19F15EC3-5575-4C6E-8E12-BC5D8904FF41}"/>
+              </a:ext>
+            </a:extLst>
+          </p:cNvPr>
+          <p:cNvPicPr>
+            <a:picLocks noGrp="1" noChangeAspect="1"/>
+          </p:cNvPicPr>
+          <p:nvPr>
+            <p:ph idx="1"/>
+          </p:nvPr>
+        </p:nvPicPr>
+        <p:blipFill>
+          <a:blip r:embed="rId2">
+            <a:extLst>
+              <a:ext uri="{28A0092B-C50C-407E-A947-70E740481C1C}">
+                <a14:useLocalDpi xmlns:a14="http://schemas.microsoft.com/office/drawing/2010/main" val="0"/>
+              </a:ext>
+            </a:extLst>
+          </a:blip>
+          <a:stretch>
+            <a:fillRect/>
+          </a:stretch>
+        </p:blipFill>
+        <p:spPr>
+          <a:xfrm>
+            <a:off x="457200" y="2078658"/>
+            <a:ext cx="8229600" cy="3569047"/>
+          </a:xfrm>
+        </p:spPr>
+      </p:pic>
+    </p:spTree>
+    <p:extLst>
+      <p:ext uri="{BB962C8B-B14F-4D97-AF65-F5344CB8AC3E}">
+        <p14:creationId xmlns:p14="http://schemas.microsoft.com/office/powerpoint/2010/main" val="3876266398"/>
+      </p:ext>
+    </p:extLst>
+  </p:cSld>
+  <p:clrMapOvr>
+    <a:masterClrMapping/>
+  </p:clrMapOvr>
+</p:sld>
+</file>
+
+<file path=ppt/slides/slide34.xml><?xml version="1.0" encoding="utf-8"?>
+<p:sld xmlns:a="http://schemas.openxmlformats.org/drawingml/2006/main" xmlns:r="http://schemas.openxmlformats.org/officeDocument/2006/relationships" xmlns:p="http://schemas.openxmlformats.org/presentationml/2006/main">
+  <p:cSld>
+    <p:spTree>
+      <p:nvGrpSpPr>
+        <p:cNvPr id="1" name=""/>
+        <p:cNvGrpSpPr/>
+        <p:nvPr/>
+      </p:nvGrpSpPr>
+      <p:grpSpPr>
+        <a:xfrm>
+          <a:off x="0" y="0"/>
+          <a:ext cx="0" cy="0"/>
+          <a:chOff x="0" y="0"/>
+          <a:chExt cx="0" cy="0"/>
+        </a:xfrm>
+      </p:grpSpPr>
+      <p:sp>
+        <p:nvSpPr>
+          <p:cNvPr id="2" name="Title 1">
+            <a:extLst>
+              <a:ext uri="{FF2B5EF4-FFF2-40B4-BE49-F238E27FC236}">
+                <a16:creationId xmlns:a16="http://schemas.microsoft.com/office/drawing/2014/main" id="{BDAA8925-4F5E-40FD-BDB7-F369EAC6B502}"/>
+              </a:ext>
+            </a:extLst>
+          </p:cNvPr>
+          <p:cNvSpPr>
+            <a:spLocks noGrp="1"/>
+          </p:cNvSpPr>
+          <p:nvPr>
+            <p:ph type="title"/>
+          </p:nvPr>
+        </p:nvSpPr>
+        <p:spPr/>
+        <p:txBody>
+          <a:bodyPr/>
+          <a:lstStyle/>
+          <a:p>
+            <a:r>
+              <a:rPr lang="en-US" dirty="0"/>
+              <a:t>Student Home Page</a:t>
+            </a:r>
+            <a:endParaRPr lang="en-IN" dirty="0"/>
+          </a:p>
+        </p:txBody>
+      </p:sp>
+      <p:pic>
+        <p:nvPicPr>
+          <p:cNvPr id="5" name="Content Placeholder 4">
+            <a:extLst>
+              <a:ext uri="{FF2B5EF4-FFF2-40B4-BE49-F238E27FC236}">
+                <a16:creationId xmlns:a16="http://schemas.microsoft.com/office/drawing/2014/main" id="{11AC5154-7938-426F-883B-6ED78A65171C}"/>
+              </a:ext>
+            </a:extLst>
+          </p:cNvPr>
+          <p:cNvPicPr>
+            <a:picLocks noGrp="1" noChangeAspect="1"/>
+          </p:cNvPicPr>
+          <p:nvPr>
+            <p:ph idx="1"/>
+          </p:nvPr>
+        </p:nvPicPr>
+        <p:blipFill>
+          <a:blip r:embed="rId2">
+            <a:extLst>
+              <a:ext uri="{28A0092B-C50C-407E-A947-70E740481C1C}">
+                <a14:useLocalDpi xmlns:a14="http://schemas.microsoft.com/office/drawing/2010/main" val="0"/>
+              </a:ext>
+            </a:extLst>
+          </a:blip>
+          <a:stretch>
+            <a:fillRect/>
+          </a:stretch>
+        </p:blipFill>
+        <p:spPr>
+          <a:xfrm>
+            <a:off x="457200" y="1828390"/>
+            <a:ext cx="8229600" cy="4069582"/>
+          </a:xfrm>
+        </p:spPr>
+      </p:pic>
+    </p:spTree>
+    <p:extLst>
+      <p:ext uri="{BB962C8B-B14F-4D97-AF65-F5344CB8AC3E}">
+        <p14:creationId xmlns:p14="http://schemas.microsoft.com/office/powerpoint/2010/main" val="2280989265"/>
+      </p:ext>
+    </p:extLst>
+  </p:cSld>
+  <p:clrMapOvr>
+    <a:masterClrMapping/>
+  </p:clrMapOvr>
+</p:sld>
+</file>
+
+<file path=ppt/slides/slide35.xml><?xml version="1.0" encoding="utf-8"?>
+<p:sld xmlns:a="http://schemas.openxmlformats.org/drawingml/2006/main" xmlns:r="http://schemas.openxmlformats.org/officeDocument/2006/relationships" xmlns:p="http://schemas.openxmlformats.org/presentationml/2006/main">
+  <p:cSld>
+    <p:spTree>
+      <p:nvGrpSpPr>
+        <p:cNvPr id="1" name=""/>
+        <p:cNvGrpSpPr/>
+        <p:nvPr/>
+      </p:nvGrpSpPr>
+      <p:grpSpPr>
+        <a:xfrm>
+          <a:off x="0" y="0"/>
+          <a:ext cx="0" cy="0"/>
+          <a:chOff x="0" y="0"/>
+          <a:chExt cx="0" cy="0"/>
+        </a:xfrm>
+      </p:grpSpPr>
+      <p:sp>
+        <p:nvSpPr>
+          <p:cNvPr id="2" name="Title 1">
+            <a:extLst>
+              <a:ext uri="{FF2B5EF4-FFF2-40B4-BE49-F238E27FC236}">
+                <a16:creationId xmlns:a16="http://schemas.microsoft.com/office/drawing/2014/main" id="{F4AAE49F-C9DB-4D6D-8E30-CE125954B1B4}"/>
+              </a:ext>
+            </a:extLst>
+          </p:cNvPr>
+          <p:cNvSpPr>
+            <a:spLocks noGrp="1"/>
+          </p:cNvSpPr>
+          <p:nvPr>
+            <p:ph type="title"/>
+          </p:nvPr>
+        </p:nvSpPr>
+        <p:spPr/>
+        <p:txBody>
+          <a:bodyPr/>
+          <a:lstStyle/>
+          <a:p>
+            <a:r>
+              <a:rPr lang="en-US" dirty="0"/>
+              <a:t>Student Tests With Answer Scripts</a:t>
+            </a:r>
+            <a:endParaRPr lang="en-IN" dirty="0"/>
+          </a:p>
+        </p:txBody>
+      </p:sp>
+      <p:pic>
+        <p:nvPicPr>
+          <p:cNvPr id="5" name="Content Placeholder 4">
+            <a:extLst>
+              <a:ext uri="{FF2B5EF4-FFF2-40B4-BE49-F238E27FC236}">
+                <a16:creationId xmlns:a16="http://schemas.microsoft.com/office/drawing/2014/main" id="{BC815A8A-8A65-4188-A592-019EE4C20032}"/>
+              </a:ext>
+            </a:extLst>
+          </p:cNvPr>
+          <p:cNvPicPr>
+            <a:picLocks noGrp="1" noChangeAspect="1"/>
+          </p:cNvPicPr>
+          <p:nvPr>
+            <p:ph idx="1"/>
+          </p:nvPr>
+        </p:nvPicPr>
+        <p:blipFill>
+          <a:blip r:embed="rId2">
+            <a:extLst>
+              <a:ext uri="{28A0092B-C50C-407E-A947-70E740481C1C}">
+                <a14:useLocalDpi xmlns:a14="http://schemas.microsoft.com/office/drawing/2010/main" val="0"/>
+              </a:ext>
+            </a:extLst>
+          </a:blip>
+          <a:stretch>
+            <a:fillRect/>
+          </a:stretch>
+        </p:blipFill>
+        <p:spPr>
+          <a:xfrm>
+            <a:off x="457200" y="1716754"/>
+            <a:ext cx="8229600" cy="4292855"/>
+          </a:xfrm>
+        </p:spPr>
+      </p:pic>
+    </p:spTree>
+    <p:extLst>
+      <p:ext uri="{BB962C8B-B14F-4D97-AF65-F5344CB8AC3E}">
+        <p14:creationId xmlns:p14="http://schemas.microsoft.com/office/powerpoint/2010/main" val="1159285051"/>
+      </p:ext>
+    </p:extLst>
+  </p:cSld>
+  <p:clrMapOvr>
+    <a:masterClrMapping/>
+  </p:clrMapOvr>
+</p:sld>
+</file>
+
+<file path=ppt/slides/slide36.xml><?xml version="1.0" encoding="utf-8"?>
+<p:sld xmlns:a="http://schemas.openxmlformats.org/drawingml/2006/main" xmlns:r="http://schemas.openxmlformats.org/officeDocument/2006/relationships" xmlns:p="http://schemas.openxmlformats.org/presentationml/2006/main">
+  <p:cSld>
+    <p:spTree>
+      <p:nvGrpSpPr>
+        <p:cNvPr id="1" name=""/>
+        <p:cNvGrpSpPr/>
+        <p:nvPr/>
+      </p:nvGrpSpPr>
+      <p:grpSpPr>
+        <a:xfrm>
+          <a:off x="0" y="0"/>
+          <a:ext cx="0" cy="0"/>
+          <a:chOff x="0" y="0"/>
+          <a:chExt cx="0" cy="0"/>
+        </a:xfrm>
+      </p:grpSpPr>
+      <p:sp>
+        <p:nvSpPr>
+          <p:cNvPr id="2" name="Title 1">
+            <a:extLst>
+              <a:ext uri="{FF2B5EF4-FFF2-40B4-BE49-F238E27FC236}">
+                <a16:creationId xmlns:a16="http://schemas.microsoft.com/office/drawing/2014/main" id="{53F713E1-2755-41CD-90B0-641EC355765B}"/>
+              </a:ext>
+            </a:extLst>
+          </p:cNvPr>
+          <p:cNvSpPr>
+            <a:spLocks noGrp="1"/>
+          </p:cNvSpPr>
+          <p:nvPr>
+            <p:ph type="title"/>
+          </p:nvPr>
+        </p:nvSpPr>
+        <p:spPr/>
+        <p:txBody>
+          <a:bodyPr/>
+          <a:lstStyle/>
+          <a:p>
+            <a:r>
+              <a:rPr lang="en-US" dirty="0"/>
+              <a:t>Without Answer Scripts</a:t>
+            </a:r>
+            <a:endParaRPr lang="en-IN" dirty="0"/>
+          </a:p>
+        </p:txBody>
+      </p:sp>
+      <p:pic>
+        <p:nvPicPr>
+          <p:cNvPr id="5" name="Content Placeholder 4">
+            <a:extLst>
+              <a:ext uri="{FF2B5EF4-FFF2-40B4-BE49-F238E27FC236}">
+                <a16:creationId xmlns:a16="http://schemas.microsoft.com/office/drawing/2014/main" id="{D8E9A49D-1686-48F5-A914-D99F292FA1D1}"/>
+              </a:ext>
+            </a:extLst>
+          </p:cNvPr>
+          <p:cNvPicPr>
+            <a:picLocks noGrp="1" noChangeAspect="1"/>
+          </p:cNvPicPr>
+          <p:nvPr>
+            <p:ph idx="1"/>
+          </p:nvPr>
+        </p:nvPicPr>
+        <p:blipFill>
+          <a:blip r:embed="rId2">
+            <a:extLst>
+              <a:ext uri="{28A0092B-C50C-407E-A947-70E740481C1C}">
+                <a14:useLocalDpi xmlns:a14="http://schemas.microsoft.com/office/drawing/2010/main" val="0"/>
+              </a:ext>
+            </a:extLst>
+          </a:blip>
+          <a:stretch>
+            <a:fillRect/>
+          </a:stretch>
+        </p:blipFill>
+        <p:spPr>
+          <a:xfrm>
+            <a:off x="457200" y="1747354"/>
+            <a:ext cx="8229600" cy="4231655"/>
+          </a:xfrm>
+        </p:spPr>
+      </p:pic>
+    </p:spTree>
+    <p:extLst>
+      <p:ext uri="{BB962C8B-B14F-4D97-AF65-F5344CB8AC3E}">
+        <p14:creationId xmlns:p14="http://schemas.microsoft.com/office/powerpoint/2010/main" val="2063710155"/>
+      </p:ext>
+    </p:extLst>
+  </p:cSld>
+  <p:clrMapOvr>
+    <a:masterClrMapping/>
+  </p:clrMapOvr>
+</p:sld>
+</file>
+
+<file path=ppt/slides/slide37.xml><?xml version="1.0" encoding="utf-8"?>
+<p:sld xmlns:a="http://schemas.openxmlformats.org/drawingml/2006/main" xmlns:r="http://schemas.openxmlformats.org/officeDocument/2006/relationships" xmlns:p="http://schemas.openxmlformats.org/presentationml/2006/main">
+  <p:cSld>
+    <p:spTree>
+      <p:nvGrpSpPr>
+        <p:cNvPr id="1" name=""/>
+        <p:cNvGrpSpPr/>
+        <p:nvPr/>
+      </p:nvGrpSpPr>
+      <p:grpSpPr>
+        <a:xfrm>
+          <a:off x="0" y="0"/>
+          <a:ext cx="0" cy="0"/>
+          <a:chOff x="0" y="0"/>
+          <a:chExt cx="0" cy="0"/>
+        </a:xfrm>
+      </p:grpSpPr>
+      <p:sp>
+        <p:nvSpPr>
+          <p:cNvPr id="2" name="Title 1">
+            <a:extLst>
+              <a:ext uri="{FF2B5EF4-FFF2-40B4-BE49-F238E27FC236}">
+                <a16:creationId xmlns:a16="http://schemas.microsoft.com/office/drawing/2014/main" id="{4DF6B512-6B34-4918-B898-306FB4775B91}"/>
+              </a:ext>
+            </a:extLst>
+          </p:cNvPr>
+          <p:cNvSpPr>
+            <a:spLocks noGrp="1"/>
+          </p:cNvSpPr>
+          <p:nvPr>
+            <p:ph type="title"/>
+          </p:nvPr>
+        </p:nvSpPr>
+        <p:spPr/>
+        <p:txBody>
+          <a:bodyPr/>
+          <a:lstStyle/>
+          <a:p>
+            <a:r>
+              <a:rPr lang="en-US" dirty="0"/>
+              <a:t>Student Webinars</a:t>
+            </a:r>
+            <a:endParaRPr lang="en-IN" dirty="0"/>
+          </a:p>
+        </p:txBody>
+      </p:sp>
+      <p:pic>
+        <p:nvPicPr>
+          <p:cNvPr id="5" name="Content Placeholder 4">
+            <a:extLst>
+              <a:ext uri="{FF2B5EF4-FFF2-40B4-BE49-F238E27FC236}">
+                <a16:creationId xmlns:a16="http://schemas.microsoft.com/office/drawing/2014/main" id="{0387DB67-FC95-45A4-9F06-F2243F733C0D}"/>
+              </a:ext>
+            </a:extLst>
+          </p:cNvPr>
+          <p:cNvPicPr>
+            <a:picLocks noGrp="1" noChangeAspect="1"/>
+          </p:cNvPicPr>
+          <p:nvPr>
+            <p:ph idx="1"/>
+          </p:nvPr>
+        </p:nvPicPr>
+        <p:blipFill>
+          <a:blip r:embed="rId2">
+            <a:extLst>
+              <a:ext uri="{28A0092B-C50C-407E-A947-70E740481C1C}">
+                <a14:useLocalDpi xmlns:a14="http://schemas.microsoft.com/office/drawing/2010/main" val="0"/>
+              </a:ext>
+            </a:extLst>
+          </a:blip>
+          <a:stretch>
+            <a:fillRect/>
+          </a:stretch>
+        </p:blipFill>
+        <p:spPr>
+          <a:xfrm>
+            <a:off x="457200" y="2387529"/>
+            <a:ext cx="8229600" cy="2951304"/>
+          </a:xfrm>
+        </p:spPr>
+      </p:pic>
+    </p:spTree>
+    <p:extLst>
+      <p:ext uri="{BB962C8B-B14F-4D97-AF65-F5344CB8AC3E}">
+        <p14:creationId xmlns:p14="http://schemas.microsoft.com/office/powerpoint/2010/main" val="503634684"/>
+      </p:ext>
+    </p:extLst>
+  </p:cSld>
+  <p:clrMapOvr>
+    <a:masterClrMapping/>
+  </p:clrMapOvr>
+</p:sld>
+</file>
+
+<file path=ppt/slides/slide38.xml><?xml version="1.0" encoding="utf-8"?>
+<p:sld xmlns:a="http://schemas.openxmlformats.org/drawingml/2006/main" xmlns:r="http://schemas.openxmlformats.org/officeDocument/2006/relationships" xmlns:p="http://schemas.openxmlformats.org/presentationml/2006/main">
+  <p:cSld>
+    <p:spTree>
+      <p:nvGrpSpPr>
+        <p:cNvPr id="1" name=""/>
+        <p:cNvGrpSpPr/>
+        <p:nvPr/>
+      </p:nvGrpSpPr>
+      <p:grpSpPr>
+        <a:xfrm>
+          <a:off x="0" y="0"/>
+          <a:ext cx="0" cy="0"/>
+          <a:chOff x="0" y="0"/>
+          <a:chExt cx="0" cy="0"/>
+        </a:xfrm>
+      </p:grpSpPr>
+      <p:sp>
+        <p:nvSpPr>
+          <p:cNvPr id="2" name="Title 1">
+            <a:extLst>
+              <a:ext uri="{FF2B5EF4-FFF2-40B4-BE49-F238E27FC236}">
+                <a16:creationId xmlns:a16="http://schemas.microsoft.com/office/drawing/2014/main" id="{496B9D2E-236B-4A8D-A939-649D86108F2D}"/>
+              </a:ext>
+            </a:extLst>
+          </p:cNvPr>
+          <p:cNvSpPr>
+            <a:spLocks noGrp="1"/>
+          </p:cNvSpPr>
+          <p:nvPr>
+            <p:ph type="title"/>
+          </p:nvPr>
+        </p:nvSpPr>
+        <p:spPr/>
+        <p:txBody>
+          <a:bodyPr/>
+          <a:lstStyle/>
+          <a:p>
+            <a:r>
+              <a:rPr lang="en-US" dirty="0"/>
+              <a:t>Student Feedback Form</a:t>
+            </a:r>
+            <a:endParaRPr lang="en-IN" dirty="0"/>
+          </a:p>
+        </p:txBody>
+      </p:sp>
+      <p:pic>
+        <p:nvPicPr>
+          <p:cNvPr id="5" name="Content Placeholder 4">
+            <a:extLst>
+              <a:ext uri="{FF2B5EF4-FFF2-40B4-BE49-F238E27FC236}">
+                <a16:creationId xmlns:a16="http://schemas.microsoft.com/office/drawing/2014/main" id="{847D29CE-3662-42DD-921A-B48A970EE0B3}"/>
+              </a:ext>
+            </a:extLst>
+          </p:cNvPr>
+          <p:cNvPicPr>
+            <a:picLocks noGrp="1" noChangeAspect="1"/>
+          </p:cNvPicPr>
+          <p:nvPr>
+            <p:ph idx="1"/>
+          </p:nvPr>
+        </p:nvPicPr>
+        <p:blipFill>
+          <a:blip r:embed="rId2">
+            <a:extLst>
+              <a:ext uri="{28A0092B-C50C-407E-A947-70E740481C1C}">
+                <a14:useLocalDpi xmlns:a14="http://schemas.microsoft.com/office/drawing/2010/main" val="0"/>
+              </a:ext>
+            </a:extLst>
+          </a:blip>
+          <a:stretch>
+            <a:fillRect/>
+          </a:stretch>
+        </p:blipFill>
+        <p:spPr>
+          <a:xfrm>
+            <a:off x="457200" y="1981305"/>
+            <a:ext cx="8229600" cy="3763753"/>
+          </a:xfrm>
+        </p:spPr>
+      </p:pic>
+    </p:spTree>
+    <p:extLst>
+      <p:ext uri="{BB962C8B-B14F-4D97-AF65-F5344CB8AC3E}">
+        <p14:creationId xmlns:p14="http://schemas.microsoft.com/office/powerpoint/2010/main" val="4051964728"/>
+      </p:ext>
+    </p:extLst>
+  </p:cSld>
+  <p:clrMapOvr>
+    <a:masterClrMapping/>
+  </p:clrMapOvr>
+</p:sld>
+</file>
+
+<file path=ppt/slides/slide39.xml><?xml version="1.0" encoding="utf-8"?>
+<p:sld xmlns:a="http://schemas.openxmlformats.org/drawingml/2006/main" xmlns:r="http://schemas.openxmlformats.org/officeDocument/2006/relationships" xmlns:p="http://schemas.openxmlformats.org/presentationml/2006/main">
+  <p:cSld>
+    <p:spTree>
+      <p:nvGrpSpPr>
+        <p:cNvPr id="1" name=""/>
+        <p:cNvGrpSpPr/>
+        <p:nvPr/>
+      </p:nvGrpSpPr>
+      <p:grpSpPr>
+        <a:xfrm>
+          <a:off x="0" y="0"/>
+          <a:ext cx="0" cy="0"/>
+          <a:chOff x="0" y="0"/>
+          <a:chExt cx="0" cy="0"/>
+        </a:xfrm>
+      </p:grpSpPr>
+      <p:sp>
+        <p:nvSpPr>
+          <p:cNvPr id="2" name="Title 1">
+            <a:extLst>
+              <a:ext uri="{FF2B5EF4-FFF2-40B4-BE49-F238E27FC236}">
+                <a16:creationId xmlns:a16="http://schemas.microsoft.com/office/drawing/2014/main" id="{1FE07F80-ECA3-4C0D-A514-D5AA76BEF3F7}"/>
+              </a:ext>
+            </a:extLst>
+          </p:cNvPr>
+          <p:cNvSpPr>
+            <a:spLocks noGrp="1"/>
+          </p:cNvSpPr>
+          <p:nvPr>
+            <p:ph type="title"/>
+          </p:nvPr>
+        </p:nvSpPr>
+        <p:spPr/>
+        <p:txBody>
+          <a:bodyPr/>
+          <a:lstStyle/>
+          <a:p>
+            <a:r>
+              <a:rPr lang="en-US" dirty="0"/>
+              <a:t>Student Profile Page</a:t>
+            </a:r>
+            <a:endParaRPr lang="en-IN" dirty="0"/>
+          </a:p>
+        </p:txBody>
+      </p:sp>
+      <p:pic>
+        <p:nvPicPr>
+          <p:cNvPr id="5" name="Content Placeholder 4">
+            <a:extLst>
+              <a:ext uri="{FF2B5EF4-FFF2-40B4-BE49-F238E27FC236}">
+                <a16:creationId xmlns:a16="http://schemas.microsoft.com/office/drawing/2014/main" id="{1A1F9CE1-4A14-4ACB-ABB2-86379B942909}"/>
+              </a:ext>
+            </a:extLst>
+          </p:cNvPr>
+          <p:cNvPicPr>
+            <a:picLocks noGrp="1" noChangeAspect="1"/>
+          </p:cNvPicPr>
+          <p:nvPr>
+            <p:ph idx="1"/>
+          </p:nvPr>
+        </p:nvPicPr>
+        <p:blipFill>
+          <a:blip r:embed="rId2">
+            <a:extLst>
+              <a:ext uri="{28A0092B-C50C-407E-A947-70E740481C1C}">
+                <a14:useLocalDpi xmlns:a14="http://schemas.microsoft.com/office/drawing/2010/main" val="0"/>
+              </a:ext>
+            </a:extLst>
+          </a:blip>
+          <a:stretch>
+            <a:fillRect/>
+          </a:stretch>
+        </p:blipFill>
+        <p:spPr>
+          <a:xfrm>
+            <a:off x="457200" y="1758717"/>
+            <a:ext cx="8229600" cy="4208929"/>
+          </a:xfrm>
+        </p:spPr>
+      </p:pic>
+    </p:spTree>
+    <p:extLst>
+      <p:ext uri="{BB962C8B-B14F-4D97-AF65-F5344CB8AC3E}">
+        <p14:creationId xmlns:p14="http://schemas.microsoft.com/office/powerpoint/2010/main" val="1662469050"/>
       </p:ext>
     </p:extLst>
   </p:cSld>
@@ -4434,10 +6717,10 @@
           <a:lstStyle/>
           <a:p>
             <a:r>
-              <a:rPr lang="en-US" u="sng" dirty="0" smtClean="0">
+              <a:rPr lang="en-US" u="sng" dirty="0">
                 <a:latin typeface="Algerian" panose="04020705040A02060702" pitchFamily="82" charset="0"/>
               </a:rPr>
-              <a:t>USECASE DIAGRAM</a:t>
+              <a:t>REQUIREMENTs Gathering</a:t>
             </a:r>
             <a:endParaRPr lang="en-IN" u="sng" dirty="0">
               <a:latin typeface="Algerian" panose="04020705040A02060702" pitchFamily="82" charset="0"/>
@@ -4445,12 +6728,244 @@
           </a:p>
         </p:txBody>
       </p:sp>
+      <p:sp>
+        <p:nvSpPr>
+          <p:cNvPr id="3" name="Content Placeholder 2"/>
+          <p:cNvSpPr>
+            <a:spLocks noGrp="1"/>
+          </p:cNvSpPr>
+          <p:nvPr>
+            <p:ph idx="1"/>
+          </p:nvPr>
+        </p:nvSpPr>
+        <p:spPr/>
+        <p:txBody>
+          <a:bodyPr>
+            <a:normAutofit fontScale="62500" lnSpcReduction="20000"/>
+          </a:bodyPr>
+          <a:lstStyle/>
+          <a:p>
+            <a:r>
+              <a:rPr lang="en-US" b="1" u="sng" dirty="0"/>
+              <a:t>Admin </a:t>
+            </a:r>
+          </a:p>
+          <a:p>
+            <a:pPr marL="914400" lvl="1" indent="-457200">
+              <a:buFont typeface="+mj-lt"/>
+              <a:buAutoNum type="arabicPeriod"/>
+            </a:pPr>
+            <a:r>
+              <a:rPr lang="en-US" dirty="0"/>
+              <a:t>Add Student/Mentors</a:t>
+            </a:r>
+          </a:p>
+          <a:p>
+            <a:pPr marL="914400" lvl="1" indent="-457200">
+              <a:buFont typeface="+mj-lt"/>
+              <a:buAutoNum type="arabicPeriod"/>
+            </a:pPr>
+            <a:r>
+              <a:rPr lang="en-US" dirty="0"/>
+              <a:t>Change Mentors</a:t>
+            </a:r>
+          </a:p>
+          <a:p>
+            <a:pPr marL="914400" lvl="1" indent="-457200">
+              <a:buFont typeface="+mj-lt"/>
+              <a:buAutoNum type="arabicPeriod"/>
+            </a:pPr>
+            <a:r>
+              <a:rPr lang="en-US" dirty="0"/>
+              <a:t>View Feedback</a:t>
+            </a:r>
+          </a:p>
+          <a:p>
+            <a:pPr marL="914400" lvl="1" indent="-457200">
+              <a:buFont typeface="+mj-lt"/>
+              <a:buAutoNum type="arabicPeriod"/>
+            </a:pPr>
+            <a:r>
+              <a:rPr lang="en-IN" dirty="0"/>
+              <a:t>Dashboard</a:t>
+            </a:r>
+          </a:p>
+          <a:p>
+            <a:r>
+              <a:rPr lang="en-IN" b="1" u="sng" dirty="0"/>
+              <a:t>Instructor</a:t>
+            </a:r>
+          </a:p>
+          <a:p>
+            <a:pPr marL="914400" lvl="1" indent="-457200">
+              <a:buFont typeface="+mj-lt"/>
+              <a:buAutoNum type="arabicPeriod"/>
+            </a:pPr>
+            <a:r>
+              <a:rPr lang="en-IN" dirty="0"/>
+              <a:t>Add Classroom</a:t>
+            </a:r>
+          </a:p>
+          <a:p>
+            <a:pPr marL="914400" lvl="1" indent="-457200">
+              <a:buFont typeface="+mj-lt"/>
+              <a:buAutoNum type="arabicPeriod"/>
+            </a:pPr>
+            <a:r>
+              <a:rPr lang="en-IN" dirty="0"/>
+              <a:t>Add tests/webinars</a:t>
+            </a:r>
+          </a:p>
+          <a:p>
+            <a:pPr marL="914400" lvl="1" indent="-457200">
+              <a:buFont typeface="+mj-lt"/>
+              <a:buAutoNum type="arabicPeriod"/>
+            </a:pPr>
+            <a:r>
+              <a:rPr lang="en-IN" dirty="0"/>
+              <a:t>Grade Tests</a:t>
+            </a:r>
+          </a:p>
+          <a:p>
+            <a:pPr marL="914400" lvl="1" indent="-457200">
+              <a:buFont typeface="+mj-lt"/>
+              <a:buAutoNum type="arabicPeriod"/>
+            </a:pPr>
+            <a:r>
+              <a:rPr lang="en-IN" dirty="0"/>
+              <a:t>Mark Attendance</a:t>
+            </a:r>
+          </a:p>
+          <a:p>
+            <a:pPr marL="914400" lvl="1" indent="-457200">
+              <a:buFont typeface="+mj-lt"/>
+              <a:buAutoNum type="arabicPeriod"/>
+            </a:pPr>
+            <a:r>
+              <a:rPr lang="en-IN" dirty="0"/>
+              <a:t>Dashboard</a:t>
+            </a:r>
+          </a:p>
+          <a:p>
+            <a:r>
+              <a:rPr lang="en-IN" b="1" u="sng" dirty="0"/>
+              <a:t>Student</a:t>
+            </a:r>
+          </a:p>
+          <a:p>
+            <a:pPr marL="914400" lvl="1" indent="-457200">
+              <a:buFont typeface="+mj-lt"/>
+              <a:buAutoNum type="arabicPeriod"/>
+            </a:pPr>
+            <a:r>
+              <a:rPr lang="en-IN" dirty="0"/>
+              <a:t>View Classrooms , test and webinars</a:t>
+            </a:r>
+          </a:p>
+          <a:p>
+            <a:pPr marL="914400" lvl="1" indent="-457200">
+              <a:buFont typeface="+mj-lt"/>
+              <a:buAutoNum type="arabicPeriod"/>
+            </a:pPr>
+            <a:r>
+              <a:rPr lang="en-IN" dirty="0"/>
+              <a:t>Upload Answer Scripts</a:t>
+            </a:r>
+          </a:p>
+          <a:p>
+            <a:pPr marL="914400" lvl="1" indent="-457200">
+              <a:buFont typeface="+mj-lt"/>
+              <a:buAutoNum type="arabicPeriod"/>
+            </a:pPr>
+            <a:r>
+              <a:rPr lang="en-IN" dirty="0"/>
+              <a:t>Give Feedback</a:t>
+            </a:r>
+          </a:p>
+          <a:p>
+            <a:pPr marL="914400" lvl="1" indent="-457200">
+              <a:buFont typeface="+mj-lt"/>
+              <a:buAutoNum type="arabicPeriod"/>
+            </a:pPr>
+            <a:r>
+              <a:rPr lang="en-IN" dirty="0"/>
+              <a:t>View Profile</a:t>
+            </a:r>
+            <a:endParaRPr lang="en-US" dirty="0"/>
+          </a:p>
+          <a:p>
+            <a:endParaRPr lang="en-IN" dirty="0"/>
+          </a:p>
+          <a:p>
+            <a:endParaRPr lang="en-IN" dirty="0"/>
+          </a:p>
+        </p:txBody>
+      </p:sp>
+    </p:spTree>
+    <p:extLst>
+      <p:ext uri="{BB962C8B-B14F-4D97-AF65-F5344CB8AC3E}">
+        <p14:creationId xmlns:p14="http://schemas.microsoft.com/office/powerpoint/2010/main" val="1970406943"/>
+      </p:ext>
+    </p:extLst>
+  </p:cSld>
+  <p:clrMapOvr>
+    <a:masterClrMapping/>
+  </p:clrMapOvr>
+</p:sld>
+</file>
+
+<file path=ppt/slides/slide40.xml><?xml version="1.0" encoding="utf-8"?>
+<p:sld xmlns:a="http://schemas.openxmlformats.org/drawingml/2006/main" xmlns:r="http://schemas.openxmlformats.org/officeDocument/2006/relationships" xmlns:p="http://schemas.openxmlformats.org/presentationml/2006/main">
+  <p:cSld>
+    <p:spTree>
+      <p:nvGrpSpPr>
+        <p:cNvPr id="1" name=""/>
+        <p:cNvGrpSpPr/>
+        <p:nvPr/>
+      </p:nvGrpSpPr>
+      <p:grpSpPr>
+        <a:xfrm>
+          <a:off x="0" y="0"/>
+          <a:ext cx="0" cy="0"/>
+          <a:chOff x="0" y="0"/>
+          <a:chExt cx="0" cy="0"/>
+        </a:xfrm>
+      </p:grpSpPr>
+      <p:sp>
+        <p:nvSpPr>
+          <p:cNvPr id="2" name="Title 1">
+            <a:extLst>
+              <a:ext uri="{FF2B5EF4-FFF2-40B4-BE49-F238E27FC236}">
+                <a16:creationId xmlns:a16="http://schemas.microsoft.com/office/drawing/2014/main" id="{5C6E6F2B-017E-4EFE-824F-00069DA91E5B}"/>
+              </a:ext>
+            </a:extLst>
+          </p:cNvPr>
+          <p:cNvSpPr>
+            <a:spLocks noGrp="1"/>
+          </p:cNvSpPr>
+          <p:nvPr>
+            <p:ph type="title"/>
+          </p:nvPr>
+        </p:nvSpPr>
+        <p:spPr/>
+        <p:txBody>
+          <a:bodyPr/>
+          <a:lstStyle/>
+          <a:p>
+            <a:r>
+              <a:rPr lang="en-US" dirty="0"/>
+              <a:t>Edit Profile</a:t>
+            </a:r>
+            <a:endParaRPr lang="en-IN" dirty="0"/>
+          </a:p>
+        </p:txBody>
+      </p:sp>
       <p:pic>
         <p:nvPicPr>
-          <p:cNvPr id="4" name="Content Placeholder 4">
+          <p:cNvPr id="5" name="Content Placeholder 4">
             <a:extLst>
               <a:ext uri="{FF2B5EF4-FFF2-40B4-BE49-F238E27FC236}">
-                <a16:creationId xmlns="" xmlns:a16="http://schemas.microsoft.com/office/drawing/2014/main" xmlns:lc="http://schemas.openxmlformats.org/drawingml/2006/lockedCanvas" id="{53C52B27-B611-4F2E-9AD0-D1D0AAAED301}"/>
+                <a16:creationId xmlns:a16="http://schemas.microsoft.com/office/drawing/2014/main" id="{EBAA83E5-7C5E-4313-9191-B1ED129B7997}"/>
               </a:ext>
             </a:extLst>
           </p:cNvPr>
@@ -4475,18 +6990,109 @@
         </p:blipFill>
         <p:spPr>
           <a:xfrm>
-            <a:off x="1555403" y="1600200"/>
-            <a:ext cx="6033194" cy="4525963"/>
+            <a:off x="457200" y="2046979"/>
+            <a:ext cx="8229600" cy="3632405"/>
           </a:xfrm>
-          <a:prstGeom prst="rect">
-            <a:avLst/>
-          </a:prstGeom>
         </p:spPr>
       </p:pic>
     </p:spTree>
     <p:extLst>
       <p:ext uri="{BB962C8B-B14F-4D97-AF65-F5344CB8AC3E}">
-        <p14:creationId xmlns:p14="http://schemas.microsoft.com/office/powerpoint/2010/main" val="628506565"/>
+        <p14:creationId xmlns:p14="http://schemas.microsoft.com/office/powerpoint/2010/main" val="3883280752"/>
+      </p:ext>
+    </p:extLst>
+  </p:cSld>
+  <p:clrMapOvr>
+    <a:masterClrMapping/>
+  </p:clrMapOvr>
+</p:sld>
+</file>
+
+<file path=ppt/slides/slide41.xml><?xml version="1.0" encoding="utf-8"?>
+<p:sld xmlns:a="http://schemas.openxmlformats.org/drawingml/2006/main" xmlns:r="http://schemas.openxmlformats.org/officeDocument/2006/relationships" xmlns:p="http://schemas.openxmlformats.org/presentationml/2006/main">
+  <p:cSld>
+    <p:spTree>
+      <p:nvGrpSpPr>
+        <p:cNvPr id="1" name=""/>
+        <p:cNvGrpSpPr/>
+        <p:nvPr/>
+      </p:nvGrpSpPr>
+      <p:grpSpPr>
+        <a:xfrm>
+          <a:off x="0" y="0"/>
+          <a:ext cx="0" cy="0"/>
+          <a:chOff x="0" y="0"/>
+          <a:chExt cx="0" cy="0"/>
+        </a:xfrm>
+      </p:grpSpPr>
+      <p:sp>
+        <p:nvSpPr>
+          <p:cNvPr id="2" name="Title 1">
+            <a:extLst>
+              <a:ext uri="{FF2B5EF4-FFF2-40B4-BE49-F238E27FC236}">
+                <a16:creationId xmlns:a16="http://schemas.microsoft.com/office/drawing/2014/main" id="{B424044F-BCA1-46E9-A487-B25B8D39FF40}"/>
+              </a:ext>
+            </a:extLst>
+          </p:cNvPr>
+          <p:cNvSpPr>
+            <a:spLocks noGrp="1"/>
+          </p:cNvSpPr>
+          <p:nvPr>
+            <p:ph type="title"/>
+          </p:nvPr>
+        </p:nvSpPr>
+        <p:spPr/>
+        <p:txBody>
+          <a:bodyPr/>
+          <a:lstStyle/>
+          <a:p>
+            <a:r>
+              <a:rPr lang="en-US" dirty="0"/>
+              <a:t>Popup Page</a:t>
+            </a:r>
+            <a:endParaRPr lang="en-IN" dirty="0"/>
+          </a:p>
+        </p:txBody>
+      </p:sp>
+      <p:pic>
+        <p:nvPicPr>
+          <p:cNvPr id="5" name="Content Placeholder 4">
+            <a:extLst>
+              <a:ext uri="{FF2B5EF4-FFF2-40B4-BE49-F238E27FC236}">
+                <a16:creationId xmlns:a16="http://schemas.microsoft.com/office/drawing/2014/main" id="{17D02EE9-9ED7-471F-A510-BB8ED3EF59D0}"/>
+              </a:ext>
+            </a:extLst>
+          </p:cNvPr>
+          <p:cNvPicPr>
+            <a:picLocks noGrp="1" noChangeAspect="1"/>
+          </p:cNvPicPr>
+          <p:nvPr>
+            <p:ph idx="1"/>
+          </p:nvPr>
+        </p:nvPicPr>
+        <p:blipFill>
+          <a:blip r:embed="rId2">
+            <a:extLst>
+              <a:ext uri="{28A0092B-C50C-407E-A947-70E740481C1C}">
+                <a14:useLocalDpi xmlns:a14="http://schemas.microsoft.com/office/drawing/2010/main" val="0"/>
+              </a:ext>
+            </a:extLst>
+          </a:blip>
+          <a:stretch>
+            <a:fillRect/>
+          </a:stretch>
+        </p:blipFill>
+        <p:spPr>
+          <a:xfrm>
+            <a:off x="457200" y="1921014"/>
+            <a:ext cx="8229600" cy="3884335"/>
+          </a:xfrm>
+        </p:spPr>
+      </p:pic>
+    </p:spTree>
+    <p:extLst>
+      <p:ext uri="{BB962C8B-B14F-4D97-AF65-F5344CB8AC3E}">
+        <p14:creationId xmlns:p14="http://schemas.microsoft.com/office/powerpoint/2010/main" val="2421326650"/>
       </p:ext>
     </p:extLst>
   </p:cSld>
@@ -4529,10 +7135,10 @@
           <a:lstStyle/>
           <a:p>
             <a:r>
-              <a:rPr lang="en-US" u="sng" dirty="0" smtClean="0">
+              <a:rPr lang="en-US" u="sng" dirty="0">
                 <a:latin typeface="Algerian" panose="04020705040A02060702" pitchFamily="82" charset="0"/>
               </a:rPr>
-              <a:t>CLASS DIAGRAM</a:t>
+              <a:t>REQUIREMENTs Gathering</a:t>
             </a:r>
             <a:endParaRPr lang="en-IN" u="sng" dirty="0">
               <a:latin typeface="Algerian" panose="04020705040A02060702" pitchFamily="82" charset="0"/>
@@ -4540,48 +7146,111 @@
           </a:p>
         </p:txBody>
       </p:sp>
-      <p:pic>
-        <p:nvPicPr>
-          <p:cNvPr id="4" name="Content Placeholder 4">
-            <a:extLst>
-              <a:ext uri="{FF2B5EF4-FFF2-40B4-BE49-F238E27FC236}">
-                <a16:creationId xmlns="" xmlns:a16="http://schemas.microsoft.com/office/drawing/2014/main" xmlns:lc="http://schemas.openxmlformats.org/drawingml/2006/lockedCanvas" id="{7E723A53-1726-40CD-8F26-30F6CB6869D5}"/>
-              </a:ext>
-            </a:extLst>
-          </p:cNvPr>
-          <p:cNvPicPr>
-            <a:picLocks noGrp="1" noChangeAspect="1"/>
-          </p:cNvPicPr>
+      <p:sp>
+        <p:nvSpPr>
+          <p:cNvPr id="3" name="Content Placeholder 2"/>
+          <p:cNvSpPr>
+            <a:spLocks noGrp="1"/>
+          </p:cNvSpPr>
           <p:nvPr>
             <p:ph idx="1"/>
           </p:nvPr>
-        </p:nvPicPr>
-        <p:blipFill>
-          <a:blip r:embed="rId2">
-            <a:extLst>
-              <a:ext uri="{28A0092B-C50C-407E-A947-70E740481C1C}">
-                <a14:useLocalDpi xmlns:a14="http://schemas.microsoft.com/office/drawing/2010/main" val="0"/>
-              </a:ext>
-            </a:extLst>
-          </a:blip>
-          <a:stretch>
-            <a:fillRect/>
-          </a:stretch>
-        </p:blipFill>
+        </p:nvSpPr>
         <p:spPr>
           <a:xfrm>
-            <a:off x="971600" y="1600200"/>
-            <a:ext cx="6984775" cy="5069160"/>
+            <a:off x="457200" y="1600200"/>
+            <a:ext cx="8229600" cy="5069160"/>
           </a:xfrm>
-          <a:prstGeom prst="rect">
-            <a:avLst/>
-          </a:prstGeom>
         </p:spPr>
-      </p:pic>
+        <p:txBody>
+          <a:bodyPr>
+            <a:noAutofit/>
+          </a:bodyPr>
+          <a:lstStyle/>
+          <a:p>
+            <a:r>
+              <a:rPr lang="en-US" sz="2800" b="1" u="sng" dirty="0"/>
+              <a:t>Admin </a:t>
+            </a:r>
+          </a:p>
+          <a:p>
+            <a:pPr marL="457200" lvl="1" indent="0">
+              <a:buNone/>
+            </a:pPr>
+            <a:r>
+              <a:rPr lang="en-US" dirty="0"/>
+              <a:t>1.Add Student/Instructors</a:t>
+            </a:r>
+          </a:p>
+          <a:p>
+            <a:pPr marL="857250" lvl="2" indent="0">
+              <a:buNone/>
+            </a:pPr>
+            <a:r>
+              <a:rPr lang="en-US" sz="2000" dirty="0"/>
+              <a:t>The admin can add new students and instructors to the database by entering their details </a:t>
+            </a:r>
+          </a:p>
+          <a:p>
+            <a:pPr marL="457200" lvl="1" indent="0">
+              <a:buNone/>
+            </a:pPr>
+            <a:r>
+              <a:rPr lang="en-US" dirty="0"/>
+              <a:t>2.Change Mentors</a:t>
+            </a:r>
+          </a:p>
+          <a:p>
+            <a:pPr marL="857250" lvl="2" indent="0">
+              <a:buNone/>
+            </a:pPr>
+            <a:r>
+              <a:rPr lang="en-US" sz="2000" dirty="0"/>
+              <a:t>The admin can change the mentor assigned to a student if he wishes</a:t>
+            </a:r>
+          </a:p>
+          <a:p>
+            <a:pPr marL="457200" lvl="1" indent="0">
+              <a:buNone/>
+            </a:pPr>
+            <a:r>
+              <a:rPr lang="en-US" dirty="0"/>
+              <a:t>3.View Feedback</a:t>
+            </a:r>
+          </a:p>
+          <a:p>
+            <a:pPr marL="857250" lvl="2" indent="0">
+              <a:buNone/>
+            </a:pPr>
+            <a:r>
+              <a:rPr lang="en-US" sz="2000" dirty="0"/>
+              <a:t>The feedbacks of the students regarding the faculties can be viewed by the admin to track the instructors’ progress.</a:t>
+            </a:r>
+          </a:p>
+          <a:p>
+            <a:pPr marL="457200" lvl="1" indent="0">
+              <a:buNone/>
+            </a:pPr>
+            <a:r>
+              <a:rPr lang="en-US" dirty="0"/>
+              <a:t>4.Dashboard:</a:t>
+            </a:r>
+          </a:p>
+          <a:p>
+            <a:pPr marL="857250" lvl="2" indent="0">
+              <a:buNone/>
+            </a:pPr>
+            <a:r>
+              <a:rPr lang="en-US" sz="2000" dirty="0"/>
+              <a:t>The admin can view the total list of students with their attendance percentage , grades and mentors with ratings</a:t>
+            </a:r>
+          </a:p>
+        </p:txBody>
+      </p:sp>
     </p:spTree>
     <p:extLst>
       <p:ext uri="{BB962C8B-B14F-4D97-AF65-F5344CB8AC3E}">
-        <p14:creationId xmlns:p14="http://schemas.microsoft.com/office/powerpoint/2010/main" val="2565557961"/>
+        <p14:creationId xmlns:p14="http://schemas.microsoft.com/office/powerpoint/2010/main" val="3961622257"/>
       </p:ext>
     </p:extLst>
   </p:cSld>
@@ -4624,10 +7293,10 @@
           <a:lstStyle/>
           <a:p>
             <a:r>
-              <a:rPr lang="en-US" u="sng" dirty="0" smtClean="0">
+              <a:rPr lang="en-US" u="sng" dirty="0">
                 <a:latin typeface="Algerian" panose="04020705040A02060702" pitchFamily="82" charset="0"/>
               </a:rPr>
-              <a:t>ACTIVITY DIAGRAM</a:t>
+              <a:t>REQUIREMENTs Gathering</a:t>
             </a:r>
             <a:endParaRPr lang="en-IN" u="sng" dirty="0">
               <a:latin typeface="Algerian" panose="04020705040A02060702" pitchFamily="82" charset="0"/>
@@ -4635,48 +7304,136 @@
           </a:p>
         </p:txBody>
       </p:sp>
-      <p:pic>
-        <p:nvPicPr>
-          <p:cNvPr id="4" name="Content Placeholder 4">
-            <a:extLst>
-              <a:ext uri="{FF2B5EF4-FFF2-40B4-BE49-F238E27FC236}">
-                <a16:creationId xmlns="" xmlns:a16="http://schemas.microsoft.com/office/drawing/2014/main" xmlns:lc="http://schemas.openxmlformats.org/drawingml/2006/lockedCanvas" id="{1751FA1B-F219-487B-952E-F41C5DA7AD59}"/>
-              </a:ext>
-            </a:extLst>
-          </p:cNvPr>
-          <p:cNvPicPr>
-            <a:picLocks noGrp="1" noChangeAspect="1"/>
-          </p:cNvPicPr>
+      <p:sp>
+        <p:nvSpPr>
+          <p:cNvPr id="3" name="Content Placeholder 2"/>
+          <p:cNvSpPr>
+            <a:spLocks noGrp="1"/>
+          </p:cNvSpPr>
           <p:nvPr>
             <p:ph idx="1"/>
           </p:nvPr>
-        </p:nvPicPr>
-        <p:blipFill>
-          <a:blip r:embed="rId2">
-            <a:extLst>
-              <a:ext uri="{28A0092B-C50C-407E-A947-70E740481C1C}">
-                <a14:useLocalDpi xmlns:a14="http://schemas.microsoft.com/office/drawing/2010/main" val="0"/>
-              </a:ext>
-            </a:extLst>
-          </a:blip>
-          <a:stretch>
-            <a:fillRect/>
-          </a:stretch>
-        </p:blipFill>
+        </p:nvSpPr>
         <p:spPr>
           <a:xfrm>
-            <a:off x="1043608" y="1600200"/>
-            <a:ext cx="6624736" cy="5069160"/>
+            <a:off x="457200" y="1600200"/>
+            <a:ext cx="8229600" cy="5069160"/>
           </a:xfrm>
-          <a:prstGeom prst="rect">
-            <a:avLst/>
-          </a:prstGeom>
         </p:spPr>
-      </p:pic>
+        <p:txBody>
+          <a:bodyPr>
+            <a:noAutofit/>
+          </a:bodyPr>
+          <a:lstStyle/>
+          <a:p>
+            <a:r>
+              <a:rPr lang="en-IN" sz="2000" b="1" u="sng" dirty="0"/>
+              <a:t>Mentor</a:t>
+            </a:r>
+          </a:p>
+          <a:p>
+            <a:pPr marL="457200" lvl="1" indent="0">
+              <a:buNone/>
+            </a:pPr>
+            <a:r>
+              <a:rPr lang="en-US" sz="2000" dirty="0"/>
+              <a:t>1.Add Classrooms :</a:t>
+            </a:r>
+          </a:p>
+          <a:p>
+            <a:pPr marL="857250" lvl="2" indent="0">
+              <a:buNone/>
+            </a:pPr>
+            <a:r>
+              <a:rPr lang="en-US" sz="1600" dirty="0"/>
+              <a:t>The Instructor can add new classrooms for specific topic handled by that mentor</a:t>
+            </a:r>
+          </a:p>
+          <a:p>
+            <a:pPr marL="457200" lvl="1" indent="0">
+              <a:buNone/>
+            </a:pPr>
+            <a:r>
+              <a:rPr lang="en-US" sz="2000" dirty="0"/>
+              <a:t>2. Schedule Tests/Webinars :</a:t>
+            </a:r>
+          </a:p>
+          <a:p>
+            <a:pPr marL="857250" lvl="2" indent="0">
+              <a:buNone/>
+            </a:pPr>
+            <a:r>
+              <a:rPr lang="en-US" sz="1600" dirty="0"/>
+              <a:t>The mentor can add tests and webinars under a specific classroom by entering their details and uploading question papers</a:t>
+            </a:r>
+            <a:endParaRPr lang="en-IN" sz="1600" dirty="0"/>
+          </a:p>
+          <a:p>
+            <a:pPr marL="457200" lvl="1" indent="0">
+              <a:buNone/>
+            </a:pPr>
+            <a:r>
+              <a:rPr lang="en-IN" sz="2000" dirty="0"/>
+              <a:t>3.Grade Students</a:t>
+            </a:r>
+          </a:p>
+          <a:p>
+            <a:pPr marL="857250" lvl="2" indent="0">
+              <a:buNone/>
+            </a:pPr>
+            <a:r>
+              <a:rPr lang="en-US" sz="1600" dirty="0"/>
+              <a:t>     The instructor can grade the students for those completed tests </a:t>
+            </a:r>
+            <a:endParaRPr lang="en-IN" sz="1600" dirty="0"/>
+          </a:p>
+          <a:p>
+            <a:pPr marL="457200" lvl="1" indent="0">
+              <a:buNone/>
+            </a:pPr>
+            <a:r>
+              <a:rPr lang="en-IN" sz="2000" dirty="0"/>
+              <a:t>4.Mark Attendance</a:t>
+            </a:r>
+          </a:p>
+          <a:p>
+            <a:pPr marL="857250" lvl="2" indent="0">
+              <a:buNone/>
+            </a:pPr>
+            <a:r>
+              <a:rPr lang="en-US" sz="1600" dirty="0"/>
+              <a:t>The instructor can mark the attendance for the students for a specific webinar</a:t>
+            </a:r>
+            <a:endParaRPr lang="en-IN" sz="1600" dirty="0"/>
+          </a:p>
+          <a:p>
+            <a:pPr marL="457200" lvl="1" indent="0">
+              <a:buNone/>
+            </a:pPr>
+            <a:r>
+              <a:rPr lang="en-IN" sz="2000" dirty="0"/>
+              <a:t>5.Dashboard </a:t>
+            </a:r>
+          </a:p>
+          <a:p>
+            <a:pPr marL="857250" lvl="2" indent="0">
+              <a:buNone/>
+            </a:pPr>
+            <a:r>
+              <a:rPr lang="en-IN" sz="1600" dirty="0"/>
+              <a:t>The Instructor can view the total list of students under him/her according to their grades and attendance</a:t>
+            </a:r>
+            <a:endParaRPr lang="en-IN" sz="2800" dirty="0"/>
+          </a:p>
+          <a:p>
+            <a:endParaRPr lang="en-IN" dirty="0"/>
+          </a:p>
+        </p:txBody>
+      </p:sp>
     </p:spTree>
     <p:extLst>
       <p:ext uri="{BB962C8B-B14F-4D97-AF65-F5344CB8AC3E}">
-        <p14:creationId xmlns:p14="http://schemas.microsoft.com/office/powerpoint/2010/main" val="2375083275"/>
+        <p14:creationId xmlns:p14="http://schemas.microsoft.com/office/powerpoint/2010/main" val="2331023442"/>
       </p:ext>
     </p:extLst>
   </p:cSld>
@@ -4719,10 +7476,10 @@
           <a:lstStyle/>
           <a:p>
             <a:r>
-              <a:rPr lang="en-US" u="sng" dirty="0" smtClean="0">
+              <a:rPr lang="en-US" u="sng" dirty="0">
                 <a:latin typeface="Algerian" panose="04020705040A02060702" pitchFamily="82" charset="0"/>
               </a:rPr>
-              <a:t>SEQUENCE DIAGRAM</a:t>
+              <a:t>REQUIREMENTs Gathering</a:t>
             </a:r>
             <a:endParaRPr lang="en-IN" u="sng" dirty="0">
               <a:latin typeface="Algerian" panose="04020705040A02060702" pitchFamily="82" charset="0"/>
@@ -4730,48 +7487,118 @@
           </a:p>
         </p:txBody>
       </p:sp>
-      <p:pic>
-        <p:nvPicPr>
-          <p:cNvPr id="4" name="Content Placeholder 4">
-            <a:extLst>
-              <a:ext uri="{FF2B5EF4-FFF2-40B4-BE49-F238E27FC236}">
-                <a16:creationId xmlns="" xmlns:a16="http://schemas.microsoft.com/office/drawing/2014/main" xmlns:lc="http://schemas.openxmlformats.org/drawingml/2006/lockedCanvas" id="{DF8B724B-5A0B-4D5A-9770-01A2F052810F}"/>
-              </a:ext>
-            </a:extLst>
-          </p:cNvPr>
-          <p:cNvPicPr>
-            <a:picLocks noGrp="1" noChangeAspect="1"/>
-          </p:cNvPicPr>
+      <p:sp>
+        <p:nvSpPr>
+          <p:cNvPr id="3" name="Content Placeholder 2"/>
+          <p:cNvSpPr>
+            <a:spLocks noGrp="1"/>
+          </p:cNvSpPr>
           <p:nvPr>
             <p:ph idx="1"/>
           </p:nvPr>
-        </p:nvPicPr>
-        <p:blipFill>
-          <a:blip r:embed="rId2">
-            <a:extLst>
-              <a:ext uri="{28A0092B-C50C-407E-A947-70E740481C1C}">
-                <a14:useLocalDpi xmlns:a14="http://schemas.microsoft.com/office/drawing/2010/main" val="0"/>
-              </a:ext>
-            </a:extLst>
-          </a:blip>
-          <a:stretch>
-            <a:fillRect/>
-          </a:stretch>
-        </p:blipFill>
-        <p:spPr>
-          <a:xfrm>
-            <a:off x="467544" y="1600200"/>
-            <a:ext cx="7920880" cy="5257800"/>
-          </a:xfrm>
-          <a:prstGeom prst="rect">
-            <a:avLst/>
-          </a:prstGeom>
-        </p:spPr>
-      </p:pic>
+        </p:nvSpPr>
+        <p:spPr/>
+        <p:txBody>
+          <a:bodyPr>
+            <a:normAutofit/>
+          </a:bodyPr>
+          <a:lstStyle/>
+          <a:p>
+            <a:r>
+              <a:rPr lang="en-IN" b="1" u="sng" dirty="0"/>
+              <a:t>Student</a:t>
+            </a:r>
+          </a:p>
+          <a:p>
+            <a:pPr marL="457200" lvl="1" indent="0">
+              <a:buNone/>
+            </a:pPr>
+            <a:r>
+              <a:rPr lang="en-IN" sz="2200" dirty="0"/>
+              <a:t>1.View Classrooms</a:t>
+            </a:r>
+          </a:p>
+          <a:p>
+            <a:pPr marL="857250" lvl="2" indent="0">
+              <a:buNone/>
+            </a:pPr>
+            <a:r>
+              <a:rPr lang="en-US" sz="1800" dirty="0"/>
+              <a:t>The students can view the classrooms added by their instructors </a:t>
+            </a:r>
+          </a:p>
+          <a:p>
+            <a:pPr marL="457200" lvl="1" indent="0">
+              <a:buNone/>
+            </a:pPr>
+            <a:r>
+              <a:rPr lang="en-US" sz="2200" dirty="0"/>
+              <a:t>2.View Scheduled Tests/Webinars</a:t>
+            </a:r>
+          </a:p>
+          <a:p>
+            <a:pPr marL="857250" lvl="2" indent="0">
+              <a:buNone/>
+            </a:pPr>
+            <a:r>
+              <a:rPr lang="en-US" sz="1800" dirty="0"/>
+              <a:t>The students can view the scheduled tests and webinars under each classrooms and upload answer scripts</a:t>
+            </a:r>
+            <a:endParaRPr lang="en-IN" sz="1800" dirty="0"/>
+          </a:p>
+          <a:p>
+            <a:pPr marL="457200" lvl="1" indent="0">
+              <a:buNone/>
+            </a:pPr>
+            <a:r>
+              <a:rPr lang="en-IN" sz="2200" dirty="0"/>
+              <a:t>3.Give Feedback</a:t>
+            </a:r>
+          </a:p>
+          <a:p>
+            <a:pPr marL="857250" lvl="2" indent="0">
+              <a:buNone/>
+            </a:pPr>
+            <a:r>
+              <a:rPr lang="en-US" sz="1800" dirty="0"/>
+              <a:t> The students can give their feedbacks regarding their instructors teachings and also give the ratings.</a:t>
+            </a:r>
+            <a:endParaRPr lang="en-IN" sz="1800" dirty="0"/>
+          </a:p>
+          <a:p>
+            <a:pPr marL="457200" lvl="1" indent="0">
+              <a:buNone/>
+            </a:pPr>
+            <a:r>
+              <a:rPr lang="en-IN" sz="2200" dirty="0"/>
+              <a:t>4.View Profile</a:t>
+            </a:r>
+          </a:p>
+          <a:p>
+            <a:pPr marL="857250" lvl="2" indent="0">
+              <a:buNone/>
+            </a:pPr>
+            <a:r>
+              <a:rPr lang="en-US" sz="1800" dirty="0"/>
+              <a:t>The students will have a personal dashboard where they can track their progress and their attendance and grades</a:t>
+            </a:r>
+            <a:endParaRPr lang="en-IN" sz="1800" dirty="0"/>
+          </a:p>
+          <a:p>
+            <a:pPr marL="457200" lvl="1" indent="0">
+              <a:buNone/>
+            </a:pPr>
+            <a:endParaRPr lang="en-IN" sz="2200" dirty="0"/>
+          </a:p>
+          <a:p>
+            <a:endParaRPr lang="en-IN" sz="2200" dirty="0"/>
+          </a:p>
+        </p:txBody>
+      </p:sp>
     </p:spTree>
     <p:extLst>
       <p:ext uri="{BB962C8B-B14F-4D97-AF65-F5344CB8AC3E}">
-        <p14:creationId xmlns:p14="http://schemas.microsoft.com/office/powerpoint/2010/main" val="214344706"/>
+        <p14:creationId xmlns:p14="http://schemas.microsoft.com/office/powerpoint/2010/main" val="593977749"/>
       </p:ext>
     </p:extLst>
   </p:cSld>
@@ -4814,10 +7641,10 @@
           <a:lstStyle/>
           <a:p>
             <a:r>
-              <a:rPr lang="en-US" u="sng" dirty="0" smtClean="0">
+              <a:rPr lang="en-US" u="sng" dirty="0">
                 <a:latin typeface="Algerian" panose="04020705040A02060702" pitchFamily="82" charset="0"/>
               </a:rPr>
-              <a:t>SYSTEM REQUIREMENTS</a:t>
+              <a:t>USECASE DIAGRAM</a:t>
             </a:r>
             <a:endParaRPr lang="en-IN" u="sng" dirty="0">
               <a:latin typeface="Algerian" panose="04020705040A02060702" pitchFamily="82" charset="0"/>
@@ -4825,154 +7652,45 @@
           </a:p>
         </p:txBody>
       </p:sp>
-      <p:sp>
-        <p:nvSpPr>
-          <p:cNvPr id="3" name="Content Placeholder 2"/>
-          <p:cNvSpPr>
-            <a:spLocks noGrp="1"/>
-          </p:cNvSpPr>
+      <p:pic>
+        <p:nvPicPr>
+          <p:cNvPr id="7" name="Content Placeholder 6">
+            <a:extLst>
+              <a:ext uri="{FF2B5EF4-FFF2-40B4-BE49-F238E27FC236}">
+                <a16:creationId xmlns:a16="http://schemas.microsoft.com/office/drawing/2014/main" id="{A5E36604-BB99-43FC-B121-2773B6B042F7}"/>
+              </a:ext>
+            </a:extLst>
+          </p:cNvPr>
+          <p:cNvPicPr>
+            <a:picLocks noGrp="1" noChangeAspect="1"/>
+          </p:cNvPicPr>
           <p:nvPr>
             <p:ph idx="1"/>
           </p:nvPr>
-        </p:nvSpPr>
-        <p:spPr/>
-        <p:txBody>
-          <a:bodyPr>
-            <a:normAutofit fontScale="77500" lnSpcReduction="20000"/>
-          </a:bodyPr>
-          <a:lstStyle/>
-          <a:p>
-            <a:r>
-              <a:rPr lang="en-US" b="1" u="sng" dirty="0"/>
-              <a:t>Admin </a:t>
-            </a:r>
-          </a:p>
-          <a:p>
-            <a:pPr marL="914400" lvl="1" indent="-457200">
-              <a:buFont typeface="+mj-lt"/>
-              <a:buAutoNum type="arabicPeriod"/>
-            </a:pPr>
-            <a:r>
-              <a:rPr lang="en-US" dirty="0"/>
-              <a:t>Add Student/Instructors</a:t>
-            </a:r>
-          </a:p>
-          <a:p>
-            <a:pPr marL="914400" lvl="1" indent="-457200">
-              <a:buFont typeface="+mj-lt"/>
-              <a:buAutoNum type="arabicPeriod"/>
-            </a:pPr>
-            <a:r>
-              <a:rPr lang="en-US" dirty="0"/>
-              <a:t>Assign Mentors</a:t>
-            </a:r>
-          </a:p>
-          <a:p>
-            <a:pPr marL="914400" lvl="1" indent="-457200">
-              <a:buFont typeface="+mj-lt"/>
-              <a:buAutoNum type="arabicPeriod"/>
-            </a:pPr>
-            <a:r>
-              <a:rPr lang="en-US" dirty="0"/>
-              <a:t>View Feedback</a:t>
-            </a:r>
-            <a:endParaRPr lang="en-IN" dirty="0"/>
-          </a:p>
-          <a:p>
-            <a:r>
-              <a:rPr lang="en-IN" b="1" u="sng" dirty="0"/>
-              <a:t>Instructor</a:t>
-            </a:r>
-          </a:p>
-          <a:p>
-            <a:pPr marL="914400" lvl="1" indent="-457200">
-              <a:buFont typeface="+mj-lt"/>
-              <a:buAutoNum type="arabicPeriod"/>
-            </a:pPr>
-            <a:r>
-              <a:rPr lang="en-IN" dirty="0"/>
-              <a:t>Schedule Webinar and Tests</a:t>
-            </a:r>
-          </a:p>
-          <a:p>
-            <a:pPr marL="914400" lvl="1" indent="-457200">
-              <a:buFont typeface="+mj-lt"/>
-              <a:buAutoNum type="arabicPeriod"/>
-            </a:pPr>
-            <a:r>
-              <a:rPr lang="en-IN" dirty="0"/>
-              <a:t>Grade Students</a:t>
-            </a:r>
-          </a:p>
-          <a:p>
-            <a:pPr marL="914400" lvl="1" indent="-457200">
-              <a:buFont typeface="+mj-lt"/>
-              <a:buAutoNum type="arabicPeriod"/>
-            </a:pPr>
-            <a:r>
-              <a:rPr lang="en-IN" dirty="0"/>
-              <a:t>Mark Attendance</a:t>
-            </a:r>
-          </a:p>
-          <a:p>
-            <a:pPr marL="914400" lvl="1" indent="-457200">
-              <a:buFont typeface="+mj-lt"/>
-              <a:buAutoNum type="arabicPeriod"/>
-            </a:pPr>
-            <a:r>
-              <a:rPr lang="en-IN" dirty="0"/>
-              <a:t>View Grades / Attendance</a:t>
-            </a:r>
-          </a:p>
-          <a:p>
-            <a:r>
-              <a:rPr lang="en-IN" b="1" u="sng" dirty="0"/>
-              <a:t>Student</a:t>
-            </a:r>
-          </a:p>
-          <a:p>
-            <a:pPr marL="914400" lvl="1" indent="-457200">
-              <a:buFont typeface="+mj-lt"/>
-              <a:buAutoNum type="arabicPeriod"/>
-            </a:pPr>
-            <a:r>
-              <a:rPr lang="en-IN" dirty="0"/>
-              <a:t>View Scheduled tests and webinars</a:t>
-            </a:r>
-          </a:p>
-          <a:p>
-            <a:pPr marL="914400" lvl="1" indent="-457200">
-              <a:buFont typeface="+mj-lt"/>
-              <a:buAutoNum type="arabicPeriod"/>
-            </a:pPr>
-            <a:r>
-              <a:rPr lang="en-IN" dirty="0"/>
-              <a:t>Give Feedback</a:t>
-            </a:r>
-          </a:p>
-          <a:p>
-            <a:pPr marL="914400" lvl="1" indent="-457200">
-              <a:buFont typeface="+mj-lt"/>
-              <a:buAutoNum type="arabicPeriod"/>
-            </a:pPr>
-            <a:r>
-              <a:rPr lang="en-IN" dirty="0"/>
-              <a:t>View Profile</a:t>
-            </a:r>
-            <a:endParaRPr lang="en-US" dirty="0"/>
-          </a:p>
-          <a:p>
-            <a:endParaRPr lang="en-IN" dirty="0"/>
-          </a:p>
-          <a:p>
-            <a:endParaRPr lang="en-IN" dirty="0"/>
-          </a:p>
-        </p:txBody>
-      </p:sp>
+        </p:nvPicPr>
+        <p:blipFill>
+          <a:blip r:embed="rId2">
+            <a:extLst>
+              <a:ext uri="{28A0092B-C50C-407E-A947-70E740481C1C}">
+                <a14:useLocalDpi xmlns:a14="http://schemas.microsoft.com/office/drawing/2010/main" val="0"/>
+              </a:ext>
+            </a:extLst>
+          </a:blip>
+          <a:stretch>
+            <a:fillRect/>
+          </a:stretch>
+        </p:blipFill>
+        <p:spPr>
+          <a:xfrm>
+            <a:off x="1555403" y="1600200"/>
+            <a:ext cx="6033194" cy="4525963"/>
+          </a:xfrm>
+        </p:spPr>
+      </p:pic>
     </p:spTree>
     <p:extLst>
       <p:ext uri="{BB962C8B-B14F-4D97-AF65-F5344CB8AC3E}">
-        <p14:creationId xmlns:p14="http://schemas.microsoft.com/office/powerpoint/2010/main" val="1970406943"/>
+        <p14:creationId xmlns:p14="http://schemas.microsoft.com/office/powerpoint/2010/main" val="628506565"/>
       </p:ext>
     </p:extLst>
   </p:cSld>
@@ -5015,10 +7733,10 @@
           <a:lstStyle/>
           <a:p>
             <a:r>
-              <a:rPr lang="en-US" u="sng" dirty="0" smtClean="0">
+              <a:rPr lang="en-US" u="sng" dirty="0">
                 <a:latin typeface="Algerian" panose="04020705040A02060702" pitchFamily="82" charset="0"/>
               </a:rPr>
-              <a:t>SYSTEM REQUIREMENT</a:t>
+              <a:t>FRONT END-HTML</a:t>
             </a:r>
             <a:endParaRPr lang="en-IN" u="sng" dirty="0">
               <a:latin typeface="Algerian" panose="04020705040A02060702" pitchFamily="82" charset="0"/>
@@ -5036,175 +7754,157 @@
             <p:ph idx="1"/>
           </p:nvPr>
         </p:nvSpPr>
-        <p:spPr>
+        <p:spPr/>
+        <p:txBody>
+          <a:bodyPr>
+            <a:normAutofit/>
+          </a:bodyPr>
+          <a:lstStyle/>
+          <a:p>
+            <a:pPr marL="0" indent="0">
+              <a:buNone/>
+            </a:pPr>
+            <a:r>
+              <a:rPr lang="en-IN" sz="2400" dirty="0" err="1">
+                <a:latin typeface="Times New Roman" panose="02020603050405020304" pitchFamily="18" charset="0"/>
+                <a:cs typeface="Times New Roman" panose="02020603050405020304" pitchFamily="18" charset="0"/>
+              </a:rPr>
+              <a:t>HyperText</a:t>
+            </a:r>
+            <a:r>
+              <a:rPr lang="en-IN" sz="2400" dirty="0">
+                <a:latin typeface="Times New Roman" panose="02020603050405020304" pitchFamily="18" charset="0"/>
+                <a:cs typeface="Times New Roman" panose="02020603050405020304" pitchFamily="18" charset="0"/>
+              </a:rPr>
+              <a:t> </a:t>
+            </a:r>
+            <a:r>
+              <a:rPr lang="en-IN" sz="2400" dirty="0" err="1">
+                <a:latin typeface="Times New Roman" panose="02020603050405020304" pitchFamily="18" charset="0"/>
+                <a:cs typeface="Times New Roman" panose="02020603050405020304" pitchFamily="18" charset="0"/>
+              </a:rPr>
+              <a:t>Markup</a:t>
+            </a:r>
+            <a:r>
+              <a:rPr lang="en-IN" sz="2400" dirty="0">
+                <a:latin typeface="Times New Roman" panose="02020603050405020304" pitchFamily="18" charset="0"/>
+                <a:cs typeface="Times New Roman" panose="02020603050405020304" pitchFamily="18" charset="0"/>
+              </a:rPr>
+              <a:t> Language (HTML) is </a:t>
+            </a:r>
+            <a:r>
+              <a:rPr lang="en-IN" sz="2400" b="1" dirty="0">
+                <a:latin typeface="Times New Roman" panose="02020603050405020304" pitchFamily="18" charset="0"/>
+                <a:cs typeface="Times New Roman" panose="02020603050405020304" pitchFamily="18" charset="0"/>
+              </a:rPr>
+              <a:t>the set of </a:t>
+            </a:r>
+            <a:r>
+              <a:rPr lang="en-IN" sz="2400" b="1" dirty="0" err="1">
+                <a:latin typeface="Times New Roman" panose="02020603050405020304" pitchFamily="18" charset="0"/>
+                <a:cs typeface="Times New Roman" panose="02020603050405020304" pitchFamily="18" charset="0"/>
+              </a:rPr>
+              <a:t>markup</a:t>
+            </a:r>
+            <a:r>
+              <a:rPr lang="en-IN" sz="2400" b="1" dirty="0">
+                <a:latin typeface="Times New Roman" panose="02020603050405020304" pitchFamily="18" charset="0"/>
+                <a:cs typeface="Times New Roman" panose="02020603050405020304" pitchFamily="18" charset="0"/>
+              </a:rPr>
+              <a:t> symbols or codes inserted into a file intended for display on the Internet</a:t>
+            </a:r>
+            <a:r>
+              <a:rPr lang="en-IN" sz="2400" dirty="0">
+                <a:latin typeface="Times New Roman" panose="02020603050405020304" pitchFamily="18" charset="0"/>
+                <a:cs typeface="Times New Roman" panose="02020603050405020304" pitchFamily="18" charset="0"/>
+              </a:rPr>
+              <a:t>. The </a:t>
+            </a:r>
+            <a:r>
+              <a:rPr lang="en-IN" sz="2400" dirty="0" err="1">
+                <a:latin typeface="Times New Roman" panose="02020603050405020304" pitchFamily="18" charset="0"/>
+                <a:cs typeface="Times New Roman" panose="02020603050405020304" pitchFamily="18" charset="0"/>
+              </a:rPr>
+              <a:t>markup</a:t>
+            </a:r>
+            <a:r>
+              <a:rPr lang="en-IN" sz="2400" dirty="0">
+                <a:latin typeface="Times New Roman" panose="02020603050405020304" pitchFamily="18" charset="0"/>
+                <a:cs typeface="Times New Roman" panose="02020603050405020304" pitchFamily="18" charset="0"/>
+              </a:rPr>
+              <a:t> tells web browsers how to display a web page's words and images.</a:t>
+            </a:r>
+          </a:p>
+        </p:txBody>
+      </p:sp>
+      <p:pic>
+        <p:nvPicPr>
+          <p:cNvPr id="1026" name="Picture 2"/>
+          <p:cNvPicPr>
+            <a:picLocks noChangeAspect="1" noChangeArrowheads="1"/>
+          </p:cNvPicPr>
+          <p:nvPr/>
+        </p:nvPicPr>
+        <p:blipFill>
+          <a:blip r:embed="rId2">
+            <a:extLst>
+              <a:ext uri="{28A0092B-C50C-407E-A947-70E740481C1C}">
+                <a14:useLocalDpi xmlns:a14="http://schemas.microsoft.com/office/drawing/2010/main" val="0"/>
+              </a:ext>
+            </a:extLst>
+          </a:blip>
+          <a:srcRect/>
+          <a:stretch>
+            <a:fillRect/>
+          </a:stretch>
+        </p:blipFill>
+        <p:spPr bwMode="auto">
           <a:xfrm>
-            <a:off x="457200" y="1600200"/>
-            <a:ext cx="8229600" cy="5069160"/>
+            <a:off x="2865909" y="3356992"/>
+            <a:ext cx="2736304" cy="2736304"/>
           </a:xfrm>
+          <a:prstGeom prst="rect">
+            <a:avLst/>
+          </a:prstGeom>
+          <a:noFill/>
+          <a:ln>
+            <a:noFill/>
+          </a:ln>
+          <a:effectLst/>
+          <a:extLst>
+            <a:ext uri="{909E8E84-426E-40DD-AFC4-6F175D3DCCD1}">
+              <a14:hiddenFill xmlns:a14="http://schemas.microsoft.com/office/drawing/2010/main">
+                <a:solidFill>
+                  <a:schemeClr val="accent1"/>
+                </a:solidFill>
+              </a14:hiddenFill>
+            </a:ext>
+            <a:ext uri="{91240B29-F687-4F45-9708-019B960494DF}">
+              <a14:hiddenLine xmlns:a14="http://schemas.microsoft.com/office/drawing/2010/main" w="9525">
+                <a:solidFill>
+                  <a:schemeClr val="tx1"/>
+                </a:solidFill>
+                <a:miter lim="800000"/>
+                <a:headEnd/>
+                <a:tailEnd/>
+              </a14:hiddenLine>
+            </a:ext>
+            <a:ext uri="{AF507438-7753-43E0-B8FC-AC1667EBCBE1}">
+              <a14:hiddenEffects xmlns:a14="http://schemas.microsoft.com/office/drawing/2010/main">
+                <a:effectLst>
+                  <a:outerShdw dist="35921" dir="2700000" algn="ctr" rotWithShape="0">
+                    <a:schemeClr val="bg2"/>
+                  </a:outerShdw>
+                </a:effectLst>
+              </a14:hiddenEffects>
+            </a:ext>
+          </a:extLst>
         </p:spPr>
-        <p:txBody>
-          <a:bodyPr>
-            <a:noAutofit/>
-          </a:bodyPr>
-          <a:lstStyle/>
-          <a:p>
-            <a:r>
-              <a:rPr lang="en-US" sz="1600" b="1" u="sng" dirty="0"/>
-              <a:t>Admin </a:t>
-            </a:r>
-          </a:p>
-          <a:p>
-            <a:pPr marL="914400" lvl="1" indent="-457200">
-              <a:buFont typeface="+mj-lt"/>
-              <a:buAutoNum type="arabicPeriod"/>
-            </a:pPr>
-            <a:r>
-              <a:rPr lang="en-US" sz="1600" dirty="0"/>
-              <a:t>Add Student/Instructors</a:t>
-            </a:r>
-          </a:p>
-          <a:p>
-            <a:pPr marL="457200" lvl="1" indent="0">
-              <a:buNone/>
-            </a:pPr>
-            <a:r>
-              <a:rPr lang="en-US" sz="1600" dirty="0"/>
-              <a:t>The admin can add new students and instructors to the database by entering their details</a:t>
-            </a:r>
-          </a:p>
-          <a:p>
-            <a:pPr marL="914400" lvl="1" indent="-457200">
-              <a:buAutoNum type="arabicPeriod" startAt="2"/>
-            </a:pPr>
-            <a:r>
-              <a:rPr lang="en-US" sz="1600" dirty="0"/>
-              <a:t>Assign Mentors</a:t>
-            </a:r>
-          </a:p>
-          <a:p>
-            <a:pPr marL="457200" lvl="1" indent="0">
-              <a:buNone/>
-            </a:pPr>
-            <a:r>
-              <a:rPr lang="en-US" sz="1600" dirty="0"/>
-              <a:t>The newly added students need to be assigned a mentor</a:t>
-            </a:r>
-          </a:p>
-          <a:p>
-            <a:pPr marL="914400" lvl="1" indent="-457200">
-              <a:buAutoNum type="arabicPeriod" startAt="3"/>
-            </a:pPr>
-            <a:r>
-              <a:rPr lang="en-US" sz="1600" dirty="0"/>
-              <a:t>View Feedback</a:t>
-            </a:r>
-          </a:p>
-          <a:p>
-            <a:pPr marL="457200" lvl="1" indent="0">
-              <a:buNone/>
-            </a:pPr>
-            <a:r>
-              <a:rPr lang="en-US" sz="1600" dirty="0"/>
-              <a:t>The feedbacks of the students regarding the faculties can be viewed by the admin to track the instructors’ progress.</a:t>
-            </a:r>
-          </a:p>
-          <a:p>
-            <a:r>
-              <a:rPr lang="en-IN" sz="1600" b="1" u="sng" dirty="0"/>
-              <a:t>Instructor</a:t>
-            </a:r>
-          </a:p>
-          <a:p>
-            <a:pPr marL="914400" lvl="1" indent="-457200">
-              <a:buFont typeface="+mj-lt"/>
-              <a:buAutoNum type="arabicPeriod"/>
-            </a:pPr>
-            <a:r>
-              <a:rPr lang="en-IN" sz="1600" dirty="0"/>
-              <a:t>Schedule Webinar and Tests</a:t>
-            </a:r>
-          </a:p>
-          <a:p>
-            <a:pPr marL="457200" lvl="1" indent="0">
-              <a:buNone/>
-            </a:pPr>
-            <a:r>
-              <a:rPr lang="en-US" sz="1600" dirty="0"/>
-              <a:t>     The Instructor can schedule tests or webinars by entering the date and time </a:t>
-            </a:r>
-            <a:endParaRPr lang="en-IN" sz="1600" dirty="0"/>
-          </a:p>
-          <a:p>
-            <a:pPr marL="914400" lvl="1" indent="-457200">
-              <a:buAutoNum type="arabicPeriod" startAt="2"/>
-            </a:pPr>
-            <a:r>
-              <a:rPr lang="en-IN" sz="1600" dirty="0"/>
-              <a:t>Grade Students</a:t>
-            </a:r>
-          </a:p>
-          <a:p>
-            <a:pPr marL="457200" lvl="1" indent="0">
-              <a:buNone/>
-            </a:pPr>
-            <a:r>
-              <a:rPr lang="en-US" sz="1600" dirty="0"/>
-              <a:t>     The instructor can grade the students for those completed tests </a:t>
-            </a:r>
-            <a:endParaRPr lang="en-IN" sz="1600" dirty="0"/>
-          </a:p>
-          <a:p>
-            <a:pPr marL="914400" lvl="1" indent="-457200">
-              <a:buAutoNum type="arabicPlain" startAt="3"/>
-            </a:pPr>
-            <a:r>
-              <a:rPr lang="en-IN" sz="1600" dirty="0"/>
-              <a:t>Mark Attendance</a:t>
-            </a:r>
-          </a:p>
-          <a:p>
-            <a:pPr marL="457200" lvl="1" indent="0">
-              <a:buNone/>
-            </a:pPr>
-            <a:r>
-              <a:rPr lang="en-US" sz="1600" dirty="0"/>
-              <a:t>The instructor can mark the attendance for the students for a specific webinar</a:t>
-            </a:r>
-            <a:endParaRPr lang="en-IN" sz="1600" dirty="0"/>
-          </a:p>
-          <a:p>
-            <a:pPr marL="914400" lvl="1" indent="-457200">
-              <a:buAutoNum type="arabicPlain" startAt="4"/>
-            </a:pPr>
-            <a:r>
-              <a:rPr lang="en-IN" sz="1600" dirty="0"/>
-              <a:t>View Grades / Attendance</a:t>
-            </a:r>
-          </a:p>
-          <a:p>
-            <a:pPr marL="457200" lvl="1" indent="0">
-              <a:buNone/>
-            </a:pPr>
-            <a:r>
-              <a:rPr lang="en-US" sz="1600" dirty="0"/>
-              <a:t> The instructor can track the students’ progress by viewing their attendance and grades</a:t>
-            </a:r>
-          </a:p>
-          <a:p>
-            <a:pPr marL="914400" lvl="1" indent="-457200">
-              <a:buAutoNum type="arabicPlain" startAt="4"/>
-            </a:pPr>
-            <a:endParaRPr lang="en-IN" sz="1600" dirty="0"/>
-          </a:p>
-          <a:p>
-            <a:endParaRPr lang="en-IN" sz="1600" dirty="0"/>
-          </a:p>
-        </p:txBody>
-      </p:sp>
+      </p:pic>
     </p:spTree>
     <p:extLst>
       <p:ext uri="{BB962C8B-B14F-4D97-AF65-F5344CB8AC3E}">
-        <p14:creationId xmlns:p14="http://schemas.microsoft.com/office/powerpoint/2010/main" val="3961622257"/>
+        <p14:creationId xmlns:p14="http://schemas.microsoft.com/office/powerpoint/2010/main" val="1043786657"/>
       </p:ext>
     </p:extLst>
   </p:cSld>
